--- a/materials/slides/ch18.pptx
+++ b/materials/slides/ch18.pptx
@@ -10,7 +10,14 @@
   <p:sldIdLst>
     <p:sldId id="1152" r:id="rId3"/>
     <p:sldId id="1154" r:id="rId5"/>
-    <p:sldId id="1153" r:id="rId6"/>
+    <p:sldId id="1158" r:id="rId6"/>
+    <p:sldId id="1159" r:id="rId7"/>
+    <p:sldId id="1160" r:id="rId8"/>
+    <p:sldId id="1161" r:id="rId9"/>
+    <p:sldId id="1156" r:id="rId10"/>
+    <p:sldId id="1162" r:id="rId11"/>
+    <p:sldId id="1157" r:id="rId12"/>
+    <p:sldId id="1153" r:id="rId13"/>
   </p:sldIdLst>
   <p:sldSz cx="12192000" cy="6858000"/>
   <p:notesSz cx="6797675" cy="9928225"/>
@@ -2187,498 +2194,7 @@
 </p:sld>
 </file>
 
-<file path=ppt/slides/slide2.xml><?xml version="1.0" encoding="utf-8"?>
-<p:sld xmlns:a="http://schemas.openxmlformats.org/drawingml/2006/main" xmlns:r="http://schemas.openxmlformats.org/officeDocument/2006/relationships" xmlns:p="http://schemas.openxmlformats.org/presentationml/2006/main">
-  <p:cSld>
-    <p:spTree>
-      <p:nvGrpSpPr>
-        <p:cNvPr id="1" name=""/>
-        <p:cNvGrpSpPr/>
-        <p:nvPr/>
-      </p:nvGrpSpPr>
-      <p:grpSpPr>
-        <a:xfrm>
-          <a:off x="0" y="0"/>
-          <a:ext cx="0" cy="0"/>
-          <a:chOff x="0" y="0"/>
-          <a:chExt cx="0" cy="0"/>
-        </a:xfrm>
-      </p:grpSpPr>
-      <p:sp>
-        <p:nvSpPr>
-          <p:cNvPr id="3" name="内容占位符 2"/>
-          <p:cNvSpPr>
-            <a:spLocks noGrp="1"/>
-          </p:cNvSpPr>
-          <p:nvPr/>
-        </p:nvSpPr>
-        <p:spPr>
-          <a:xfrm>
-            <a:off x="947204" y="236943"/>
-            <a:ext cx="8191557" cy="490476"/>
-          </a:xfrm>
-          <a:prstGeom prst="rect">
-            <a:avLst/>
-          </a:prstGeom>
-        </p:spPr>
-        <p:txBody>
-          <a:bodyPr/>
-          <a:lstStyle>
-            <a:lvl1pPr marL="167005" indent="-167005" algn="l" defTabSz="0" rtl="0" eaLnBrk="0" fontAlgn="base" hangingPunct="0">
-              <a:spcBef>
-                <a:spcPct val="0"/>
-              </a:spcBef>
-              <a:spcAft>
-                <a:spcPct val="15000"/>
-              </a:spcAft>
-              <a:buClr>
-                <a:schemeClr val="tx2"/>
-              </a:buClr>
-              <a:buFont typeface="Arial" panose="020B0604020202020204" pitchFamily="34" charset="0"/>
-              <a:buNone/>
-              <a:defRPr sz="3200" b="0">
-                <a:solidFill>
-                  <a:srgbClr val="C00000"/>
-                </a:solidFill>
-                <a:latin typeface="微软雅黑" panose="020B0503020204020204" pitchFamily="34" charset="-122"/>
-                <a:ea typeface="微软雅黑" panose="020B0503020204020204" pitchFamily="34" charset="-122"/>
-                <a:cs typeface="+mn-cs"/>
-              </a:defRPr>
-            </a:lvl1pPr>
-            <a:lvl2pPr marL="398780" indent="-230505" algn="l" defTabSz="0" rtl="0" eaLnBrk="0" fontAlgn="base" hangingPunct="0">
-              <a:spcBef>
-                <a:spcPct val="0"/>
-              </a:spcBef>
-              <a:spcAft>
-                <a:spcPct val="15000"/>
-              </a:spcAft>
-              <a:buClr>
-                <a:schemeClr val="tx2"/>
-              </a:buClr>
-              <a:buFont typeface="Arial" panose="020B0604020202020204" pitchFamily="34" charset="0"/>
-              <a:buChar char="–"/>
-              <a:defRPr sz="2000">
-                <a:solidFill>
-                  <a:schemeClr val="tx1"/>
-                </a:solidFill>
-                <a:latin typeface="微软雅黑" panose="020B0503020204020204" pitchFamily="34" charset="-122"/>
-                <a:ea typeface="微软雅黑" panose="020B0503020204020204" pitchFamily="34" charset="-122"/>
-              </a:defRPr>
-            </a:lvl2pPr>
-            <a:lvl3pPr marL="400050" indent="182880" algn="l" defTabSz="0" rtl="0" eaLnBrk="0" fontAlgn="base" hangingPunct="0">
-              <a:spcBef>
-                <a:spcPct val="0"/>
-              </a:spcBef>
-              <a:spcAft>
-                <a:spcPct val="15000"/>
-              </a:spcAft>
-              <a:buClr>
-                <a:schemeClr val="tx2"/>
-              </a:buClr>
-              <a:buFont typeface="Arial" panose="020B0604020202020204" pitchFamily="34" charset="0"/>
-              <a:buChar char="•"/>
-              <a:defRPr sz="1600">
-                <a:solidFill>
-                  <a:schemeClr val="tx1"/>
-                </a:solidFill>
-                <a:latin typeface="微软雅黑" panose="020B0503020204020204" pitchFamily="34" charset="-122"/>
-                <a:ea typeface="微软雅黑" panose="020B0503020204020204" pitchFamily="34" charset="-122"/>
-              </a:defRPr>
-            </a:lvl3pPr>
-            <a:lvl4pPr marL="825500" indent="-241300" algn="l" defTabSz="0" rtl="0" eaLnBrk="0" fontAlgn="base" hangingPunct="0">
-              <a:spcBef>
-                <a:spcPct val="0"/>
-              </a:spcBef>
-              <a:spcAft>
-                <a:spcPct val="15000"/>
-              </a:spcAft>
-              <a:buClr>
-                <a:schemeClr val="tx2"/>
-              </a:buClr>
-              <a:buFont typeface="Arial" panose="020B0604020202020204" pitchFamily="34" charset="0"/>
-              <a:buChar char="–"/>
-              <a:defRPr sz="1600">
-                <a:solidFill>
-                  <a:schemeClr val="tx1"/>
-                </a:solidFill>
-                <a:latin typeface="微软雅黑" panose="020B0503020204020204" pitchFamily="34" charset="-122"/>
-                <a:ea typeface="微软雅黑" panose="020B0503020204020204" pitchFamily="34" charset="-122"/>
-              </a:defRPr>
-            </a:lvl4pPr>
-            <a:lvl5pPr marL="2057400" indent="-228600" algn="l" defTabSz="0" rtl="0" eaLnBrk="0" fontAlgn="base" hangingPunct="0">
-              <a:spcBef>
-                <a:spcPct val="0"/>
-              </a:spcBef>
-              <a:spcAft>
-                <a:spcPct val="25000"/>
-              </a:spcAft>
-              <a:buClr>
-                <a:schemeClr val="tx2"/>
-              </a:buClr>
-              <a:buFont typeface="Arial" panose="020B0604020202020204" pitchFamily="34" charset="0"/>
-              <a:buChar char="–"/>
-              <a:defRPr sz="2000">
-                <a:solidFill>
-                  <a:schemeClr val="tx1"/>
-                </a:solidFill>
-                <a:latin typeface="+mn-lt"/>
-                <a:ea typeface="微软雅黑" panose="020B0503020204020204" pitchFamily="34" charset="-122"/>
-              </a:defRPr>
-            </a:lvl5pPr>
-            <a:lvl6pPr marL="2514600" indent="-228600" algn="l" defTabSz="0" rtl="0" eaLnBrk="0" fontAlgn="base" hangingPunct="0">
-              <a:spcBef>
-                <a:spcPct val="0"/>
-              </a:spcBef>
-              <a:spcAft>
-                <a:spcPct val="25000"/>
-              </a:spcAft>
-              <a:buClr>
-                <a:schemeClr val="tx2"/>
-              </a:buClr>
-              <a:buFont typeface="Arial" panose="020B0604020202020204" pitchFamily="34" charset="0"/>
-              <a:buChar char="–"/>
-              <a:defRPr>
-                <a:solidFill>
-                  <a:schemeClr val="tx1"/>
-                </a:solidFill>
-                <a:latin typeface="+mn-lt"/>
-              </a:defRPr>
-            </a:lvl6pPr>
-            <a:lvl7pPr marL="2971800" indent="-228600" algn="l" defTabSz="0" rtl="0" eaLnBrk="0" fontAlgn="base" hangingPunct="0">
-              <a:spcBef>
-                <a:spcPct val="0"/>
-              </a:spcBef>
-              <a:spcAft>
-                <a:spcPct val="25000"/>
-              </a:spcAft>
-              <a:buClr>
-                <a:schemeClr val="tx2"/>
-              </a:buClr>
-              <a:buFont typeface="Arial" panose="020B0604020202020204" pitchFamily="34" charset="0"/>
-              <a:buChar char="–"/>
-              <a:defRPr>
-                <a:solidFill>
-                  <a:schemeClr val="tx1"/>
-                </a:solidFill>
-                <a:latin typeface="+mn-lt"/>
-              </a:defRPr>
-            </a:lvl7pPr>
-            <a:lvl8pPr marL="3429000" indent="-228600" algn="l" defTabSz="0" rtl="0" eaLnBrk="0" fontAlgn="base" hangingPunct="0">
-              <a:spcBef>
-                <a:spcPct val="0"/>
-              </a:spcBef>
-              <a:spcAft>
-                <a:spcPct val="25000"/>
-              </a:spcAft>
-              <a:buClr>
-                <a:schemeClr val="tx2"/>
-              </a:buClr>
-              <a:buFont typeface="Arial" panose="020B0604020202020204" pitchFamily="34" charset="0"/>
-              <a:buChar char="–"/>
-              <a:defRPr>
-                <a:solidFill>
-                  <a:schemeClr val="tx1"/>
-                </a:solidFill>
-                <a:latin typeface="+mn-lt"/>
-              </a:defRPr>
-            </a:lvl8pPr>
-            <a:lvl9pPr marL="3886200" indent="-228600" algn="l" defTabSz="0" rtl="0" eaLnBrk="0" fontAlgn="base" hangingPunct="0">
-              <a:spcBef>
-                <a:spcPct val="0"/>
-              </a:spcBef>
-              <a:spcAft>
-                <a:spcPct val="25000"/>
-              </a:spcAft>
-              <a:buClr>
-                <a:schemeClr val="tx2"/>
-              </a:buClr>
-              <a:buFont typeface="Arial" panose="020B0604020202020204" pitchFamily="34" charset="0"/>
-              <a:buChar char="–"/>
-              <a:defRPr>
-                <a:solidFill>
-                  <a:schemeClr val="tx1"/>
-                </a:solidFill>
-                <a:latin typeface="+mn-lt"/>
-              </a:defRPr>
-            </a:lvl9pPr>
-          </a:lstStyle>
-          <a:p>
-            <a:r>
-              <a:rPr lang="zh-CN" dirty="0" smtClean="0"/>
-              <a:t>内容刚要</a:t>
-            </a:r>
-            <a:endParaRPr lang="zh-CN" dirty="0" smtClean="0"/>
-          </a:p>
-        </p:txBody>
-      </p:sp>
-      <p:sp>
-        <p:nvSpPr>
-          <p:cNvPr id="4" name="AutoShape 6"/>
-          <p:cNvSpPr>
-            <a:spLocks noChangeArrowheads="1"/>
-          </p:cNvSpPr>
-          <p:nvPr/>
-        </p:nvSpPr>
-        <p:spPr bwMode="auto">
-          <a:xfrm>
-            <a:off x="2739708" y="1261111"/>
-            <a:ext cx="6711950" cy="4214813"/>
-          </a:xfrm>
-          <a:prstGeom prst="roundRect">
-            <a:avLst>
-              <a:gd name="adj" fmla="val 16667"/>
-            </a:avLst>
-          </a:prstGeom>
-          <a:noFill/>
-          <a:ln w="28575">
-            <a:solidFill>
-              <a:srgbClr val="C0C0C0"/>
-            </a:solidFill>
-            <a:prstDash val="sysDot"/>
-            <a:round/>
-          </a:ln>
-          <a:extLst>
-            <a:ext uri="{909E8E84-426E-40DD-AFC4-6F175D3DCCD1}">
-              <a14:hiddenFill xmlns:a14="http://schemas.microsoft.com/office/drawing/2010/main">
-                <a:solidFill>
-                  <a:srgbClr val="FFFFFF"/>
-                </a:solidFill>
-              </a14:hiddenFill>
-            </a:ext>
-          </a:extLst>
-        </p:spPr>
-        <p:txBody>
-          <a:bodyPr wrap="none" anchor="ctr"/>
-          <a:lstStyle>
-            <a:lvl1pPr marL="457200" indent="-457200">
-              <a:defRPr sz="3200">
-                <a:solidFill>
-                  <a:schemeClr val="tx1"/>
-                </a:solidFill>
-                <a:latin typeface="Arial" panose="020B0604020202020204" pitchFamily="34" charset="0"/>
-                <a:ea typeface="微软雅黑" panose="020B0503020204020204" pitchFamily="34" charset="-122"/>
-              </a:defRPr>
-            </a:lvl1pPr>
-            <a:lvl2pPr marL="742950" indent="-285750">
-              <a:defRPr sz="3200">
-                <a:solidFill>
-                  <a:schemeClr val="tx1"/>
-                </a:solidFill>
-                <a:latin typeface="Arial" panose="020B0604020202020204" pitchFamily="34" charset="0"/>
-                <a:ea typeface="微软雅黑" panose="020B0503020204020204" pitchFamily="34" charset="-122"/>
-              </a:defRPr>
-            </a:lvl2pPr>
-            <a:lvl3pPr marL="1143000" indent="-228600">
-              <a:defRPr sz="3200">
-                <a:solidFill>
-                  <a:schemeClr val="tx1"/>
-                </a:solidFill>
-                <a:latin typeface="Arial" panose="020B0604020202020204" pitchFamily="34" charset="0"/>
-                <a:ea typeface="微软雅黑" panose="020B0503020204020204" pitchFamily="34" charset="-122"/>
-              </a:defRPr>
-            </a:lvl3pPr>
-            <a:lvl4pPr marL="1600200" indent="-228600">
-              <a:defRPr sz="3200">
-                <a:solidFill>
-                  <a:schemeClr val="tx1"/>
-                </a:solidFill>
-                <a:latin typeface="Arial" panose="020B0604020202020204" pitchFamily="34" charset="0"/>
-                <a:ea typeface="微软雅黑" panose="020B0503020204020204" pitchFamily="34" charset="-122"/>
-              </a:defRPr>
-            </a:lvl4pPr>
-            <a:lvl5pPr marL="2057400" indent="-228600">
-              <a:defRPr sz="3200">
-                <a:solidFill>
-                  <a:schemeClr val="tx1"/>
-                </a:solidFill>
-                <a:latin typeface="Arial" panose="020B0604020202020204" pitchFamily="34" charset="0"/>
-                <a:ea typeface="微软雅黑" panose="020B0503020204020204" pitchFamily="34" charset="-122"/>
-              </a:defRPr>
-            </a:lvl5pPr>
-            <a:lvl6pPr marL="2514600" indent="-228600" eaLnBrk="0" fontAlgn="base" hangingPunct="0">
-              <a:spcBef>
-                <a:spcPct val="0"/>
-              </a:spcBef>
-              <a:spcAft>
-                <a:spcPct val="0"/>
-              </a:spcAft>
-              <a:defRPr sz="3200">
-                <a:solidFill>
-                  <a:schemeClr val="tx1"/>
-                </a:solidFill>
-                <a:latin typeface="Arial" panose="020B0604020202020204" pitchFamily="34" charset="0"/>
-                <a:ea typeface="微软雅黑" panose="020B0503020204020204" pitchFamily="34" charset="-122"/>
-              </a:defRPr>
-            </a:lvl6pPr>
-            <a:lvl7pPr marL="2971800" indent="-228600" eaLnBrk="0" fontAlgn="base" hangingPunct="0">
-              <a:spcBef>
-                <a:spcPct val="0"/>
-              </a:spcBef>
-              <a:spcAft>
-                <a:spcPct val="0"/>
-              </a:spcAft>
-              <a:defRPr sz="3200">
-                <a:solidFill>
-                  <a:schemeClr val="tx1"/>
-                </a:solidFill>
-                <a:latin typeface="Arial" panose="020B0604020202020204" pitchFamily="34" charset="0"/>
-                <a:ea typeface="微软雅黑" panose="020B0503020204020204" pitchFamily="34" charset="-122"/>
-              </a:defRPr>
-            </a:lvl7pPr>
-            <a:lvl8pPr marL="3429000" indent="-228600" eaLnBrk="0" fontAlgn="base" hangingPunct="0">
-              <a:spcBef>
-                <a:spcPct val="0"/>
-              </a:spcBef>
-              <a:spcAft>
-                <a:spcPct val="0"/>
-              </a:spcAft>
-              <a:defRPr sz="3200">
-                <a:solidFill>
-                  <a:schemeClr val="tx1"/>
-                </a:solidFill>
-                <a:latin typeface="Arial" panose="020B0604020202020204" pitchFamily="34" charset="0"/>
-                <a:ea typeface="微软雅黑" panose="020B0503020204020204" pitchFamily="34" charset="-122"/>
-              </a:defRPr>
-            </a:lvl8pPr>
-            <a:lvl9pPr marL="3886200" indent="-228600" eaLnBrk="0" fontAlgn="base" hangingPunct="0">
-              <a:spcBef>
-                <a:spcPct val="0"/>
-              </a:spcBef>
-              <a:spcAft>
-                <a:spcPct val="0"/>
-              </a:spcAft>
-              <a:defRPr sz="3200">
-                <a:solidFill>
-                  <a:schemeClr val="tx1"/>
-                </a:solidFill>
-                <a:latin typeface="Arial" panose="020B0604020202020204" pitchFamily="34" charset="0"/>
-                <a:ea typeface="微软雅黑" panose="020B0503020204020204" pitchFamily="34" charset="-122"/>
-              </a:defRPr>
-            </a:lvl9pPr>
-          </a:lstStyle>
-          <a:p>
-            <a:pPr algn="l">
-              <a:lnSpc>
-                <a:spcPct val="150000"/>
-              </a:lnSpc>
-              <a:spcBef>
-                <a:spcPts val="1200"/>
-              </a:spcBef>
-              <a:spcAft>
-                <a:spcPts val="1200"/>
-              </a:spcAft>
-              <a:buClr>
-                <a:srgbClr val="92D050"/>
-              </a:buClr>
-              <a:buFont typeface="Wingdings" panose="05000000000000000000" pitchFamily="2" charset="2"/>
-              <a:buChar char="Ø"/>
-            </a:pPr>
-            <a:r>
-              <a:rPr lang="zh-CN" altLang="en-US" sz="2800" b="1">
-                <a:solidFill>
-                  <a:srgbClr val="FF0000"/>
-                </a:solidFill>
-                <a:sym typeface="+mn-ea"/>
-              </a:rPr>
-              <a:t>常用 UI 控件</a:t>
-            </a:r>
-            <a:endParaRPr lang="zh-CN" altLang="en-US" sz="2800" b="1">
-              <a:sym typeface="+mn-ea"/>
-            </a:endParaRPr>
-          </a:p>
-          <a:p>
-            <a:pPr algn="l">
-              <a:lnSpc>
-                <a:spcPct val="150000"/>
-              </a:lnSpc>
-              <a:spcBef>
-                <a:spcPts val="1200"/>
-              </a:spcBef>
-              <a:spcAft>
-                <a:spcPts val="1200"/>
-              </a:spcAft>
-              <a:buClr>
-                <a:srgbClr val="92D050"/>
-              </a:buClr>
-              <a:buFont typeface="Wingdings" panose="05000000000000000000" pitchFamily="2" charset="2"/>
-              <a:buChar char="Ø"/>
-            </a:pPr>
-            <a:r>
-              <a:rPr lang="zh-CN" altLang="en-US" sz="2800" b="1">
-                <a:solidFill>
-                  <a:schemeClr val="tx1"/>
-                </a:solidFill>
-                <a:sym typeface="+mn-ea"/>
-              </a:rPr>
-              <a:t>多分辨率适配方案</a:t>
-            </a:r>
-            <a:endParaRPr lang="zh-CN" altLang="en-US" sz="2800" b="1">
-              <a:solidFill>
-                <a:schemeClr val="tx1"/>
-              </a:solidFill>
-              <a:sym typeface="+mn-ea"/>
-            </a:endParaRPr>
-          </a:p>
-          <a:p>
-            <a:pPr algn="l">
-              <a:lnSpc>
-                <a:spcPct val="150000"/>
-              </a:lnSpc>
-              <a:spcBef>
-                <a:spcPts val="1200"/>
-              </a:spcBef>
-              <a:spcAft>
-                <a:spcPts val="1200"/>
-              </a:spcAft>
-              <a:buClr>
-                <a:srgbClr val="92D050"/>
-              </a:buClr>
-              <a:buFont typeface="Wingdings" panose="05000000000000000000" pitchFamily="2" charset="2"/>
-              <a:buChar char="Ø"/>
-            </a:pPr>
-            <a:r>
-              <a:rPr lang="en-US" altLang="zh-CN" sz="2800" b="1">
-                <a:solidFill>
-                  <a:schemeClr val="tx1"/>
-                </a:solidFill>
-                <a:sym typeface="+mn-ea"/>
-              </a:rPr>
-              <a:t>UI </a:t>
-            </a:r>
-            <a:r>
-              <a:rPr lang="zh-CN" altLang="en-US" sz="2800" b="1">
-                <a:solidFill>
-                  <a:schemeClr val="tx1"/>
-                </a:solidFill>
-                <a:sym typeface="+mn-ea"/>
-              </a:rPr>
-              <a:t>对齐策略</a:t>
-            </a:r>
-            <a:endParaRPr lang="zh-CN" altLang="en-US" sz="2800" b="1">
-              <a:solidFill>
-                <a:schemeClr val="tx1"/>
-              </a:solidFill>
-              <a:sym typeface="+mn-ea"/>
-            </a:endParaRPr>
-          </a:p>
-        </p:txBody>
-      </p:sp>
-    </p:spTree>
-  </p:cSld>
-  <p:clrMapOvr>
-    <a:masterClrMapping/>
-  </p:clrMapOvr>
-  <p:timing>
-    <p:tnLst>
-      <p:par>
-        <p:cTn id="1" dur="indefinite" restart="never" nodeType="tmRoot"/>
-      </p:par>
-    </p:tnLst>
-  </p:timing>
-</p:sld>
-</file>
-
-<file path=ppt/slides/slide3.xml><?xml version="1.0" encoding="utf-8"?>
+<file path=ppt/slides/slide10.xml><?xml version="1.0" encoding="utf-8"?>
 <p:sld xmlns:a="http://schemas.openxmlformats.org/drawingml/2006/main" xmlns:r="http://schemas.openxmlformats.org/officeDocument/2006/relationships" xmlns:p="http://schemas.openxmlformats.org/presentationml/2006/main">
   <p:cSld>
     <p:spTree>
@@ -2801,6 +2317,3684 @@
   <p:clrMapOvr>
     <a:masterClrMapping/>
   </p:clrMapOvr>
+</p:sld>
+</file>
+
+<file path=ppt/slides/slide2.xml><?xml version="1.0" encoding="utf-8"?>
+<p:sld xmlns:a="http://schemas.openxmlformats.org/drawingml/2006/main" xmlns:r="http://schemas.openxmlformats.org/officeDocument/2006/relationships" xmlns:p="http://schemas.openxmlformats.org/presentationml/2006/main">
+  <p:cSld>
+    <p:spTree>
+      <p:nvGrpSpPr>
+        <p:cNvPr id="1" name=""/>
+        <p:cNvGrpSpPr/>
+        <p:nvPr/>
+      </p:nvGrpSpPr>
+      <p:grpSpPr>
+        <a:xfrm>
+          <a:off x="0" y="0"/>
+          <a:ext cx="0" cy="0"/>
+          <a:chOff x="0" y="0"/>
+          <a:chExt cx="0" cy="0"/>
+        </a:xfrm>
+      </p:grpSpPr>
+      <p:sp>
+        <p:nvSpPr>
+          <p:cNvPr id="3" name="内容占位符 2"/>
+          <p:cNvSpPr>
+            <a:spLocks noGrp="1"/>
+          </p:cNvSpPr>
+          <p:nvPr/>
+        </p:nvSpPr>
+        <p:spPr>
+          <a:xfrm>
+            <a:off x="947204" y="236943"/>
+            <a:ext cx="8191557" cy="490476"/>
+          </a:xfrm>
+          <a:prstGeom prst="rect">
+            <a:avLst/>
+          </a:prstGeom>
+        </p:spPr>
+        <p:txBody>
+          <a:bodyPr/>
+          <a:lstStyle>
+            <a:lvl1pPr marL="167005" indent="-167005" algn="l" defTabSz="0" rtl="0" eaLnBrk="0" fontAlgn="base" hangingPunct="0">
+              <a:spcBef>
+                <a:spcPct val="0"/>
+              </a:spcBef>
+              <a:spcAft>
+                <a:spcPct val="15000"/>
+              </a:spcAft>
+              <a:buClr>
+                <a:schemeClr val="tx2"/>
+              </a:buClr>
+              <a:buFont typeface="Arial" panose="020B0604020202020204" pitchFamily="34" charset="0"/>
+              <a:buNone/>
+              <a:defRPr sz="3200" b="0">
+                <a:solidFill>
+                  <a:srgbClr val="C00000"/>
+                </a:solidFill>
+                <a:latin typeface="微软雅黑" panose="020B0503020204020204" pitchFamily="34" charset="-122"/>
+                <a:ea typeface="微软雅黑" panose="020B0503020204020204" pitchFamily="34" charset="-122"/>
+                <a:cs typeface="+mn-cs"/>
+              </a:defRPr>
+            </a:lvl1pPr>
+            <a:lvl2pPr marL="398780" indent="-230505" algn="l" defTabSz="0" rtl="0" eaLnBrk="0" fontAlgn="base" hangingPunct="0">
+              <a:spcBef>
+                <a:spcPct val="0"/>
+              </a:spcBef>
+              <a:spcAft>
+                <a:spcPct val="15000"/>
+              </a:spcAft>
+              <a:buClr>
+                <a:schemeClr val="tx2"/>
+              </a:buClr>
+              <a:buFont typeface="Arial" panose="020B0604020202020204" pitchFamily="34" charset="0"/>
+              <a:buChar char="–"/>
+              <a:defRPr sz="2000">
+                <a:solidFill>
+                  <a:schemeClr val="tx1"/>
+                </a:solidFill>
+                <a:latin typeface="微软雅黑" panose="020B0503020204020204" pitchFamily="34" charset="-122"/>
+                <a:ea typeface="微软雅黑" panose="020B0503020204020204" pitchFamily="34" charset="-122"/>
+              </a:defRPr>
+            </a:lvl2pPr>
+            <a:lvl3pPr marL="400050" indent="182880" algn="l" defTabSz="0" rtl="0" eaLnBrk="0" fontAlgn="base" hangingPunct="0">
+              <a:spcBef>
+                <a:spcPct val="0"/>
+              </a:spcBef>
+              <a:spcAft>
+                <a:spcPct val="15000"/>
+              </a:spcAft>
+              <a:buClr>
+                <a:schemeClr val="tx2"/>
+              </a:buClr>
+              <a:buFont typeface="Arial" panose="020B0604020202020204" pitchFamily="34" charset="0"/>
+              <a:buChar char="•"/>
+              <a:defRPr sz="1600">
+                <a:solidFill>
+                  <a:schemeClr val="tx1"/>
+                </a:solidFill>
+                <a:latin typeface="微软雅黑" panose="020B0503020204020204" pitchFamily="34" charset="-122"/>
+                <a:ea typeface="微软雅黑" panose="020B0503020204020204" pitchFamily="34" charset="-122"/>
+              </a:defRPr>
+            </a:lvl3pPr>
+            <a:lvl4pPr marL="825500" indent="-241300" algn="l" defTabSz="0" rtl="0" eaLnBrk="0" fontAlgn="base" hangingPunct="0">
+              <a:spcBef>
+                <a:spcPct val="0"/>
+              </a:spcBef>
+              <a:spcAft>
+                <a:spcPct val="15000"/>
+              </a:spcAft>
+              <a:buClr>
+                <a:schemeClr val="tx2"/>
+              </a:buClr>
+              <a:buFont typeface="Arial" panose="020B0604020202020204" pitchFamily="34" charset="0"/>
+              <a:buChar char="–"/>
+              <a:defRPr sz="1600">
+                <a:solidFill>
+                  <a:schemeClr val="tx1"/>
+                </a:solidFill>
+                <a:latin typeface="微软雅黑" panose="020B0503020204020204" pitchFamily="34" charset="-122"/>
+                <a:ea typeface="微软雅黑" panose="020B0503020204020204" pitchFamily="34" charset="-122"/>
+              </a:defRPr>
+            </a:lvl4pPr>
+            <a:lvl5pPr marL="2057400" indent="-228600" algn="l" defTabSz="0" rtl="0" eaLnBrk="0" fontAlgn="base" hangingPunct="0">
+              <a:spcBef>
+                <a:spcPct val="0"/>
+              </a:spcBef>
+              <a:spcAft>
+                <a:spcPct val="25000"/>
+              </a:spcAft>
+              <a:buClr>
+                <a:schemeClr val="tx2"/>
+              </a:buClr>
+              <a:buFont typeface="Arial" panose="020B0604020202020204" pitchFamily="34" charset="0"/>
+              <a:buChar char="–"/>
+              <a:defRPr sz="2000">
+                <a:solidFill>
+                  <a:schemeClr val="tx1"/>
+                </a:solidFill>
+                <a:latin typeface="+mn-lt"/>
+                <a:ea typeface="微软雅黑" panose="020B0503020204020204" pitchFamily="34" charset="-122"/>
+              </a:defRPr>
+            </a:lvl5pPr>
+            <a:lvl6pPr marL="2514600" indent="-228600" algn="l" defTabSz="0" rtl="0" eaLnBrk="0" fontAlgn="base" hangingPunct="0">
+              <a:spcBef>
+                <a:spcPct val="0"/>
+              </a:spcBef>
+              <a:spcAft>
+                <a:spcPct val="25000"/>
+              </a:spcAft>
+              <a:buClr>
+                <a:schemeClr val="tx2"/>
+              </a:buClr>
+              <a:buFont typeface="Arial" panose="020B0604020202020204" pitchFamily="34" charset="0"/>
+              <a:buChar char="–"/>
+              <a:defRPr>
+                <a:solidFill>
+                  <a:schemeClr val="tx1"/>
+                </a:solidFill>
+                <a:latin typeface="+mn-lt"/>
+              </a:defRPr>
+            </a:lvl6pPr>
+            <a:lvl7pPr marL="2971800" indent="-228600" algn="l" defTabSz="0" rtl="0" eaLnBrk="0" fontAlgn="base" hangingPunct="0">
+              <a:spcBef>
+                <a:spcPct val="0"/>
+              </a:spcBef>
+              <a:spcAft>
+                <a:spcPct val="25000"/>
+              </a:spcAft>
+              <a:buClr>
+                <a:schemeClr val="tx2"/>
+              </a:buClr>
+              <a:buFont typeface="Arial" panose="020B0604020202020204" pitchFamily="34" charset="0"/>
+              <a:buChar char="–"/>
+              <a:defRPr>
+                <a:solidFill>
+                  <a:schemeClr val="tx1"/>
+                </a:solidFill>
+                <a:latin typeface="+mn-lt"/>
+              </a:defRPr>
+            </a:lvl7pPr>
+            <a:lvl8pPr marL="3429000" indent="-228600" algn="l" defTabSz="0" rtl="0" eaLnBrk="0" fontAlgn="base" hangingPunct="0">
+              <a:spcBef>
+                <a:spcPct val="0"/>
+              </a:spcBef>
+              <a:spcAft>
+                <a:spcPct val="25000"/>
+              </a:spcAft>
+              <a:buClr>
+                <a:schemeClr val="tx2"/>
+              </a:buClr>
+              <a:buFont typeface="Arial" panose="020B0604020202020204" pitchFamily="34" charset="0"/>
+              <a:buChar char="–"/>
+              <a:defRPr>
+                <a:solidFill>
+                  <a:schemeClr val="tx1"/>
+                </a:solidFill>
+                <a:latin typeface="+mn-lt"/>
+              </a:defRPr>
+            </a:lvl8pPr>
+            <a:lvl9pPr marL="3886200" indent="-228600" algn="l" defTabSz="0" rtl="0" eaLnBrk="0" fontAlgn="base" hangingPunct="0">
+              <a:spcBef>
+                <a:spcPct val="0"/>
+              </a:spcBef>
+              <a:spcAft>
+                <a:spcPct val="25000"/>
+              </a:spcAft>
+              <a:buClr>
+                <a:schemeClr val="tx2"/>
+              </a:buClr>
+              <a:buFont typeface="Arial" panose="020B0604020202020204" pitchFamily="34" charset="0"/>
+              <a:buChar char="–"/>
+              <a:defRPr>
+                <a:solidFill>
+                  <a:schemeClr val="tx1"/>
+                </a:solidFill>
+                <a:latin typeface="+mn-lt"/>
+              </a:defRPr>
+            </a:lvl9pPr>
+          </a:lstStyle>
+          <a:p>
+            <a:r>
+              <a:rPr lang="zh-CN" dirty="0" smtClean="0"/>
+              <a:t>内容刚要</a:t>
+            </a:r>
+            <a:endParaRPr lang="zh-CN" dirty="0" smtClean="0"/>
+          </a:p>
+        </p:txBody>
+      </p:sp>
+      <p:sp>
+        <p:nvSpPr>
+          <p:cNvPr id="4" name="AutoShape 6"/>
+          <p:cNvSpPr>
+            <a:spLocks noChangeArrowheads="1"/>
+          </p:cNvSpPr>
+          <p:nvPr/>
+        </p:nvSpPr>
+        <p:spPr bwMode="auto">
+          <a:xfrm>
+            <a:off x="2739708" y="1261111"/>
+            <a:ext cx="6711950" cy="4214813"/>
+          </a:xfrm>
+          <a:prstGeom prst="roundRect">
+            <a:avLst>
+              <a:gd name="adj" fmla="val 16667"/>
+            </a:avLst>
+          </a:prstGeom>
+          <a:noFill/>
+          <a:ln w="28575">
+            <a:solidFill>
+              <a:srgbClr val="C0C0C0"/>
+            </a:solidFill>
+            <a:prstDash val="sysDot"/>
+            <a:round/>
+          </a:ln>
+          <a:extLst>
+            <a:ext uri="{909E8E84-426E-40DD-AFC4-6F175D3DCCD1}">
+              <a14:hiddenFill xmlns:a14="http://schemas.microsoft.com/office/drawing/2010/main">
+                <a:solidFill>
+                  <a:srgbClr val="FFFFFF"/>
+                </a:solidFill>
+              </a14:hiddenFill>
+            </a:ext>
+          </a:extLst>
+        </p:spPr>
+        <p:txBody>
+          <a:bodyPr wrap="none" anchor="ctr"/>
+          <a:lstStyle>
+            <a:lvl1pPr marL="457200" indent="-457200">
+              <a:defRPr sz="3200">
+                <a:solidFill>
+                  <a:schemeClr val="tx1"/>
+                </a:solidFill>
+                <a:latin typeface="Arial" panose="020B0604020202020204" pitchFamily="34" charset="0"/>
+                <a:ea typeface="微软雅黑" panose="020B0503020204020204" pitchFamily="34" charset="-122"/>
+              </a:defRPr>
+            </a:lvl1pPr>
+            <a:lvl2pPr marL="742950" indent="-285750">
+              <a:defRPr sz="3200">
+                <a:solidFill>
+                  <a:schemeClr val="tx1"/>
+                </a:solidFill>
+                <a:latin typeface="Arial" panose="020B0604020202020204" pitchFamily="34" charset="0"/>
+                <a:ea typeface="微软雅黑" panose="020B0503020204020204" pitchFamily="34" charset="-122"/>
+              </a:defRPr>
+            </a:lvl2pPr>
+            <a:lvl3pPr marL="1143000" indent="-228600">
+              <a:defRPr sz="3200">
+                <a:solidFill>
+                  <a:schemeClr val="tx1"/>
+                </a:solidFill>
+                <a:latin typeface="Arial" panose="020B0604020202020204" pitchFamily="34" charset="0"/>
+                <a:ea typeface="微软雅黑" panose="020B0503020204020204" pitchFamily="34" charset="-122"/>
+              </a:defRPr>
+            </a:lvl3pPr>
+            <a:lvl4pPr marL="1600200" indent="-228600">
+              <a:defRPr sz="3200">
+                <a:solidFill>
+                  <a:schemeClr val="tx1"/>
+                </a:solidFill>
+                <a:latin typeface="Arial" panose="020B0604020202020204" pitchFamily="34" charset="0"/>
+                <a:ea typeface="微软雅黑" panose="020B0503020204020204" pitchFamily="34" charset="-122"/>
+              </a:defRPr>
+            </a:lvl4pPr>
+            <a:lvl5pPr marL="2057400" indent="-228600">
+              <a:defRPr sz="3200">
+                <a:solidFill>
+                  <a:schemeClr val="tx1"/>
+                </a:solidFill>
+                <a:latin typeface="Arial" panose="020B0604020202020204" pitchFamily="34" charset="0"/>
+                <a:ea typeface="微软雅黑" panose="020B0503020204020204" pitchFamily="34" charset="-122"/>
+              </a:defRPr>
+            </a:lvl5pPr>
+            <a:lvl6pPr marL="2514600" indent="-228600" eaLnBrk="0" fontAlgn="base" hangingPunct="0">
+              <a:spcBef>
+                <a:spcPct val="0"/>
+              </a:spcBef>
+              <a:spcAft>
+                <a:spcPct val="0"/>
+              </a:spcAft>
+              <a:defRPr sz="3200">
+                <a:solidFill>
+                  <a:schemeClr val="tx1"/>
+                </a:solidFill>
+                <a:latin typeface="Arial" panose="020B0604020202020204" pitchFamily="34" charset="0"/>
+                <a:ea typeface="微软雅黑" panose="020B0503020204020204" pitchFamily="34" charset="-122"/>
+              </a:defRPr>
+            </a:lvl6pPr>
+            <a:lvl7pPr marL="2971800" indent="-228600" eaLnBrk="0" fontAlgn="base" hangingPunct="0">
+              <a:spcBef>
+                <a:spcPct val="0"/>
+              </a:spcBef>
+              <a:spcAft>
+                <a:spcPct val="0"/>
+              </a:spcAft>
+              <a:defRPr sz="3200">
+                <a:solidFill>
+                  <a:schemeClr val="tx1"/>
+                </a:solidFill>
+                <a:latin typeface="Arial" panose="020B0604020202020204" pitchFamily="34" charset="0"/>
+                <a:ea typeface="微软雅黑" panose="020B0503020204020204" pitchFamily="34" charset="-122"/>
+              </a:defRPr>
+            </a:lvl7pPr>
+            <a:lvl8pPr marL="3429000" indent="-228600" eaLnBrk="0" fontAlgn="base" hangingPunct="0">
+              <a:spcBef>
+                <a:spcPct val="0"/>
+              </a:spcBef>
+              <a:spcAft>
+                <a:spcPct val="0"/>
+              </a:spcAft>
+              <a:defRPr sz="3200">
+                <a:solidFill>
+                  <a:schemeClr val="tx1"/>
+                </a:solidFill>
+                <a:latin typeface="Arial" panose="020B0604020202020204" pitchFamily="34" charset="0"/>
+                <a:ea typeface="微软雅黑" panose="020B0503020204020204" pitchFamily="34" charset="-122"/>
+              </a:defRPr>
+            </a:lvl8pPr>
+            <a:lvl9pPr marL="3886200" indent="-228600" eaLnBrk="0" fontAlgn="base" hangingPunct="0">
+              <a:spcBef>
+                <a:spcPct val="0"/>
+              </a:spcBef>
+              <a:spcAft>
+                <a:spcPct val="0"/>
+              </a:spcAft>
+              <a:defRPr sz="3200">
+                <a:solidFill>
+                  <a:schemeClr val="tx1"/>
+                </a:solidFill>
+                <a:latin typeface="Arial" panose="020B0604020202020204" pitchFamily="34" charset="0"/>
+                <a:ea typeface="微软雅黑" panose="020B0503020204020204" pitchFamily="34" charset="-122"/>
+              </a:defRPr>
+            </a:lvl9pPr>
+          </a:lstStyle>
+          <a:p>
+            <a:pPr algn="l">
+              <a:lnSpc>
+                <a:spcPct val="150000"/>
+              </a:lnSpc>
+              <a:spcBef>
+                <a:spcPts val="1200"/>
+              </a:spcBef>
+              <a:spcAft>
+                <a:spcPts val="1200"/>
+              </a:spcAft>
+              <a:buClr>
+                <a:srgbClr val="92D050"/>
+              </a:buClr>
+              <a:buFont typeface="Wingdings" panose="05000000000000000000" pitchFamily="2" charset="2"/>
+              <a:buChar char="Ø"/>
+            </a:pPr>
+            <a:r>
+              <a:rPr lang="zh-CN" altLang="en-US" sz="2800" b="1">
+                <a:solidFill>
+                  <a:srgbClr val="FF0000"/>
+                </a:solidFill>
+                <a:sym typeface="+mn-ea"/>
+              </a:rPr>
+              <a:t>常用 UI 控件</a:t>
+            </a:r>
+            <a:endParaRPr lang="zh-CN" altLang="en-US" sz="2800" b="1">
+              <a:sym typeface="+mn-ea"/>
+            </a:endParaRPr>
+          </a:p>
+          <a:p>
+            <a:pPr algn="l">
+              <a:lnSpc>
+                <a:spcPct val="150000"/>
+              </a:lnSpc>
+              <a:spcBef>
+                <a:spcPts val="1200"/>
+              </a:spcBef>
+              <a:spcAft>
+                <a:spcPts val="1200"/>
+              </a:spcAft>
+              <a:buClr>
+                <a:srgbClr val="92D050"/>
+              </a:buClr>
+              <a:buFont typeface="Wingdings" panose="05000000000000000000" pitchFamily="2" charset="2"/>
+              <a:buChar char="Ø"/>
+            </a:pPr>
+            <a:r>
+              <a:rPr lang="zh-CN" altLang="en-US" sz="2800" b="1">
+                <a:solidFill>
+                  <a:schemeClr val="tx1"/>
+                </a:solidFill>
+                <a:sym typeface="+mn-ea"/>
+              </a:rPr>
+              <a:t>多分辨率适配方案</a:t>
+            </a:r>
+            <a:endParaRPr lang="zh-CN" altLang="en-US" sz="2800" b="1">
+              <a:solidFill>
+                <a:schemeClr val="tx1"/>
+              </a:solidFill>
+              <a:sym typeface="+mn-ea"/>
+            </a:endParaRPr>
+          </a:p>
+          <a:p>
+            <a:pPr algn="l">
+              <a:lnSpc>
+                <a:spcPct val="150000"/>
+              </a:lnSpc>
+              <a:spcBef>
+                <a:spcPts val="1200"/>
+              </a:spcBef>
+              <a:spcAft>
+                <a:spcPts val="1200"/>
+              </a:spcAft>
+              <a:buClr>
+                <a:srgbClr val="92D050"/>
+              </a:buClr>
+              <a:buFont typeface="Wingdings" panose="05000000000000000000" pitchFamily="2" charset="2"/>
+              <a:buChar char="Ø"/>
+            </a:pPr>
+            <a:r>
+              <a:rPr lang="en-US" altLang="zh-CN" sz="2800" b="1">
+                <a:solidFill>
+                  <a:schemeClr val="tx1"/>
+                </a:solidFill>
+                <a:sym typeface="+mn-ea"/>
+              </a:rPr>
+              <a:t>UI </a:t>
+            </a:r>
+            <a:r>
+              <a:rPr lang="zh-CN" altLang="en-US" sz="2800" b="1">
+                <a:solidFill>
+                  <a:schemeClr val="tx1"/>
+                </a:solidFill>
+                <a:sym typeface="+mn-ea"/>
+              </a:rPr>
+              <a:t>对齐策略与拉伸</a:t>
+            </a:r>
+            <a:endParaRPr lang="zh-CN" altLang="en-US" sz="2800" b="1">
+              <a:solidFill>
+                <a:schemeClr val="tx1"/>
+              </a:solidFill>
+              <a:sym typeface="+mn-ea"/>
+            </a:endParaRPr>
+          </a:p>
+        </p:txBody>
+      </p:sp>
+    </p:spTree>
+  </p:cSld>
+  <p:clrMapOvr>
+    <a:masterClrMapping/>
+  </p:clrMapOvr>
+  <p:timing>
+    <p:tnLst>
+      <p:par>
+        <p:cTn id="1" dur="indefinite" restart="never" nodeType="tmRoot"/>
+      </p:par>
+    </p:tnLst>
+  </p:timing>
+</p:sld>
+</file>
+
+<file path=ppt/slides/slide3.xml><?xml version="1.0" encoding="utf-8"?>
+<p:sld xmlns:a="http://schemas.openxmlformats.org/drawingml/2006/main" xmlns:r="http://schemas.openxmlformats.org/officeDocument/2006/relationships" xmlns:p="http://schemas.openxmlformats.org/presentationml/2006/main">
+  <p:cSld>
+    <p:spTree>
+      <p:nvGrpSpPr>
+        <p:cNvPr id="1" name=""/>
+        <p:cNvGrpSpPr/>
+        <p:nvPr/>
+      </p:nvGrpSpPr>
+      <p:grpSpPr>
+        <a:xfrm>
+          <a:off x="0" y="0"/>
+          <a:ext cx="0" cy="0"/>
+          <a:chOff x="0" y="0"/>
+          <a:chExt cx="0" cy="0"/>
+        </a:xfrm>
+      </p:grpSpPr>
+      <p:sp>
+        <p:nvSpPr>
+          <p:cNvPr id="2" name="内容占位符 1"/>
+          <p:cNvSpPr>
+            <a:spLocks noGrp="1"/>
+          </p:cNvSpPr>
+          <p:nvPr>
+            <p:ph sz="quarter" idx="11"/>
+          </p:nvPr>
+        </p:nvSpPr>
+        <p:spPr>
+          <a:xfrm>
+            <a:off x="947420" y="236855"/>
+            <a:ext cx="8415655" cy="490220"/>
+          </a:xfrm>
+        </p:spPr>
+        <p:txBody>
+          <a:bodyPr/>
+          <a:p>
+            <a:r>
+              <a:rPr dirty="0">
+                <a:sym typeface="+mn-ea"/>
+              </a:rPr>
+              <a:t>Canvas（画布）组件</a:t>
+            </a:r>
+            <a:endParaRPr dirty="0">
+              <a:sym typeface="+mn-ea"/>
+            </a:endParaRPr>
+          </a:p>
+        </p:txBody>
+      </p:sp>
+      <p:pic>
+        <p:nvPicPr>
+          <p:cNvPr id="6" name="图片 5" descr="G8V(9BOS]~F~5Z)HWAP@NZ7"/>
+          <p:cNvPicPr>
+            <a:picLocks noChangeAspect="1"/>
+          </p:cNvPicPr>
+          <p:nvPr/>
+        </p:nvPicPr>
+        <p:blipFill>
+          <a:blip r:embed="rId1"/>
+          <a:stretch>
+            <a:fillRect/>
+          </a:stretch>
+        </p:blipFill>
+        <p:spPr>
+          <a:xfrm>
+            <a:off x="947420" y="1113790"/>
+            <a:ext cx="9813290" cy="2437765"/>
+          </a:xfrm>
+          <a:prstGeom prst="rect">
+            <a:avLst/>
+          </a:prstGeom>
+        </p:spPr>
+      </p:pic>
+      <p:pic>
+        <p:nvPicPr>
+          <p:cNvPr id="7" name="图片 6" descr="2EL100{Q}KP7`HE4F7HO)@S"/>
+          <p:cNvPicPr>
+            <a:picLocks noChangeAspect="1"/>
+          </p:cNvPicPr>
+          <p:nvPr/>
+        </p:nvPicPr>
+        <p:blipFill>
+          <a:blip r:embed="rId2"/>
+          <a:stretch>
+            <a:fillRect/>
+          </a:stretch>
+        </p:blipFill>
+        <p:spPr>
+          <a:xfrm>
+            <a:off x="961390" y="3709670"/>
+            <a:ext cx="8888095" cy="1952625"/>
+          </a:xfrm>
+          <a:prstGeom prst="rect">
+            <a:avLst/>
+          </a:prstGeom>
+        </p:spPr>
+      </p:pic>
+    </p:spTree>
+  </p:cSld>
+  <p:clrMapOvr>
+    <a:masterClrMapping/>
+  </p:clrMapOvr>
+  <p:timing>
+    <p:tnLst>
+      <p:par>
+        <p:cTn id="1" dur="indefinite" restart="never" nodeType="tmRoot"/>
+      </p:par>
+    </p:tnLst>
+  </p:timing>
+</p:sld>
+</file>
+
+<file path=ppt/slides/slide4.xml><?xml version="1.0" encoding="utf-8"?>
+<p:sld xmlns:a="http://schemas.openxmlformats.org/drawingml/2006/main" xmlns:r="http://schemas.openxmlformats.org/officeDocument/2006/relationships" xmlns:p="http://schemas.openxmlformats.org/presentationml/2006/main">
+  <p:cSld>
+    <p:spTree>
+      <p:nvGrpSpPr>
+        <p:cNvPr id="1" name=""/>
+        <p:cNvGrpSpPr/>
+        <p:nvPr/>
+      </p:nvGrpSpPr>
+      <p:grpSpPr>
+        <a:xfrm>
+          <a:off x="0" y="0"/>
+          <a:ext cx="0" cy="0"/>
+          <a:chOff x="0" y="0"/>
+          <a:chExt cx="0" cy="0"/>
+        </a:xfrm>
+      </p:grpSpPr>
+      <p:sp>
+        <p:nvSpPr>
+          <p:cNvPr id="5122" name="内容占位符 2"/>
+          <p:cNvSpPr>
+            <a:spLocks noGrp="1"/>
+          </p:cNvSpPr>
+          <p:nvPr/>
+        </p:nvSpPr>
+        <p:spPr>
+          <a:xfrm>
+            <a:off x="896620" y="829945"/>
+            <a:ext cx="10385425" cy="5245100"/>
+          </a:xfrm>
+        </p:spPr>
+        <p:txBody>
+          <a:bodyPr/>
+          <a:lstStyle>
+            <a:lvl1pPr marL="167005" indent="-167005" algn="l" defTabSz="0" rtl="0" eaLnBrk="0" fontAlgn="base" hangingPunct="0">
+              <a:spcBef>
+                <a:spcPct val="0"/>
+              </a:spcBef>
+              <a:spcAft>
+                <a:spcPct val="15000"/>
+              </a:spcAft>
+              <a:buClr>
+                <a:schemeClr val="tx2"/>
+              </a:buClr>
+              <a:buFont typeface="Arial" panose="020B0604020202020204" pitchFamily="34" charset="0"/>
+              <a:buChar char="•"/>
+              <a:defRPr sz="1600">
+                <a:solidFill>
+                  <a:srgbClr val="006F53"/>
+                </a:solidFill>
+                <a:latin typeface="微软雅黑" panose="020B0503020204020204" pitchFamily="34" charset="-122"/>
+                <a:ea typeface="微软雅黑" panose="020B0503020204020204" pitchFamily="34" charset="-122"/>
+                <a:cs typeface="+mn-cs"/>
+              </a:defRPr>
+            </a:lvl1pPr>
+            <a:lvl2pPr marL="398780" indent="-230505" algn="l" defTabSz="0" rtl="0" eaLnBrk="0" fontAlgn="base" hangingPunct="0">
+              <a:spcBef>
+                <a:spcPct val="0"/>
+              </a:spcBef>
+              <a:spcAft>
+                <a:spcPct val="15000"/>
+              </a:spcAft>
+              <a:buClr>
+                <a:schemeClr val="tx2"/>
+              </a:buClr>
+              <a:buFont typeface="Arial" panose="020B0604020202020204" pitchFamily="34" charset="0"/>
+              <a:buChar char="–"/>
+              <a:defRPr sz="2800">
+                <a:solidFill>
+                  <a:schemeClr val="bg2"/>
+                </a:solidFill>
+                <a:latin typeface="微软雅黑" panose="020B0503020204020204" pitchFamily="34" charset="-122"/>
+                <a:ea typeface="微软雅黑" panose="020B0503020204020204" pitchFamily="34" charset="-122"/>
+              </a:defRPr>
+            </a:lvl2pPr>
+            <a:lvl3pPr marL="400050" indent="182880" algn="l" defTabSz="0" rtl="0" eaLnBrk="0" fontAlgn="base" hangingPunct="0">
+              <a:spcBef>
+                <a:spcPct val="0"/>
+              </a:spcBef>
+              <a:spcAft>
+                <a:spcPct val="15000"/>
+              </a:spcAft>
+              <a:buClr>
+                <a:schemeClr val="tx2"/>
+              </a:buClr>
+              <a:buFont typeface="Arial" panose="020B0604020202020204" pitchFamily="34" charset="0"/>
+              <a:buChar char="•"/>
+              <a:defRPr sz="1600">
+                <a:solidFill>
+                  <a:schemeClr val="bg2"/>
+                </a:solidFill>
+                <a:latin typeface="微软雅黑" panose="020B0503020204020204" pitchFamily="34" charset="-122"/>
+                <a:ea typeface="微软雅黑" panose="020B0503020204020204" pitchFamily="34" charset="-122"/>
+              </a:defRPr>
+            </a:lvl3pPr>
+            <a:lvl4pPr marL="825500" indent="-241300" algn="l" defTabSz="0" rtl="0" eaLnBrk="0" fontAlgn="base" hangingPunct="0">
+              <a:spcBef>
+                <a:spcPct val="0"/>
+              </a:spcBef>
+              <a:spcAft>
+                <a:spcPct val="15000"/>
+              </a:spcAft>
+              <a:buClr>
+                <a:schemeClr val="tx2"/>
+              </a:buClr>
+              <a:buFont typeface="Arial" panose="020B0604020202020204" pitchFamily="34" charset="0"/>
+              <a:buChar char="–"/>
+              <a:defRPr sz="1600">
+                <a:solidFill>
+                  <a:schemeClr val="bg2"/>
+                </a:solidFill>
+                <a:latin typeface="微软雅黑" panose="020B0503020204020204" pitchFamily="34" charset="-122"/>
+                <a:ea typeface="微软雅黑" panose="020B0503020204020204" pitchFamily="34" charset="-122"/>
+              </a:defRPr>
+            </a:lvl4pPr>
+            <a:lvl5pPr marL="2057400" indent="-228600" algn="l" defTabSz="0" rtl="0" eaLnBrk="0" fontAlgn="base" hangingPunct="0">
+              <a:spcBef>
+                <a:spcPct val="0"/>
+              </a:spcBef>
+              <a:spcAft>
+                <a:spcPct val="25000"/>
+              </a:spcAft>
+              <a:buClr>
+                <a:schemeClr val="tx2"/>
+              </a:buClr>
+              <a:buFont typeface="Arial" panose="020B0604020202020204" pitchFamily="34" charset="0"/>
+              <a:buChar char="–"/>
+              <a:defRPr sz="2000">
+                <a:solidFill>
+                  <a:schemeClr val="tx1"/>
+                </a:solidFill>
+                <a:latin typeface="+mn-lt"/>
+                <a:ea typeface="微软雅黑" panose="020B0503020204020204" pitchFamily="34" charset="-122"/>
+              </a:defRPr>
+            </a:lvl5pPr>
+            <a:lvl6pPr marL="2514600" indent="-228600" algn="l" defTabSz="0" rtl="0" eaLnBrk="0" fontAlgn="base" hangingPunct="0">
+              <a:spcBef>
+                <a:spcPct val="0"/>
+              </a:spcBef>
+              <a:spcAft>
+                <a:spcPct val="25000"/>
+              </a:spcAft>
+              <a:buClr>
+                <a:schemeClr val="tx2"/>
+              </a:buClr>
+              <a:buFont typeface="Arial" panose="020B0604020202020204" pitchFamily="34" charset="0"/>
+              <a:buChar char="–"/>
+              <a:defRPr>
+                <a:solidFill>
+                  <a:schemeClr val="tx1"/>
+                </a:solidFill>
+                <a:latin typeface="+mn-lt"/>
+              </a:defRPr>
+            </a:lvl6pPr>
+            <a:lvl7pPr marL="2971800" indent="-228600" algn="l" defTabSz="0" rtl="0" eaLnBrk="0" fontAlgn="base" hangingPunct="0">
+              <a:spcBef>
+                <a:spcPct val="0"/>
+              </a:spcBef>
+              <a:spcAft>
+                <a:spcPct val="25000"/>
+              </a:spcAft>
+              <a:buClr>
+                <a:schemeClr val="tx2"/>
+              </a:buClr>
+              <a:buFont typeface="Arial" panose="020B0604020202020204" pitchFamily="34" charset="0"/>
+              <a:buChar char="–"/>
+              <a:defRPr>
+                <a:solidFill>
+                  <a:schemeClr val="tx1"/>
+                </a:solidFill>
+                <a:latin typeface="+mn-lt"/>
+              </a:defRPr>
+            </a:lvl7pPr>
+            <a:lvl8pPr marL="3429000" indent="-228600" algn="l" defTabSz="0" rtl="0" eaLnBrk="0" fontAlgn="base" hangingPunct="0">
+              <a:spcBef>
+                <a:spcPct val="0"/>
+              </a:spcBef>
+              <a:spcAft>
+                <a:spcPct val="25000"/>
+              </a:spcAft>
+              <a:buClr>
+                <a:schemeClr val="tx2"/>
+              </a:buClr>
+              <a:buFont typeface="Arial" panose="020B0604020202020204" pitchFamily="34" charset="0"/>
+              <a:buChar char="–"/>
+              <a:defRPr>
+                <a:solidFill>
+                  <a:schemeClr val="tx1"/>
+                </a:solidFill>
+                <a:latin typeface="+mn-lt"/>
+              </a:defRPr>
+            </a:lvl8pPr>
+            <a:lvl9pPr marL="3886200" indent="-228600" algn="l" defTabSz="0" rtl="0" eaLnBrk="0" fontAlgn="base" hangingPunct="0">
+              <a:spcBef>
+                <a:spcPct val="0"/>
+              </a:spcBef>
+              <a:spcAft>
+                <a:spcPct val="25000"/>
+              </a:spcAft>
+              <a:buClr>
+                <a:schemeClr val="tx2"/>
+              </a:buClr>
+              <a:buFont typeface="Arial" panose="020B0604020202020204" pitchFamily="34" charset="0"/>
+              <a:buChar char="–"/>
+              <a:defRPr>
+                <a:solidFill>
+                  <a:schemeClr val="tx1"/>
+                </a:solidFill>
+                <a:latin typeface="+mn-lt"/>
+              </a:defRPr>
+            </a:lvl9pPr>
+          </a:lstStyle>
+          <a:p>
+            <a:pPr>
+              <a:lnSpc>
+                <a:spcPct val="140000"/>
+              </a:lnSpc>
+              <a:spcBef>
+                <a:spcPts val="1000"/>
+              </a:spcBef>
+            </a:pPr>
+            <a:r>
+              <a:rPr sz="2200">
+                <a:solidFill>
+                  <a:schemeClr val="tx1"/>
+                </a:solidFill>
+                <a:sym typeface="+mn-ea"/>
+              </a:rPr>
+              <a:t>Widget </a:t>
+            </a:r>
+            <a:r>
+              <a:rPr lang="zh-CN" sz="2200">
+                <a:solidFill>
+                  <a:schemeClr val="tx1"/>
+                </a:solidFill>
+                <a:sym typeface="+mn-ea"/>
+              </a:rPr>
+              <a:t>组件，能使当前节点自动对齐到父物体的任意位置，或者约束尺寸</a:t>
+            </a:r>
+            <a:endParaRPr lang="zh-CN" sz="2200">
+              <a:solidFill>
+                <a:schemeClr val="tx1"/>
+              </a:solidFill>
+              <a:sym typeface="+mn-ea"/>
+            </a:endParaRPr>
+          </a:p>
+        </p:txBody>
+      </p:sp>
+      <p:sp>
+        <p:nvSpPr>
+          <p:cNvPr id="2" name="内容占位符 1"/>
+          <p:cNvSpPr>
+            <a:spLocks noGrp="1"/>
+          </p:cNvSpPr>
+          <p:nvPr>
+            <p:ph sz="quarter" idx="11"/>
+          </p:nvPr>
+        </p:nvSpPr>
+        <p:spPr>
+          <a:xfrm>
+            <a:off x="947420" y="236855"/>
+            <a:ext cx="8415655" cy="490220"/>
+          </a:xfrm>
+        </p:spPr>
+        <p:txBody>
+          <a:bodyPr/>
+          <a:p>
+            <a:r>
+              <a:rPr dirty="0">
+                <a:sym typeface="+mn-ea"/>
+              </a:rPr>
+              <a:t>Widget 组件</a:t>
+            </a:r>
+            <a:r>
+              <a:rPr dirty="0">
+                <a:sym typeface="+mn-ea"/>
+              </a:rPr>
+              <a:t>(对齐组件)</a:t>
+            </a:r>
+            <a:endParaRPr dirty="0">
+              <a:sym typeface="+mn-ea"/>
+            </a:endParaRPr>
+          </a:p>
+        </p:txBody>
+      </p:sp>
+      <p:pic>
+        <p:nvPicPr>
+          <p:cNvPr id="5" name="图片 4"/>
+          <p:cNvPicPr>
+            <a:picLocks noChangeAspect="1"/>
+          </p:cNvPicPr>
+          <p:nvPr/>
+        </p:nvPicPr>
+        <p:blipFill>
+          <a:blip r:embed="rId1"/>
+          <a:stretch>
+            <a:fillRect/>
+          </a:stretch>
+        </p:blipFill>
+        <p:spPr>
+          <a:xfrm>
+            <a:off x="1870075" y="1462405"/>
+            <a:ext cx="8438515" cy="4448810"/>
+          </a:xfrm>
+          <a:prstGeom prst="rect">
+            <a:avLst/>
+          </a:prstGeom>
+        </p:spPr>
+      </p:pic>
+    </p:spTree>
+  </p:cSld>
+  <p:clrMapOvr>
+    <a:masterClrMapping/>
+  </p:clrMapOvr>
+  <p:timing>
+    <p:tnLst>
+      <p:par>
+        <p:cTn id="1" dur="indefinite" restart="never" nodeType="tmRoot"/>
+      </p:par>
+    </p:tnLst>
+  </p:timing>
+</p:sld>
+</file>
+
+<file path=ppt/slides/slide5.xml><?xml version="1.0" encoding="utf-8"?>
+<p:sld xmlns:a="http://schemas.openxmlformats.org/drawingml/2006/main" xmlns:r="http://schemas.openxmlformats.org/officeDocument/2006/relationships" xmlns:p="http://schemas.openxmlformats.org/presentationml/2006/main">
+  <p:cSld>
+    <p:spTree>
+      <p:nvGrpSpPr>
+        <p:cNvPr id="1" name=""/>
+        <p:cNvGrpSpPr/>
+        <p:nvPr/>
+      </p:nvGrpSpPr>
+      <p:grpSpPr>
+        <a:xfrm>
+          <a:off x="0" y="0"/>
+          <a:ext cx="0" cy="0"/>
+          <a:chOff x="0" y="0"/>
+          <a:chExt cx="0" cy="0"/>
+        </a:xfrm>
+      </p:grpSpPr>
+      <p:sp>
+        <p:nvSpPr>
+          <p:cNvPr id="5122" name="内容占位符 2"/>
+          <p:cNvSpPr>
+            <a:spLocks noGrp="1"/>
+          </p:cNvSpPr>
+          <p:nvPr/>
+        </p:nvSpPr>
+        <p:spPr>
+          <a:xfrm>
+            <a:off x="896620" y="829945"/>
+            <a:ext cx="10385425" cy="5245100"/>
+          </a:xfrm>
+        </p:spPr>
+        <p:txBody>
+          <a:bodyPr/>
+          <a:lstStyle>
+            <a:lvl1pPr marL="167005" indent="-167005" algn="l" defTabSz="0" rtl="0" eaLnBrk="0" fontAlgn="base" hangingPunct="0">
+              <a:spcBef>
+                <a:spcPct val="0"/>
+              </a:spcBef>
+              <a:spcAft>
+                <a:spcPct val="15000"/>
+              </a:spcAft>
+              <a:buClr>
+                <a:schemeClr val="tx2"/>
+              </a:buClr>
+              <a:buFont typeface="Arial" panose="020B0604020202020204" pitchFamily="34" charset="0"/>
+              <a:buChar char="•"/>
+              <a:defRPr sz="1600">
+                <a:solidFill>
+                  <a:srgbClr val="006F53"/>
+                </a:solidFill>
+                <a:latin typeface="微软雅黑" panose="020B0503020204020204" pitchFamily="34" charset="-122"/>
+                <a:ea typeface="微软雅黑" panose="020B0503020204020204" pitchFamily="34" charset="-122"/>
+                <a:cs typeface="+mn-cs"/>
+              </a:defRPr>
+            </a:lvl1pPr>
+            <a:lvl2pPr marL="398780" indent="-230505" algn="l" defTabSz="0" rtl="0" eaLnBrk="0" fontAlgn="base" hangingPunct="0">
+              <a:spcBef>
+                <a:spcPct val="0"/>
+              </a:spcBef>
+              <a:spcAft>
+                <a:spcPct val="15000"/>
+              </a:spcAft>
+              <a:buClr>
+                <a:schemeClr val="tx2"/>
+              </a:buClr>
+              <a:buFont typeface="Arial" panose="020B0604020202020204" pitchFamily="34" charset="0"/>
+              <a:buChar char="–"/>
+              <a:defRPr sz="2800">
+                <a:solidFill>
+                  <a:schemeClr val="bg2"/>
+                </a:solidFill>
+                <a:latin typeface="微软雅黑" panose="020B0503020204020204" pitchFamily="34" charset="-122"/>
+                <a:ea typeface="微软雅黑" panose="020B0503020204020204" pitchFamily="34" charset="-122"/>
+              </a:defRPr>
+            </a:lvl2pPr>
+            <a:lvl3pPr marL="400050" indent="182880" algn="l" defTabSz="0" rtl="0" eaLnBrk="0" fontAlgn="base" hangingPunct="0">
+              <a:spcBef>
+                <a:spcPct val="0"/>
+              </a:spcBef>
+              <a:spcAft>
+                <a:spcPct val="15000"/>
+              </a:spcAft>
+              <a:buClr>
+                <a:schemeClr val="tx2"/>
+              </a:buClr>
+              <a:buFont typeface="Arial" panose="020B0604020202020204" pitchFamily="34" charset="0"/>
+              <a:buChar char="•"/>
+              <a:defRPr sz="1600">
+                <a:solidFill>
+                  <a:schemeClr val="bg2"/>
+                </a:solidFill>
+                <a:latin typeface="微软雅黑" panose="020B0503020204020204" pitchFamily="34" charset="-122"/>
+                <a:ea typeface="微软雅黑" panose="020B0503020204020204" pitchFamily="34" charset="-122"/>
+              </a:defRPr>
+            </a:lvl3pPr>
+            <a:lvl4pPr marL="825500" indent="-241300" algn="l" defTabSz="0" rtl="0" eaLnBrk="0" fontAlgn="base" hangingPunct="0">
+              <a:spcBef>
+                <a:spcPct val="0"/>
+              </a:spcBef>
+              <a:spcAft>
+                <a:spcPct val="15000"/>
+              </a:spcAft>
+              <a:buClr>
+                <a:schemeClr val="tx2"/>
+              </a:buClr>
+              <a:buFont typeface="Arial" panose="020B0604020202020204" pitchFamily="34" charset="0"/>
+              <a:buChar char="–"/>
+              <a:defRPr sz="1600">
+                <a:solidFill>
+                  <a:schemeClr val="bg2"/>
+                </a:solidFill>
+                <a:latin typeface="微软雅黑" panose="020B0503020204020204" pitchFamily="34" charset="-122"/>
+                <a:ea typeface="微软雅黑" panose="020B0503020204020204" pitchFamily="34" charset="-122"/>
+              </a:defRPr>
+            </a:lvl4pPr>
+            <a:lvl5pPr marL="2057400" indent="-228600" algn="l" defTabSz="0" rtl="0" eaLnBrk="0" fontAlgn="base" hangingPunct="0">
+              <a:spcBef>
+                <a:spcPct val="0"/>
+              </a:spcBef>
+              <a:spcAft>
+                <a:spcPct val="25000"/>
+              </a:spcAft>
+              <a:buClr>
+                <a:schemeClr val="tx2"/>
+              </a:buClr>
+              <a:buFont typeface="Arial" panose="020B0604020202020204" pitchFamily="34" charset="0"/>
+              <a:buChar char="–"/>
+              <a:defRPr sz="2000">
+                <a:solidFill>
+                  <a:schemeClr val="tx1"/>
+                </a:solidFill>
+                <a:latin typeface="+mn-lt"/>
+                <a:ea typeface="微软雅黑" panose="020B0503020204020204" pitchFamily="34" charset="-122"/>
+              </a:defRPr>
+            </a:lvl5pPr>
+            <a:lvl6pPr marL="2514600" indent="-228600" algn="l" defTabSz="0" rtl="0" eaLnBrk="0" fontAlgn="base" hangingPunct="0">
+              <a:spcBef>
+                <a:spcPct val="0"/>
+              </a:spcBef>
+              <a:spcAft>
+                <a:spcPct val="25000"/>
+              </a:spcAft>
+              <a:buClr>
+                <a:schemeClr val="tx2"/>
+              </a:buClr>
+              <a:buFont typeface="Arial" panose="020B0604020202020204" pitchFamily="34" charset="0"/>
+              <a:buChar char="–"/>
+              <a:defRPr>
+                <a:solidFill>
+                  <a:schemeClr val="tx1"/>
+                </a:solidFill>
+                <a:latin typeface="+mn-lt"/>
+              </a:defRPr>
+            </a:lvl6pPr>
+            <a:lvl7pPr marL="2971800" indent="-228600" algn="l" defTabSz="0" rtl="0" eaLnBrk="0" fontAlgn="base" hangingPunct="0">
+              <a:spcBef>
+                <a:spcPct val="0"/>
+              </a:spcBef>
+              <a:spcAft>
+                <a:spcPct val="25000"/>
+              </a:spcAft>
+              <a:buClr>
+                <a:schemeClr val="tx2"/>
+              </a:buClr>
+              <a:buFont typeface="Arial" panose="020B0604020202020204" pitchFamily="34" charset="0"/>
+              <a:buChar char="–"/>
+              <a:defRPr>
+                <a:solidFill>
+                  <a:schemeClr val="tx1"/>
+                </a:solidFill>
+                <a:latin typeface="+mn-lt"/>
+              </a:defRPr>
+            </a:lvl7pPr>
+            <a:lvl8pPr marL="3429000" indent="-228600" algn="l" defTabSz="0" rtl="0" eaLnBrk="0" fontAlgn="base" hangingPunct="0">
+              <a:spcBef>
+                <a:spcPct val="0"/>
+              </a:spcBef>
+              <a:spcAft>
+                <a:spcPct val="25000"/>
+              </a:spcAft>
+              <a:buClr>
+                <a:schemeClr val="tx2"/>
+              </a:buClr>
+              <a:buFont typeface="Arial" panose="020B0604020202020204" pitchFamily="34" charset="0"/>
+              <a:buChar char="–"/>
+              <a:defRPr>
+                <a:solidFill>
+                  <a:schemeClr val="tx1"/>
+                </a:solidFill>
+                <a:latin typeface="+mn-lt"/>
+              </a:defRPr>
+            </a:lvl8pPr>
+            <a:lvl9pPr marL="3886200" indent="-228600" algn="l" defTabSz="0" rtl="0" eaLnBrk="0" fontAlgn="base" hangingPunct="0">
+              <a:spcBef>
+                <a:spcPct val="0"/>
+              </a:spcBef>
+              <a:spcAft>
+                <a:spcPct val="25000"/>
+              </a:spcAft>
+              <a:buClr>
+                <a:schemeClr val="tx2"/>
+              </a:buClr>
+              <a:buFont typeface="Arial" panose="020B0604020202020204" pitchFamily="34" charset="0"/>
+              <a:buChar char="–"/>
+              <a:defRPr>
+                <a:solidFill>
+                  <a:schemeClr val="tx1"/>
+                </a:solidFill>
+                <a:latin typeface="+mn-lt"/>
+              </a:defRPr>
+            </a:lvl9pPr>
+          </a:lstStyle>
+          <a:p>
+            <a:pPr>
+              <a:lnSpc>
+                <a:spcPct val="140000"/>
+              </a:lnSpc>
+              <a:spcBef>
+                <a:spcPts val="1000"/>
+              </a:spcBef>
+            </a:pPr>
+            <a:r>
+              <a:rPr sz="2200">
+                <a:solidFill>
+                  <a:schemeClr val="tx1"/>
+                </a:solidFill>
+                <a:sym typeface="+mn-ea"/>
+              </a:rPr>
+              <a:t>Button 组件可以响应用户的点击操作，用户点击时，Button 会有状态变化</a:t>
+            </a:r>
+            <a:endParaRPr sz="2200">
+              <a:solidFill>
+                <a:schemeClr val="tx1"/>
+              </a:solidFill>
+              <a:sym typeface="+mn-ea"/>
+            </a:endParaRPr>
+          </a:p>
+          <a:p>
+            <a:pPr>
+              <a:lnSpc>
+                <a:spcPct val="140000"/>
+              </a:lnSpc>
+              <a:spcBef>
+                <a:spcPts val="1000"/>
+              </a:spcBef>
+            </a:pPr>
+            <a:endParaRPr sz="2200">
+              <a:solidFill>
+                <a:schemeClr val="tx1"/>
+              </a:solidFill>
+              <a:sym typeface="+mn-ea"/>
+            </a:endParaRPr>
+          </a:p>
+          <a:p>
+            <a:pPr>
+              <a:lnSpc>
+                <a:spcPct val="140000"/>
+              </a:lnSpc>
+              <a:spcBef>
+                <a:spcPts val="1000"/>
+              </a:spcBef>
+            </a:pPr>
+            <a:endParaRPr sz="2200">
+              <a:solidFill>
+                <a:schemeClr val="tx1"/>
+              </a:solidFill>
+              <a:sym typeface="+mn-ea"/>
+            </a:endParaRPr>
+          </a:p>
+          <a:p>
+            <a:pPr>
+              <a:lnSpc>
+                <a:spcPct val="140000"/>
+              </a:lnSpc>
+              <a:spcBef>
+                <a:spcPts val="1000"/>
+              </a:spcBef>
+            </a:pPr>
+            <a:endParaRPr sz="2200">
+              <a:solidFill>
+                <a:schemeClr val="tx1"/>
+              </a:solidFill>
+              <a:sym typeface="+mn-ea"/>
+            </a:endParaRPr>
+          </a:p>
+          <a:p>
+            <a:pPr>
+              <a:lnSpc>
+                <a:spcPct val="140000"/>
+              </a:lnSpc>
+              <a:spcBef>
+                <a:spcPts val="1000"/>
+              </a:spcBef>
+            </a:pPr>
+            <a:endParaRPr sz="2200">
+              <a:solidFill>
+                <a:schemeClr val="tx1"/>
+              </a:solidFill>
+              <a:sym typeface="+mn-ea"/>
+            </a:endParaRPr>
+          </a:p>
+          <a:p>
+            <a:pPr>
+              <a:lnSpc>
+                <a:spcPct val="140000"/>
+              </a:lnSpc>
+              <a:spcBef>
+                <a:spcPts val="1000"/>
+              </a:spcBef>
+            </a:pPr>
+            <a:endParaRPr sz="2200">
+              <a:solidFill>
+                <a:schemeClr val="tx1"/>
+              </a:solidFill>
+              <a:sym typeface="+mn-ea"/>
+            </a:endParaRPr>
+          </a:p>
+          <a:p>
+            <a:pPr>
+              <a:lnSpc>
+                <a:spcPct val="140000"/>
+              </a:lnSpc>
+              <a:spcBef>
+                <a:spcPts val="1000"/>
+              </a:spcBef>
+            </a:pPr>
+            <a:r>
+              <a:rPr sz="2200">
+                <a:solidFill>
+                  <a:schemeClr val="tx1"/>
+                </a:solidFill>
+                <a:sym typeface="+mn-ea"/>
+              </a:rPr>
+              <a:t>Button 点击事件</a:t>
+            </a:r>
+            <a:r>
+              <a:rPr lang="zh-CN" sz="2200">
+                <a:solidFill>
+                  <a:schemeClr val="tx1"/>
+                </a:solidFill>
+                <a:sym typeface="+mn-ea"/>
+              </a:rPr>
+              <a:t>（通过属性检查器添加回调、通过脚本添加回调）</a:t>
+            </a:r>
+            <a:endParaRPr lang="zh-CN" sz="2200">
+              <a:solidFill>
+                <a:schemeClr val="tx1"/>
+              </a:solidFill>
+              <a:sym typeface="+mn-ea"/>
+            </a:endParaRPr>
+          </a:p>
+          <a:p>
+            <a:pPr>
+              <a:lnSpc>
+                <a:spcPct val="140000"/>
+              </a:lnSpc>
+              <a:spcBef>
+                <a:spcPts val="1000"/>
+              </a:spcBef>
+            </a:pPr>
+            <a:r>
+              <a:rPr lang="zh-CN" sz="2200">
+                <a:solidFill>
+                  <a:schemeClr val="tx1"/>
+                </a:solidFill>
+                <a:sym typeface="+mn-ea"/>
+              </a:rPr>
+              <a:t>https://docs.cocos.com/creator/manual/zh/components/button.html</a:t>
+            </a:r>
+            <a:endParaRPr lang="zh-CN" sz="2200">
+              <a:solidFill>
+                <a:schemeClr val="tx1"/>
+              </a:solidFill>
+              <a:sym typeface="+mn-ea"/>
+            </a:endParaRPr>
+          </a:p>
+        </p:txBody>
+      </p:sp>
+      <p:sp>
+        <p:nvSpPr>
+          <p:cNvPr id="2" name="内容占位符 1"/>
+          <p:cNvSpPr>
+            <a:spLocks noGrp="1"/>
+          </p:cNvSpPr>
+          <p:nvPr>
+            <p:ph sz="quarter" idx="11"/>
+          </p:nvPr>
+        </p:nvSpPr>
+        <p:spPr>
+          <a:xfrm>
+            <a:off x="947420" y="236855"/>
+            <a:ext cx="8415655" cy="490220"/>
+          </a:xfrm>
+        </p:spPr>
+        <p:txBody>
+          <a:bodyPr/>
+          <a:p>
+            <a:r>
+              <a:rPr lang="en-US" dirty="0">
+                <a:sym typeface="+mn-ea"/>
+              </a:rPr>
+              <a:t>Button</a:t>
+            </a:r>
+            <a:r>
+              <a:rPr dirty="0">
+                <a:sym typeface="+mn-ea"/>
+              </a:rPr>
+              <a:t> 组件</a:t>
+            </a:r>
+            <a:endParaRPr dirty="0">
+              <a:sym typeface="+mn-ea"/>
+            </a:endParaRPr>
+          </a:p>
+        </p:txBody>
+      </p:sp>
+      <p:pic>
+        <p:nvPicPr>
+          <p:cNvPr id="3" name="图片 2"/>
+          <p:cNvPicPr>
+            <a:picLocks noChangeAspect="1"/>
+          </p:cNvPicPr>
+          <p:nvPr/>
+        </p:nvPicPr>
+        <p:blipFill>
+          <a:blip r:embed="rId1"/>
+          <a:stretch>
+            <a:fillRect/>
+          </a:stretch>
+        </p:blipFill>
+        <p:spPr>
+          <a:xfrm>
+            <a:off x="1057275" y="1374775"/>
+            <a:ext cx="8964295" cy="1205230"/>
+          </a:xfrm>
+          <a:prstGeom prst="rect">
+            <a:avLst/>
+          </a:prstGeom>
+        </p:spPr>
+      </p:pic>
+      <p:pic>
+        <p:nvPicPr>
+          <p:cNvPr id="4" name="图片 3"/>
+          <p:cNvPicPr>
+            <a:picLocks noChangeAspect="1"/>
+          </p:cNvPicPr>
+          <p:nvPr/>
+        </p:nvPicPr>
+        <p:blipFill>
+          <a:blip r:embed="rId2"/>
+          <a:stretch>
+            <a:fillRect/>
+          </a:stretch>
+        </p:blipFill>
+        <p:spPr>
+          <a:xfrm>
+            <a:off x="1057275" y="2640330"/>
+            <a:ext cx="8958580" cy="2256155"/>
+          </a:xfrm>
+          <a:prstGeom prst="rect">
+            <a:avLst/>
+          </a:prstGeom>
+        </p:spPr>
+      </p:pic>
+    </p:spTree>
+  </p:cSld>
+  <p:clrMapOvr>
+    <a:masterClrMapping/>
+  </p:clrMapOvr>
+  <p:timing>
+    <p:tnLst>
+      <p:par>
+        <p:cTn id="1" dur="indefinite" restart="never" nodeType="tmRoot">
+          <p:childTnLst>
+            <p:seq concurrent="1" nextAc="seek">
+              <p:cTn id="2" dur="indefinite" nodeType="mainSeq">
+                <p:childTnLst>
+                  <p:par>
+                    <p:cTn id="3" fill="hold">
+                      <p:stCondLst>
+                        <p:cond delay="indefinite"/>
+                      </p:stCondLst>
+                      <p:childTnLst>
+                        <p:par>
+                          <p:cTn id="4" fill="hold">
+                            <p:stCondLst>
+                              <p:cond delay="0"/>
+                            </p:stCondLst>
+                            <p:childTnLst>
+                              <p:par>
+                                <p:cTn id="5" presetID="2" presetClass="entr" presetSubtype="4" fill="hold" nodeType="clickEffect">
+                                  <p:stCondLst>
+                                    <p:cond delay="0"/>
+                                  </p:stCondLst>
+                                  <p:childTnLst>
+                                    <p:set>
+                                      <p:cBhvr>
+                                        <p:cTn id="6" dur="1" fill="hold">
+                                          <p:stCondLst>
+                                            <p:cond delay="0"/>
+                                          </p:stCondLst>
+                                        </p:cTn>
+                                        <p:tgtEl>
+                                          <p:spTgt spid="5122">
+                                            <p:txEl>
+                                              <p:pRg st="7" end="7"/>
+                                            </p:txEl>
+                                          </p:spTgt>
+                                        </p:tgtEl>
+                                        <p:attrNameLst>
+                                          <p:attrName>style.visibility</p:attrName>
+                                        </p:attrNameLst>
+                                      </p:cBhvr>
+                                      <p:to>
+                                        <p:strVal val="visible"/>
+                                      </p:to>
+                                    </p:set>
+                                    <p:anim calcmode="lin" valueType="num">
+                                      <p:cBhvr additive="base">
+                                        <p:cTn id="7" dur="500" fill="hold"/>
+                                        <p:tgtEl>
+                                          <p:spTgt spid="5122">
+                                            <p:txEl>
+                                              <p:pRg st="7" end="7"/>
+                                            </p:txEl>
+                                          </p:spTgt>
+                                        </p:tgtEl>
+                                        <p:attrNameLst>
+                                          <p:attrName>ppt_x</p:attrName>
+                                        </p:attrNameLst>
+                                      </p:cBhvr>
+                                      <p:tavLst>
+                                        <p:tav tm="0">
+                                          <p:val>
+                                            <p:strVal val="#ppt_x"/>
+                                          </p:val>
+                                        </p:tav>
+                                        <p:tav tm="100000">
+                                          <p:val>
+                                            <p:strVal val="#ppt_x"/>
+                                          </p:val>
+                                        </p:tav>
+                                      </p:tavLst>
+                                    </p:anim>
+                                    <p:anim calcmode="lin" valueType="num">
+                                      <p:cBhvr additive="base">
+                                        <p:cTn id="8" dur="500" fill="hold"/>
+                                        <p:tgtEl>
+                                          <p:spTgt spid="5122">
+                                            <p:txEl>
+                                              <p:pRg st="7" end="7"/>
+                                            </p:txEl>
+                                          </p:spTgt>
+                                        </p:tgtEl>
+                                        <p:attrNameLst>
+                                          <p:attrName>ppt_y</p:attrName>
+                                        </p:attrNameLst>
+                                      </p:cBhvr>
+                                      <p:tavLst>
+                                        <p:tav tm="0">
+                                          <p:val>
+                                            <p:strVal val="1+#ppt_h/2"/>
+                                          </p:val>
+                                        </p:tav>
+                                        <p:tav tm="100000">
+                                          <p:val>
+                                            <p:strVal val="#ppt_y"/>
+                                          </p:val>
+                                        </p:tav>
+                                      </p:tavLst>
+                                    </p:anim>
+                                  </p:childTnLst>
+                                </p:cTn>
+                              </p:par>
+                            </p:childTnLst>
+                          </p:cTn>
+                        </p:par>
+                      </p:childTnLst>
+                    </p:cTn>
+                  </p:par>
+                </p:childTnLst>
+              </p:cTn>
+              <p:prevCondLst>
+                <p:cond evt="onPrev" delay="0">
+                  <p:tgtEl>
+                    <p:sldTgt/>
+                  </p:tgtEl>
+                </p:cond>
+              </p:prevCondLst>
+              <p:nextCondLst>
+                <p:cond evt="onNext" delay="0">
+                  <p:tgtEl>
+                    <p:sldTgt/>
+                  </p:tgtEl>
+                </p:cond>
+              </p:nextCondLst>
+            </p:seq>
+          </p:childTnLst>
+        </p:cTn>
+      </p:par>
+    </p:tnLst>
+  </p:timing>
+</p:sld>
+</file>
+
+<file path=ppt/slides/slide6.xml><?xml version="1.0" encoding="utf-8"?>
+<p:sld xmlns:a="http://schemas.openxmlformats.org/drawingml/2006/main" xmlns:r="http://schemas.openxmlformats.org/officeDocument/2006/relationships" xmlns:p="http://schemas.openxmlformats.org/presentationml/2006/main">
+  <p:cSld>
+    <p:spTree>
+      <p:nvGrpSpPr>
+        <p:cNvPr id="1" name=""/>
+        <p:cNvGrpSpPr/>
+        <p:nvPr/>
+      </p:nvGrpSpPr>
+      <p:grpSpPr>
+        <a:xfrm>
+          <a:off x="0" y="0"/>
+          <a:ext cx="0" cy="0"/>
+          <a:chOff x="0" y="0"/>
+          <a:chExt cx="0" cy="0"/>
+        </a:xfrm>
+      </p:grpSpPr>
+      <p:sp>
+        <p:nvSpPr>
+          <p:cNvPr id="5122" name="内容占位符 2"/>
+          <p:cNvSpPr>
+            <a:spLocks noGrp="1"/>
+          </p:cNvSpPr>
+          <p:nvPr/>
+        </p:nvSpPr>
+        <p:spPr>
+          <a:xfrm>
+            <a:off x="896620" y="829945"/>
+            <a:ext cx="10385425" cy="5245100"/>
+          </a:xfrm>
+        </p:spPr>
+        <p:txBody>
+          <a:bodyPr/>
+          <a:lstStyle>
+            <a:lvl1pPr marL="167005" indent="-167005" algn="l" defTabSz="0" rtl="0" eaLnBrk="0" fontAlgn="base" hangingPunct="0">
+              <a:spcBef>
+                <a:spcPct val="0"/>
+              </a:spcBef>
+              <a:spcAft>
+                <a:spcPct val="15000"/>
+              </a:spcAft>
+              <a:buClr>
+                <a:schemeClr val="tx2"/>
+              </a:buClr>
+              <a:buFont typeface="Arial" panose="020B0604020202020204" pitchFamily="34" charset="0"/>
+              <a:buChar char="•"/>
+              <a:defRPr sz="1600">
+                <a:solidFill>
+                  <a:srgbClr val="006F53"/>
+                </a:solidFill>
+                <a:latin typeface="微软雅黑" panose="020B0503020204020204" pitchFamily="34" charset="-122"/>
+                <a:ea typeface="微软雅黑" panose="020B0503020204020204" pitchFamily="34" charset="-122"/>
+                <a:cs typeface="+mn-cs"/>
+              </a:defRPr>
+            </a:lvl1pPr>
+            <a:lvl2pPr marL="398780" indent="-230505" algn="l" defTabSz="0" rtl="0" eaLnBrk="0" fontAlgn="base" hangingPunct="0">
+              <a:spcBef>
+                <a:spcPct val="0"/>
+              </a:spcBef>
+              <a:spcAft>
+                <a:spcPct val="15000"/>
+              </a:spcAft>
+              <a:buClr>
+                <a:schemeClr val="tx2"/>
+              </a:buClr>
+              <a:buFont typeface="Arial" panose="020B0604020202020204" pitchFamily="34" charset="0"/>
+              <a:buChar char="–"/>
+              <a:defRPr sz="2800">
+                <a:solidFill>
+                  <a:schemeClr val="bg2"/>
+                </a:solidFill>
+                <a:latin typeface="微软雅黑" panose="020B0503020204020204" pitchFamily="34" charset="-122"/>
+                <a:ea typeface="微软雅黑" panose="020B0503020204020204" pitchFamily="34" charset="-122"/>
+              </a:defRPr>
+            </a:lvl2pPr>
+            <a:lvl3pPr marL="400050" indent="182880" algn="l" defTabSz="0" rtl="0" eaLnBrk="0" fontAlgn="base" hangingPunct="0">
+              <a:spcBef>
+                <a:spcPct val="0"/>
+              </a:spcBef>
+              <a:spcAft>
+                <a:spcPct val="15000"/>
+              </a:spcAft>
+              <a:buClr>
+                <a:schemeClr val="tx2"/>
+              </a:buClr>
+              <a:buFont typeface="Arial" panose="020B0604020202020204" pitchFamily="34" charset="0"/>
+              <a:buChar char="•"/>
+              <a:defRPr sz="1600">
+                <a:solidFill>
+                  <a:schemeClr val="bg2"/>
+                </a:solidFill>
+                <a:latin typeface="微软雅黑" panose="020B0503020204020204" pitchFamily="34" charset="-122"/>
+                <a:ea typeface="微软雅黑" panose="020B0503020204020204" pitchFamily="34" charset="-122"/>
+              </a:defRPr>
+            </a:lvl3pPr>
+            <a:lvl4pPr marL="825500" indent="-241300" algn="l" defTabSz="0" rtl="0" eaLnBrk="0" fontAlgn="base" hangingPunct="0">
+              <a:spcBef>
+                <a:spcPct val="0"/>
+              </a:spcBef>
+              <a:spcAft>
+                <a:spcPct val="15000"/>
+              </a:spcAft>
+              <a:buClr>
+                <a:schemeClr val="tx2"/>
+              </a:buClr>
+              <a:buFont typeface="Arial" panose="020B0604020202020204" pitchFamily="34" charset="0"/>
+              <a:buChar char="–"/>
+              <a:defRPr sz="1600">
+                <a:solidFill>
+                  <a:schemeClr val="bg2"/>
+                </a:solidFill>
+                <a:latin typeface="微软雅黑" panose="020B0503020204020204" pitchFamily="34" charset="-122"/>
+                <a:ea typeface="微软雅黑" panose="020B0503020204020204" pitchFamily="34" charset="-122"/>
+              </a:defRPr>
+            </a:lvl4pPr>
+            <a:lvl5pPr marL="2057400" indent="-228600" algn="l" defTabSz="0" rtl="0" eaLnBrk="0" fontAlgn="base" hangingPunct="0">
+              <a:spcBef>
+                <a:spcPct val="0"/>
+              </a:spcBef>
+              <a:spcAft>
+                <a:spcPct val="25000"/>
+              </a:spcAft>
+              <a:buClr>
+                <a:schemeClr val="tx2"/>
+              </a:buClr>
+              <a:buFont typeface="Arial" panose="020B0604020202020204" pitchFamily="34" charset="0"/>
+              <a:buChar char="–"/>
+              <a:defRPr sz="2000">
+                <a:solidFill>
+                  <a:schemeClr val="tx1"/>
+                </a:solidFill>
+                <a:latin typeface="+mn-lt"/>
+                <a:ea typeface="微软雅黑" panose="020B0503020204020204" pitchFamily="34" charset="-122"/>
+              </a:defRPr>
+            </a:lvl5pPr>
+            <a:lvl6pPr marL="2514600" indent="-228600" algn="l" defTabSz="0" rtl="0" eaLnBrk="0" fontAlgn="base" hangingPunct="0">
+              <a:spcBef>
+                <a:spcPct val="0"/>
+              </a:spcBef>
+              <a:spcAft>
+                <a:spcPct val="25000"/>
+              </a:spcAft>
+              <a:buClr>
+                <a:schemeClr val="tx2"/>
+              </a:buClr>
+              <a:buFont typeface="Arial" panose="020B0604020202020204" pitchFamily="34" charset="0"/>
+              <a:buChar char="–"/>
+              <a:defRPr>
+                <a:solidFill>
+                  <a:schemeClr val="tx1"/>
+                </a:solidFill>
+                <a:latin typeface="+mn-lt"/>
+              </a:defRPr>
+            </a:lvl6pPr>
+            <a:lvl7pPr marL="2971800" indent="-228600" algn="l" defTabSz="0" rtl="0" eaLnBrk="0" fontAlgn="base" hangingPunct="0">
+              <a:spcBef>
+                <a:spcPct val="0"/>
+              </a:spcBef>
+              <a:spcAft>
+                <a:spcPct val="25000"/>
+              </a:spcAft>
+              <a:buClr>
+                <a:schemeClr val="tx2"/>
+              </a:buClr>
+              <a:buFont typeface="Arial" panose="020B0604020202020204" pitchFamily="34" charset="0"/>
+              <a:buChar char="–"/>
+              <a:defRPr>
+                <a:solidFill>
+                  <a:schemeClr val="tx1"/>
+                </a:solidFill>
+                <a:latin typeface="+mn-lt"/>
+              </a:defRPr>
+            </a:lvl7pPr>
+            <a:lvl8pPr marL="3429000" indent="-228600" algn="l" defTabSz="0" rtl="0" eaLnBrk="0" fontAlgn="base" hangingPunct="0">
+              <a:spcBef>
+                <a:spcPct val="0"/>
+              </a:spcBef>
+              <a:spcAft>
+                <a:spcPct val="25000"/>
+              </a:spcAft>
+              <a:buClr>
+                <a:schemeClr val="tx2"/>
+              </a:buClr>
+              <a:buFont typeface="Arial" panose="020B0604020202020204" pitchFamily="34" charset="0"/>
+              <a:buChar char="–"/>
+              <a:defRPr>
+                <a:solidFill>
+                  <a:schemeClr val="tx1"/>
+                </a:solidFill>
+                <a:latin typeface="+mn-lt"/>
+              </a:defRPr>
+            </a:lvl8pPr>
+            <a:lvl9pPr marL="3886200" indent="-228600" algn="l" defTabSz="0" rtl="0" eaLnBrk="0" fontAlgn="base" hangingPunct="0">
+              <a:spcBef>
+                <a:spcPct val="0"/>
+              </a:spcBef>
+              <a:spcAft>
+                <a:spcPct val="25000"/>
+              </a:spcAft>
+              <a:buClr>
+                <a:schemeClr val="tx2"/>
+              </a:buClr>
+              <a:buFont typeface="Arial" panose="020B0604020202020204" pitchFamily="34" charset="0"/>
+              <a:buChar char="–"/>
+              <a:defRPr>
+                <a:solidFill>
+                  <a:schemeClr val="tx1"/>
+                </a:solidFill>
+                <a:latin typeface="+mn-lt"/>
+              </a:defRPr>
+            </a:lvl9pPr>
+          </a:lstStyle>
+          <a:p>
+            <a:pPr>
+              <a:lnSpc>
+                <a:spcPct val="140000"/>
+              </a:lnSpc>
+              <a:spcBef>
+                <a:spcPts val="1000"/>
+              </a:spcBef>
+            </a:pPr>
+            <a:r>
+              <a:rPr sz="2200">
+                <a:solidFill>
+                  <a:schemeClr val="tx1"/>
+                </a:solidFill>
+                <a:sym typeface="+mn-ea"/>
+              </a:rPr>
+              <a:t>Layout 组件</a:t>
+            </a:r>
+            <a:endParaRPr sz="2200">
+              <a:solidFill>
+                <a:schemeClr val="tx1"/>
+              </a:solidFill>
+              <a:sym typeface="+mn-ea"/>
+            </a:endParaRPr>
+          </a:p>
+          <a:p>
+            <a:pPr>
+              <a:lnSpc>
+                <a:spcPct val="140000"/>
+              </a:lnSpc>
+              <a:spcBef>
+                <a:spcPts val="1000"/>
+              </a:spcBef>
+            </a:pPr>
+            <a:r>
+              <a:rPr sz="2200">
+                <a:solidFill>
+                  <a:schemeClr val="tx1"/>
+                </a:solidFill>
+                <a:sym typeface="+mn-ea"/>
+              </a:rPr>
+              <a:t>EditBox 组件</a:t>
+            </a:r>
+            <a:endParaRPr sz="2200">
+              <a:solidFill>
+                <a:schemeClr val="tx1"/>
+              </a:solidFill>
+              <a:sym typeface="+mn-ea"/>
+            </a:endParaRPr>
+          </a:p>
+          <a:p>
+            <a:pPr>
+              <a:lnSpc>
+                <a:spcPct val="140000"/>
+              </a:lnSpc>
+              <a:spcBef>
+                <a:spcPts val="1000"/>
+              </a:spcBef>
+            </a:pPr>
+            <a:r>
+              <a:rPr sz="2200">
+                <a:solidFill>
+                  <a:schemeClr val="tx1"/>
+                </a:solidFill>
+                <a:sym typeface="+mn-ea"/>
+              </a:rPr>
+              <a:t>RichText 组件</a:t>
+            </a:r>
+            <a:endParaRPr sz="2200">
+              <a:solidFill>
+                <a:schemeClr val="tx1"/>
+              </a:solidFill>
+              <a:sym typeface="+mn-ea"/>
+            </a:endParaRPr>
+          </a:p>
+          <a:p>
+            <a:pPr>
+              <a:lnSpc>
+                <a:spcPct val="140000"/>
+              </a:lnSpc>
+              <a:spcBef>
+                <a:spcPts val="1000"/>
+              </a:spcBef>
+            </a:pPr>
+            <a:r>
+              <a:rPr sz="2200">
+                <a:solidFill>
+                  <a:schemeClr val="tx1"/>
+                </a:solidFill>
+                <a:sym typeface="+mn-ea"/>
+              </a:rPr>
+              <a:t>ScrollView 组件</a:t>
+            </a:r>
+            <a:endParaRPr sz="2200">
+              <a:solidFill>
+                <a:schemeClr val="tx1"/>
+              </a:solidFill>
+              <a:sym typeface="+mn-ea"/>
+            </a:endParaRPr>
+          </a:p>
+          <a:p>
+            <a:pPr>
+              <a:lnSpc>
+                <a:spcPct val="140000"/>
+              </a:lnSpc>
+              <a:spcBef>
+                <a:spcPts val="1000"/>
+              </a:spcBef>
+            </a:pPr>
+            <a:r>
+              <a:rPr sz="2200">
+                <a:solidFill>
+                  <a:schemeClr val="tx1"/>
+                </a:solidFill>
+                <a:sym typeface="+mn-ea"/>
+              </a:rPr>
+              <a:t>ScrollBar 组件</a:t>
+            </a:r>
+            <a:endParaRPr sz="2200">
+              <a:solidFill>
+                <a:schemeClr val="tx1"/>
+              </a:solidFill>
+              <a:sym typeface="+mn-ea"/>
+            </a:endParaRPr>
+          </a:p>
+          <a:p>
+            <a:pPr>
+              <a:lnSpc>
+                <a:spcPct val="140000"/>
+              </a:lnSpc>
+              <a:spcBef>
+                <a:spcPts val="1000"/>
+              </a:spcBef>
+            </a:pPr>
+            <a:r>
+              <a:rPr sz="2200">
+                <a:solidFill>
+                  <a:schemeClr val="tx1"/>
+                </a:solidFill>
+                <a:sym typeface="+mn-ea"/>
+              </a:rPr>
+              <a:t>PageView 组件</a:t>
+            </a:r>
+            <a:endParaRPr sz="2200">
+              <a:solidFill>
+                <a:schemeClr val="tx1"/>
+              </a:solidFill>
+              <a:sym typeface="+mn-ea"/>
+            </a:endParaRPr>
+          </a:p>
+          <a:p>
+            <a:pPr>
+              <a:lnSpc>
+                <a:spcPct val="140000"/>
+              </a:lnSpc>
+              <a:spcBef>
+                <a:spcPts val="1000"/>
+              </a:spcBef>
+            </a:pPr>
+            <a:r>
+              <a:rPr lang="en-US" sz="2200">
+                <a:solidFill>
+                  <a:schemeClr val="tx1"/>
+                </a:solidFill>
+                <a:sym typeface="+mn-ea"/>
+              </a:rPr>
+              <a:t>...</a:t>
+            </a:r>
+            <a:endParaRPr sz="2200">
+              <a:solidFill>
+                <a:schemeClr val="tx1"/>
+              </a:solidFill>
+              <a:sym typeface="+mn-ea"/>
+            </a:endParaRPr>
+          </a:p>
+          <a:p>
+            <a:pPr>
+              <a:lnSpc>
+                <a:spcPct val="140000"/>
+              </a:lnSpc>
+              <a:spcBef>
+                <a:spcPts val="1000"/>
+              </a:spcBef>
+            </a:pPr>
+            <a:endParaRPr lang="zh-CN" sz="2200">
+              <a:solidFill>
+                <a:schemeClr val="tx1"/>
+              </a:solidFill>
+              <a:sym typeface="+mn-ea"/>
+            </a:endParaRPr>
+          </a:p>
+        </p:txBody>
+      </p:sp>
+      <p:sp>
+        <p:nvSpPr>
+          <p:cNvPr id="2" name="内容占位符 1"/>
+          <p:cNvSpPr>
+            <a:spLocks noGrp="1"/>
+          </p:cNvSpPr>
+          <p:nvPr>
+            <p:ph sz="quarter" idx="11"/>
+          </p:nvPr>
+        </p:nvSpPr>
+        <p:spPr>
+          <a:xfrm>
+            <a:off x="947420" y="236855"/>
+            <a:ext cx="8415655" cy="490220"/>
+          </a:xfrm>
+        </p:spPr>
+        <p:txBody>
+          <a:bodyPr/>
+          <a:p>
+            <a:r>
+              <a:rPr lang="zh-CN" dirty="0">
+                <a:sym typeface="+mn-ea"/>
+              </a:rPr>
+              <a:t>更多</a:t>
+            </a:r>
+            <a:r>
+              <a:rPr lang="en-US" altLang="zh-CN" dirty="0">
+                <a:sym typeface="+mn-ea"/>
+              </a:rPr>
+              <a:t>UI</a:t>
+            </a:r>
+            <a:r>
+              <a:rPr dirty="0">
+                <a:sym typeface="+mn-ea"/>
+              </a:rPr>
+              <a:t>组件</a:t>
+            </a:r>
+            <a:endParaRPr dirty="0">
+              <a:sym typeface="+mn-ea"/>
+            </a:endParaRPr>
+          </a:p>
+        </p:txBody>
+      </p:sp>
+      <p:sp>
+        <p:nvSpPr>
+          <p:cNvPr id="5" name="文本框 4"/>
+          <p:cNvSpPr txBox="1"/>
+          <p:nvPr/>
+        </p:nvSpPr>
+        <p:spPr>
+          <a:xfrm>
+            <a:off x="934720" y="5455285"/>
+            <a:ext cx="10347325" cy="521970"/>
+          </a:xfrm>
+          <a:prstGeom prst="rect">
+            <a:avLst/>
+          </a:prstGeom>
+          <a:noFill/>
+        </p:spPr>
+        <p:txBody>
+          <a:bodyPr wrap="square" rtlCol="0">
+            <a:spAutoFit/>
+          </a:bodyPr>
+          <a:p>
+            <a:r>
+              <a:rPr lang="zh-CN" altLang="en-US" sz="2800">
+                <a:solidFill>
+                  <a:schemeClr val="accent3"/>
+                </a:solidFill>
+              </a:rPr>
+              <a:t>https://docs.cocos.com/creator/manual/zh/ui/ui-components.html</a:t>
+            </a:r>
+            <a:endParaRPr lang="zh-CN" altLang="en-US" sz="2800">
+              <a:solidFill>
+                <a:schemeClr val="accent3"/>
+              </a:solidFill>
+            </a:endParaRPr>
+          </a:p>
+        </p:txBody>
+      </p:sp>
+    </p:spTree>
+  </p:cSld>
+  <p:clrMapOvr>
+    <a:masterClrMapping/>
+  </p:clrMapOvr>
+  <p:timing>
+    <p:tnLst>
+      <p:par>
+        <p:cTn id="1" dur="indefinite" restart="never" nodeType="tmRoot"/>
+      </p:par>
+    </p:tnLst>
+  </p:timing>
+</p:sld>
+</file>
+
+<file path=ppt/slides/slide7.xml><?xml version="1.0" encoding="utf-8"?>
+<p:sld xmlns:a="http://schemas.openxmlformats.org/drawingml/2006/main" xmlns:r="http://schemas.openxmlformats.org/officeDocument/2006/relationships" xmlns:p="http://schemas.openxmlformats.org/presentationml/2006/main">
+  <p:cSld>
+    <p:spTree>
+      <p:nvGrpSpPr>
+        <p:cNvPr id="1" name=""/>
+        <p:cNvGrpSpPr/>
+        <p:nvPr/>
+      </p:nvGrpSpPr>
+      <p:grpSpPr>
+        <a:xfrm>
+          <a:off x="0" y="0"/>
+          <a:ext cx="0" cy="0"/>
+          <a:chOff x="0" y="0"/>
+          <a:chExt cx="0" cy="0"/>
+        </a:xfrm>
+      </p:grpSpPr>
+      <p:sp>
+        <p:nvSpPr>
+          <p:cNvPr id="3" name="内容占位符 2"/>
+          <p:cNvSpPr>
+            <a:spLocks noGrp="1"/>
+          </p:cNvSpPr>
+          <p:nvPr/>
+        </p:nvSpPr>
+        <p:spPr>
+          <a:xfrm>
+            <a:off x="947204" y="236943"/>
+            <a:ext cx="8191557" cy="490476"/>
+          </a:xfrm>
+          <a:prstGeom prst="rect">
+            <a:avLst/>
+          </a:prstGeom>
+        </p:spPr>
+        <p:txBody>
+          <a:bodyPr/>
+          <a:lstStyle>
+            <a:lvl1pPr marL="167005" indent="-167005" algn="l" defTabSz="0" rtl="0" eaLnBrk="0" fontAlgn="base" hangingPunct="0">
+              <a:spcBef>
+                <a:spcPct val="0"/>
+              </a:spcBef>
+              <a:spcAft>
+                <a:spcPct val="15000"/>
+              </a:spcAft>
+              <a:buClr>
+                <a:schemeClr val="tx2"/>
+              </a:buClr>
+              <a:buFont typeface="Arial" panose="020B0604020202020204" pitchFamily="34" charset="0"/>
+              <a:buNone/>
+              <a:defRPr sz="3200" b="0">
+                <a:solidFill>
+                  <a:srgbClr val="C00000"/>
+                </a:solidFill>
+                <a:latin typeface="微软雅黑" panose="020B0503020204020204" pitchFamily="34" charset="-122"/>
+                <a:ea typeface="微软雅黑" panose="020B0503020204020204" pitchFamily="34" charset="-122"/>
+                <a:cs typeface="+mn-cs"/>
+              </a:defRPr>
+            </a:lvl1pPr>
+            <a:lvl2pPr marL="398780" indent="-230505" algn="l" defTabSz="0" rtl="0" eaLnBrk="0" fontAlgn="base" hangingPunct="0">
+              <a:spcBef>
+                <a:spcPct val="0"/>
+              </a:spcBef>
+              <a:spcAft>
+                <a:spcPct val="15000"/>
+              </a:spcAft>
+              <a:buClr>
+                <a:schemeClr val="tx2"/>
+              </a:buClr>
+              <a:buFont typeface="Arial" panose="020B0604020202020204" pitchFamily="34" charset="0"/>
+              <a:buChar char="–"/>
+              <a:defRPr sz="2000">
+                <a:solidFill>
+                  <a:schemeClr val="tx1"/>
+                </a:solidFill>
+                <a:latin typeface="微软雅黑" panose="020B0503020204020204" pitchFamily="34" charset="-122"/>
+                <a:ea typeface="微软雅黑" panose="020B0503020204020204" pitchFamily="34" charset="-122"/>
+              </a:defRPr>
+            </a:lvl2pPr>
+            <a:lvl3pPr marL="400050" indent="182880" algn="l" defTabSz="0" rtl="0" eaLnBrk="0" fontAlgn="base" hangingPunct="0">
+              <a:spcBef>
+                <a:spcPct val="0"/>
+              </a:spcBef>
+              <a:spcAft>
+                <a:spcPct val="15000"/>
+              </a:spcAft>
+              <a:buClr>
+                <a:schemeClr val="tx2"/>
+              </a:buClr>
+              <a:buFont typeface="Arial" panose="020B0604020202020204" pitchFamily="34" charset="0"/>
+              <a:buChar char="•"/>
+              <a:defRPr sz="1600">
+                <a:solidFill>
+                  <a:schemeClr val="tx1"/>
+                </a:solidFill>
+                <a:latin typeface="微软雅黑" panose="020B0503020204020204" pitchFamily="34" charset="-122"/>
+                <a:ea typeface="微软雅黑" panose="020B0503020204020204" pitchFamily="34" charset="-122"/>
+              </a:defRPr>
+            </a:lvl3pPr>
+            <a:lvl4pPr marL="825500" indent="-241300" algn="l" defTabSz="0" rtl="0" eaLnBrk="0" fontAlgn="base" hangingPunct="0">
+              <a:spcBef>
+                <a:spcPct val="0"/>
+              </a:spcBef>
+              <a:spcAft>
+                <a:spcPct val="15000"/>
+              </a:spcAft>
+              <a:buClr>
+                <a:schemeClr val="tx2"/>
+              </a:buClr>
+              <a:buFont typeface="Arial" panose="020B0604020202020204" pitchFamily="34" charset="0"/>
+              <a:buChar char="–"/>
+              <a:defRPr sz="1600">
+                <a:solidFill>
+                  <a:schemeClr val="tx1"/>
+                </a:solidFill>
+                <a:latin typeface="微软雅黑" panose="020B0503020204020204" pitchFamily="34" charset="-122"/>
+                <a:ea typeface="微软雅黑" panose="020B0503020204020204" pitchFamily="34" charset="-122"/>
+              </a:defRPr>
+            </a:lvl4pPr>
+            <a:lvl5pPr marL="2057400" indent="-228600" algn="l" defTabSz="0" rtl="0" eaLnBrk="0" fontAlgn="base" hangingPunct="0">
+              <a:spcBef>
+                <a:spcPct val="0"/>
+              </a:spcBef>
+              <a:spcAft>
+                <a:spcPct val="25000"/>
+              </a:spcAft>
+              <a:buClr>
+                <a:schemeClr val="tx2"/>
+              </a:buClr>
+              <a:buFont typeface="Arial" panose="020B0604020202020204" pitchFamily="34" charset="0"/>
+              <a:buChar char="–"/>
+              <a:defRPr sz="2000">
+                <a:solidFill>
+                  <a:schemeClr val="tx1"/>
+                </a:solidFill>
+                <a:latin typeface="+mn-lt"/>
+                <a:ea typeface="微软雅黑" panose="020B0503020204020204" pitchFamily="34" charset="-122"/>
+              </a:defRPr>
+            </a:lvl5pPr>
+            <a:lvl6pPr marL="2514600" indent="-228600" algn="l" defTabSz="0" rtl="0" eaLnBrk="0" fontAlgn="base" hangingPunct="0">
+              <a:spcBef>
+                <a:spcPct val="0"/>
+              </a:spcBef>
+              <a:spcAft>
+                <a:spcPct val="25000"/>
+              </a:spcAft>
+              <a:buClr>
+                <a:schemeClr val="tx2"/>
+              </a:buClr>
+              <a:buFont typeface="Arial" panose="020B0604020202020204" pitchFamily="34" charset="0"/>
+              <a:buChar char="–"/>
+              <a:defRPr>
+                <a:solidFill>
+                  <a:schemeClr val="tx1"/>
+                </a:solidFill>
+                <a:latin typeface="+mn-lt"/>
+              </a:defRPr>
+            </a:lvl6pPr>
+            <a:lvl7pPr marL="2971800" indent="-228600" algn="l" defTabSz="0" rtl="0" eaLnBrk="0" fontAlgn="base" hangingPunct="0">
+              <a:spcBef>
+                <a:spcPct val="0"/>
+              </a:spcBef>
+              <a:spcAft>
+                <a:spcPct val="25000"/>
+              </a:spcAft>
+              <a:buClr>
+                <a:schemeClr val="tx2"/>
+              </a:buClr>
+              <a:buFont typeface="Arial" panose="020B0604020202020204" pitchFamily="34" charset="0"/>
+              <a:buChar char="–"/>
+              <a:defRPr>
+                <a:solidFill>
+                  <a:schemeClr val="tx1"/>
+                </a:solidFill>
+                <a:latin typeface="+mn-lt"/>
+              </a:defRPr>
+            </a:lvl7pPr>
+            <a:lvl8pPr marL="3429000" indent="-228600" algn="l" defTabSz="0" rtl="0" eaLnBrk="0" fontAlgn="base" hangingPunct="0">
+              <a:spcBef>
+                <a:spcPct val="0"/>
+              </a:spcBef>
+              <a:spcAft>
+                <a:spcPct val="25000"/>
+              </a:spcAft>
+              <a:buClr>
+                <a:schemeClr val="tx2"/>
+              </a:buClr>
+              <a:buFont typeface="Arial" panose="020B0604020202020204" pitchFamily="34" charset="0"/>
+              <a:buChar char="–"/>
+              <a:defRPr>
+                <a:solidFill>
+                  <a:schemeClr val="tx1"/>
+                </a:solidFill>
+                <a:latin typeface="+mn-lt"/>
+              </a:defRPr>
+            </a:lvl8pPr>
+            <a:lvl9pPr marL="3886200" indent="-228600" algn="l" defTabSz="0" rtl="0" eaLnBrk="0" fontAlgn="base" hangingPunct="0">
+              <a:spcBef>
+                <a:spcPct val="0"/>
+              </a:spcBef>
+              <a:spcAft>
+                <a:spcPct val="25000"/>
+              </a:spcAft>
+              <a:buClr>
+                <a:schemeClr val="tx2"/>
+              </a:buClr>
+              <a:buFont typeface="Arial" panose="020B0604020202020204" pitchFamily="34" charset="0"/>
+              <a:buChar char="–"/>
+              <a:defRPr>
+                <a:solidFill>
+                  <a:schemeClr val="tx1"/>
+                </a:solidFill>
+                <a:latin typeface="+mn-lt"/>
+              </a:defRPr>
+            </a:lvl9pPr>
+          </a:lstStyle>
+          <a:p>
+            <a:r>
+              <a:rPr lang="zh-CN" dirty="0" smtClean="0"/>
+              <a:t>内容刚要</a:t>
+            </a:r>
+            <a:endParaRPr lang="zh-CN" dirty="0" smtClean="0"/>
+          </a:p>
+        </p:txBody>
+      </p:sp>
+      <p:sp>
+        <p:nvSpPr>
+          <p:cNvPr id="4" name="AutoShape 6"/>
+          <p:cNvSpPr>
+            <a:spLocks noChangeArrowheads="1"/>
+          </p:cNvSpPr>
+          <p:nvPr/>
+        </p:nvSpPr>
+        <p:spPr bwMode="auto">
+          <a:xfrm>
+            <a:off x="2739708" y="1261111"/>
+            <a:ext cx="6711950" cy="4214813"/>
+          </a:xfrm>
+          <a:prstGeom prst="roundRect">
+            <a:avLst>
+              <a:gd name="adj" fmla="val 16667"/>
+            </a:avLst>
+          </a:prstGeom>
+          <a:noFill/>
+          <a:ln w="28575">
+            <a:solidFill>
+              <a:srgbClr val="C0C0C0"/>
+            </a:solidFill>
+            <a:prstDash val="sysDot"/>
+            <a:round/>
+          </a:ln>
+          <a:extLst>
+            <a:ext uri="{909E8E84-426E-40DD-AFC4-6F175D3DCCD1}">
+              <a14:hiddenFill xmlns:a14="http://schemas.microsoft.com/office/drawing/2010/main">
+                <a:solidFill>
+                  <a:srgbClr val="FFFFFF"/>
+                </a:solidFill>
+              </a14:hiddenFill>
+            </a:ext>
+          </a:extLst>
+        </p:spPr>
+        <p:txBody>
+          <a:bodyPr wrap="none" anchor="ctr"/>
+          <a:lstStyle>
+            <a:lvl1pPr marL="457200" indent="-457200">
+              <a:defRPr sz="3200">
+                <a:solidFill>
+                  <a:schemeClr val="tx1"/>
+                </a:solidFill>
+                <a:latin typeface="Arial" panose="020B0604020202020204" pitchFamily="34" charset="0"/>
+                <a:ea typeface="微软雅黑" panose="020B0503020204020204" pitchFamily="34" charset="-122"/>
+              </a:defRPr>
+            </a:lvl1pPr>
+            <a:lvl2pPr marL="742950" indent="-285750">
+              <a:defRPr sz="3200">
+                <a:solidFill>
+                  <a:schemeClr val="tx1"/>
+                </a:solidFill>
+                <a:latin typeface="Arial" panose="020B0604020202020204" pitchFamily="34" charset="0"/>
+                <a:ea typeface="微软雅黑" panose="020B0503020204020204" pitchFamily="34" charset="-122"/>
+              </a:defRPr>
+            </a:lvl2pPr>
+            <a:lvl3pPr marL="1143000" indent="-228600">
+              <a:defRPr sz="3200">
+                <a:solidFill>
+                  <a:schemeClr val="tx1"/>
+                </a:solidFill>
+                <a:latin typeface="Arial" panose="020B0604020202020204" pitchFamily="34" charset="0"/>
+                <a:ea typeface="微软雅黑" panose="020B0503020204020204" pitchFamily="34" charset="-122"/>
+              </a:defRPr>
+            </a:lvl3pPr>
+            <a:lvl4pPr marL="1600200" indent="-228600">
+              <a:defRPr sz="3200">
+                <a:solidFill>
+                  <a:schemeClr val="tx1"/>
+                </a:solidFill>
+                <a:latin typeface="Arial" panose="020B0604020202020204" pitchFamily="34" charset="0"/>
+                <a:ea typeface="微软雅黑" panose="020B0503020204020204" pitchFamily="34" charset="-122"/>
+              </a:defRPr>
+            </a:lvl4pPr>
+            <a:lvl5pPr marL="2057400" indent="-228600">
+              <a:defRPr sz="3200">
+                <a:solidFill>
+                  <a:schemeClr val="tx1"/>
+                </a:solidFill>
+                <a:latin typeface="Arial" panose="020B0604020202020204" pitchFamily="34" charset="0"/>
+                <a:ea typeface="微软雅黑" panose="020B0503020204020204" pitchFamily="34" charset="-122"/>
+              </a:defRPr>
+            </a:lvl5pPr>
+            <a:lvl6pPr marL="2514600" indent="-228600" eaLnBrk="0" fontAlgn="base" hangingPunct="0">
+              <a:spcBef>
+                <a:spcPct val="0"/>
+              </a:spcBef>
+              <a:spcAft>
+                <a:spcPct val="0"/>
+              </a:spcAft>
+              <a:defRPr sz="3200">
+                <a:solidFill>
+                  <a:schemeClr val="tx1"/>
+                </a:solidFill>
+                <a:latin typeface="Arial" panose="020B0604020202020204" pitchFamily="34" charset="0"/>
+                <a:ea typeface="微软雅黑" panose="020B0503020204020204" pitchFamily="34" charset="-122"/>
+              </a:defRPr>
+            </a:lvl6pPr>
+            <a:lvl7pPr marL="2971800" indent="-228600" eaLnBrk="0" fontAlgn="base" hangingPunct="0">
+              <a:spcBef>
+                <a:spcPct val="0"/>
+              </a:spcBef>
+              <a:spcAft>
+                <a:spcPct val="0"/>
+              </a:spcAft>
+              <a:defRPr sz="3200">
+                <a:solidFill>
+                  <a:schemeClr val="tx1"/>
+                </a:solidFill>
+                <a:latin typeface="Arial" panose="020B0604020202020204" pitchFamily="34" charset="0"/>
+                <a:ea typeface="微软雅黑" panose="020B0503020204020204" pitchFamily="34" charset="-122"/>
+              </a:defRPr>
+            </a:lvl7pPr>
+            <a:lvl8pPr marL="3429000" indent="-228600" eaLnBrk="0" fontAlgn="base" hangingPunct="0">
+              <a:spcBef>
+                <a:spcPct val="0"/>
+              </a:spcBef>
+              <a:spcAft>
+                <a:spcPct val="0"/>
+              </a:spcAft>
+              <a:defRPr sz="3200">
+                <a:solidFill>
+                  <a:schemeClr val="tx1"/>
+                </a:solidFill>
+                <a:latin typeface="Arial" panose="020B0604020202020204" pitchFamily="34" charset="0"/>
+                <a:ea typeface="微软雅黑" panose="020B0503020204020204" pitchFamily="34" charset="-122"/>
+              </a:defRPr>
+            </a:lvl8pPr>
+            <a:lvl9pPr marL="3886200" indent="-228600" eaLnBrk="0" fontAlgn="base" hangingPunct="0">
+              <a:spcBef>
+                <a:spcPct val="0"/>
+              </a:spcBef>
+              <a:spcAft>
+                <a:spcPct val="0"/>
+              </a:spcAft>
+              <a:defRPr sz="3200">
+                <a:solidFill>
+                  <a:schemeClr val="tx1"/>
+                </a:solidFill>
+                <a:latin typeface="Arial" panose="020B0604020202020204" pitchFamily="34" charset="0"/>
+                <a:ea typeface="微软雅黑" panose="020B0503020204020204" pitchFamily="34" charset="-122"/>
+              </a:defRPr>
+            </a:lvl9pPr>
+          </a:lstStyle>
+          <a:p>
+            <a:pPr algn="l">
+              <a:lnSpc>
+                <a:spcPct val="150000"/>
+              </a:lnSpc>
+              <a:spcBef>
+                <a:spcPts val="1200"/>
+              </a:spcBef>
+              <a:spcAft>
+                <a:spcPts val="1200"/>
+              </a:spcAft>
+              <a:buClr>
+                <a:srgbClr val="92D050"/>
+              </a:buClr>
+              <a:buFont typeface="Wingdings" panose="05000000000000000000" pitchFamily="2" charset="2"/>
+              <a:buChar char="Ø"/>
+            </a:pPr>
+            <a:r>
+              <a:rPr lang="zh-CN" altLang="en-US" sz="2800" b="1">
+                <a:solidFill>
+                  <a:schemeClr val="tx1"/>
+                </a:solidFill>
+                <a:sym typeface="+mn-ea"/>
+              </a:rPr>
+              <a:t>常用 UI 控件</a:t>
+            </a:r>
+            <a:endParaRPr lang="zh-CN" altLang="en-US" sz="2800" b="1">
+              <a:sym typeface="+mn-ea"/>
+            </a:endParaRPr>
+          </a:p>
+          <a:p>
+            <a:pPr algn="l">
+              <a:lnSpc>
+                <a:spcPct val="150000"/>
+              </a:lnSpc>
+              <a:spcBef>
+                <a:spcPts val="1200"/>
+              </a:spcBef>
+              <a:spcAft>
+                <a:spcPts val="1200"/>
+              </a:spcAft>
+              <a:buClr>
+                <a:srgbClr val="92D050"/>
+              </a:buClr>
+              <a:buFont typeface="Wingdings" panose="05000000000000000000" pitchFamily="2" charset="2"/>
+              <a:buChar char="Ø"/>
+            </a:pPr>
+            <a:r>
+              <a:rPr lang="zh-CN" altLang="en-US" sz="2800" b="1">
+                <a:solidFill>
+                  <a:srgbClr val="FF0000"/>
+                </a:solidFill>
+                <a:sym typeface="+mn-ea"/>
+              </a:rPr>
+              <a:t>多分辨率适配方案</a:t>
+            </a:r>
+            <a:endParaRPr lang="zh-CN" altLang="en-US" sz="2800" b="1">
+              <a:solidFill>
+                <a:schemeClr val="tx1"/>
+              </a:solidFill>
+              <a:sym typeface="+mn-ea"/>
+            </a:endParaRPr>
+          </a:p>
+          <a:p>
+            <a:pPr algn="l">
+              <a:lnSpc>
+                <a:spcPct val="150000"/>
+              </a:lnSpc>
+              <a:spcBef>
+                <a:spcPts val="1200"/>
+              </a:spcBef>
+              <a:spcAft>
+                <a:spcPts val="1200"/>
+              </a:spcAft>
+              <a:buClr>
+                <a:srgbClr val="92D050"/>
+              </a:buClr>
+              <a:buFont typeface="Wingdings" panose="05000000000000000000" pitchFamily="2" charset="2"/>
+              <a:buChar char="Ø"/>
+            </a:pPr>
+            <a:r>
+              <a:rPr lang="en-US" altLang="zh-CN" sz="2800" b="1">
+                <a:solidFill>
+                  <a:schemeClr val="tx1"/>
+                </a:solidFill>
+                <a:sym typeface="+mn-ea"/>
+              </a:rPr>
+              <a:t>UI </a:t>
+            </a:r>
+            <a:r>
+              <a:rPr lang="zh-CN" altLang="en-US" sz="2800" b="1">
+                <a:solidFill>
+                  <a:schemeClr val="tx1"/>
+                </a:solidFill>
+                <a:sym typeface="+mn-ea"/>
+              </a:rPr>
+              <a:t>对齐策略与拉伸</a:t>
+            </a:r>
+            <a:endParaRPr lang="zh-CN" altLang="en-US" sz="2800" b="1">
+              <a:solidFill>
+                <a:schemeClr val="tx1"/>
+              </a:solidFill>
+              <a:sym typeface="+mn-ea"/>
+            </a:endParaRPr>
+          </a:p>
+        </p:txBody>
+      </p:sp>
+    </p:spTree>
+  </p:cSld>
+  <p:clrMapOvr>
+    <a:masterClrMapping/>
+  </p:clrMapOvr>
+  <p:timing>
+    <p:tnLst>
+      <p:par>
+        <p:cTn id="1" dur="indefinite" restart="never" nodeType="tmRoot"/>
+      </p:par>
+    </p:tnLst>
+  </p:timing>
+</p:sld>
+</file>
+
+<file path=ppt/slides/slide8.xml><?xml version="1.0" encoding="utf-8"?>
+<p:sld xmlns:a="http://schemas.openxmlformats.org/drawingml/2006/main" xmlns:r="http://schemas.openxmlformats.org/officeDocument/2006/relationships" xmlns:p="http://schemas.openxmlformats.org/presentationml/2006/main">
+  <p:cSld>
+    <p:spTree>
+      <p:nvGrpSpPr>
+        <p:cNvPr id="1" name=""/>
+        <p:cNvGrpSpPr/>
+        <p:nvPr/>
+      </p:nvGrpSpPr>
+      <p:grpSpPr>
+        <a:xfrm>
+          <a:off x="0" y="0"/>
+          <a:ext cx="0" cy="0"/>
+          <a:chOff x="0" y="0"/>
+          <a:chExt cx="0" cy="0"/>
+        </a:xfrm>
+      </p:grpSpPr>
+      <p:sp>
+        <p:nvSpPr>
+          <p:cNvPr id="5122" name="内容占位符 2"/>
+          <p:cNvSpPr>
+            <a:spLocks noGrp="1"/>
+          </p:cNvSpPr>
+          <p:nvPr/>
+        </p:nvSpPr>
+        <p:spPr>
+          <a:xfrm>
+            <a:off x="896620" y="829945"/>
+            <a:ext cx="10385425" cy="5245100"/>
+          </a:xfrm>
+        </p:spPr>
+        <p:txBody>
+          <a:bodyPr/>
+          <a:lstStyle>
+            <a:lvl1pPr marL="167005" indent="-167005" algn="l" defTabSz="0" rtl="0" eaLnBrk="0" fontAlgn="base" hangingPunct="0">
+              <a:spcBef>
+                <a:spcPct val="0"/>
+              </a:spcBef>
+              <a:spcAft>
+                <a:spcPct val="15000"/>
+              </a:spcAft>
+              <a:buClr>
+                <a:schemeClr val="tx2"/>
+              </a:buClr>
+              <a:buFont typeface="Arial" panose="020B0604020202020204" pitchFamily="34" charset="0"/>
+              <a:buChar char="•"/>
+              <a:defRPr sz="1600">
+                <a:solidFill>
+                  <a:srgbClr val="006F53"/>
+                </a:solidFill>
+                <a:latin typeface="微软雅黑" panose="020B0503020204020204" pitchFamily="34" charset="-122"/>
+                <a:ea typeface="微软雅黑" panose="020B0503020204020204" pitchFamily="34" charset="-122"/>
+                <a:cs typeface="+mn-cs"/>
+              </a:defRPr>
+            </a:lvl1pPr>
+            <a:lvl2pPr marL="398780" indent="-230505" algn="l" defTabSz="0" rtl="0" eaLnBrk="0" fontAlgn="base" hangingPunct="0">
+              <a:spcBef>
+                <a:spcPct val="0"/>
+              </a:spcBef>
+              <a:spcAft>
+                <a:spcPct val="15000"/>
+              </a:spcAft>
+              <a:buClr>
+                <a:schemeClr val="tx2"/>
+              </a:buClr>
+              <a:buFont typeface="Arial" panose="020B0604020202020204" pitchFamily="34" charset="0"/>
+              <a:buChar char="–"/>
+              <a:defRPr sz="2800">
+                <a:solidFill>
+                  <a:schemeClr val="bg2"/>
+                </a:solidFill>
+                <a:latin typeface="微软雅黑" panose="020B0503020204020204" pitchFamily="34" charset="-122"/>
+                <a:ea typeface="微软雅黑" panose="020B0503020204020204" pitchFamily="34" charset="-122"/>
+              </a:defRPr>
+            </a:lvl2pPr>
+            <a:lvl3pPr marL="400050" indent="182880" algn="l" defTabSz="0" rtl="0" eaLnBrk="0" fontAlgn="base" hangingPunct="0">
+              <a:spcBef>
+                <a:spcPct val="0"/>
+              </a:spcBef>
+              <a:spcAft>
+                <a:spcPct val="15000"/>
+              </a:spcAft>
+              <a:buClr>
+                <a:schemeClr val="tx2"/>
+              </a:buClr>
+              <a:buFont typeface="Arial" panose="020B0604020202020204" pitchFamily="34" charset="0"/>
+              <a:buChar char="•"/>
+              <a:defRPr sz="1600">
+                <a:solidFill>
+                  <a:schemeClr val="bg2"/>
+                </a:solidFill>
+                <a:latin typeface="微软雅黑" panose="020B0503020204020204" pitchFamily="34" charset="-122"/>
+                <a:ea typeface="微软雅黑" panose="020B0503020204020204" pitchFamily="34" charset="-122"/>
+              </a:defRPr>
+            </a:lvl3pPr>
+            <a:lvl4pPr marL="825500" indent="-241300" algn="l" defTabSz="0" rtl="0" eaLnBrk="0" fontAlgn="base" hangingPunct="0">
+              <a:spcBef>
+                <a:spcPct val="0"/>
+              </a:spcBef>
+              <a:spcAft>
+                <a:spcPct val="15000"/>
+              </a:spcAft>
+              <a:buClr>
+                <a:schemeClr val="tx2"/>
+              </a:buClr>
+              <a:buFont typeface="Arial" panose="020B0604020202020204" pitchFamily="34" charset="0"/>
+              <a:buChar char="–"/>
+              <a:defRPr sz="1600">
+                <a:solidFill>
+                  <a:schemeClr val="bg2"/>
+                </a:solidFill>
+                <a:latin typeface="微软雅黑" panose="020B0503020204020204" pitchFamily="34" charset="-122"/>
+                <a:ea typeface="微软雅黑" panose="020B0503020204020204" pitchFamily="34" charset="-122"/>
+              </a:defRPr>
+            </a:lvl4pPr>
+            <a:lvl5pPr marL="2057400" indent="-228600" algn="l" defTabSz="0" rtl="0" eaLnBrk="0" fontAlgn="base" hangingPunct="0">
+              <a:spcBef>
+                <a:spcPct val="0"/>
+              </a:spcBef>
+              <a:spcAft>
+                <a:spcPct val="25000"/>
+              </a:spcAft>
+              <a:buClr>
+                <a:schemeClr val="tx2"/>
+              </a:buClr>
+              <a:buFont typeface="Arial" panose="020B0604020202020204" pitchFamily="34" charset="0"/>
+              <a:buChar char="–"/>
+              <a:defRPr sz="2000">
+                <a:solidFill>
+                  <a:schemeClr val="tx1"/>
+                </a:solidFill>
+                <a:latin typeface="+mn-lt"/>
+                <a:ea typeface="微软雅黑" panose="020B0503020204020204" pitchFamily="34" charset="-122"/>
+              </a:defRPr>
+            </a:lvl5pPr>
+            <a:lvl6pPr marL="2514600" indent="-228600" algn="l" defTabSz="0" rtl="0" eaLnBrk="0" fontAlgn="base" hangingPunct="0">
+              <a:spcBef>
+                <a:spcPct val="0"/>
+              </a:spcBef>
+              <a:spcAft>
+                <a:spcPct val="25000"/>
+              </a:spcAft>
+              <a:buClr>
+                <a:schemeClr val="tx2"/>
+              </a:buClr>
+              <a:buFont typeface="Arial" panose="020B0604020202020204" pitchFamily="34" charset="0"/>
+              <a:buChar char="–"/>
+              <a:defRPr>
+                <a:solidFill>
+                  <a:schemeClr val="tx1"/>
+                </a:solidFill>
+                <a:latin typeface="+mn-lt"/>
+              </a:defRPr>
+            </a:lvl6pPr>
+            <a:lvl7pPr marL="2971800" indent="-228600" algn="l" defTabSz="0" rtl="0" eaLnBrk="0" fontAlgn="base" hangingPunct="0">
+              <a:spcBef>
+                <a:spcPct val="0"/>
+              </a:spcBef>
+              <a:spcAft>
+                <a:spcPct val="25000"/>
+              </a:spcAft>
+              <a:buClr>
+                <a:schemeClr val="tx2"/>
+              </a:buClr>
+              <a:buFont typeface="Arial" panose="020B0604020202020204" pitchFamily="34" charset="0"/>
+              <a:buChar char="–"/>
+              <a:defRPr>
+                <a:solidFill>
+                  <a:schemeClr val="tx1"/>
+                </a:solidFill>
+                <a:latin typeface="+mn-lt"/>
+              </a:defRPr>
+            </a:lvl7pPr>
+            <a:lvl8pPr marL="3429000" indent="-228600" algn="l" defTabSz="0" rtl="0" eaLnBrk="0" fontAlgn="base" hangingPunct="0">
+              <a:spcBef>
+                <a:spcPct val="0"/>
+              </a:spcBef>
+              <a:spcAft>
+                <a:spcPct val="25000"/>
+              </a:spcAft>
+              <a:buClr>
+                <a:schemeClr val="tx2"/>
+              </a:buClr>
+              <a:buFont typeface="Arial" panose="020B0604020202020204" pitchFamily="34" charset="0"/>
+              <a:buChar char="–"/>
+              <a:defRPr>
+                <a:solidFill>
+                  <a:schemeClr val="tx1"/>
+                </a:solidFill>
+                <a:latin typeface="+mn-lt"/>
+              </a:defRPr>
+            </a:lvl8pPr>
+            <a:lvl9pPr marL="3886200" indent="-228600" algn="l" defTabSz="0" rtl="0" eaLnBrk="0" fontAlgn="base" hangingPunct="0">
+              <a:spcBef>
+                <a:spcPct val="0"/>
+              </a:spcBef>
+              <a:spcAft>
+                <a:spcPct val="25000"/>
+              </a:spcAft>
+              <a:buClr>
+                <a:schemeClr val="tx2"/>
+              </a:buClr>
+              <a:buFont typeface="Arial" panose="020B0604020202020204" pitchFamily="34" charset="0"/>
+              <a:buChar char="–"/>
+              <a:defRPr>
+                <a:solidFill>
+                  <a:schemeClr val="tx1"/>
+                </a:solidFill>
+                <a:latin typeface="+mn-lt"/>
+              </a:defRPr>
+            </a:lvl9pPr>
+          </a:lstStyle>
+          <a:p>
+            <a:pPr>
+              <a:lnSpc>
+                <a:spcPct val="140000"/>
+              </a:lnSpc>
+              <a:spcBef>
+                <a:spcPts val="1000"/>
+              </a:spcBef>
+            </a:pPr>
+            <a:r>
+              <a:rPr sz="2200">
+                <a:solidFill>
+                  <a:schemeClr val="tx1"/>
+                </a:solidFill>
+                <a:sym typeface="+mn-ea"/>
+              </a:rPr>
+              <a:t>适配高度（Fit Height）模式</a:t>
+            </a:r>
+            <a:r>
+              <a:rPr lang="zh-CN" sz="2200">
+                <a:solidFill>
+                  <a:schemeClr val="tx1"/>
+                </a:solidFill>
+                <a:sym typeface="+mn-ea"/>
+              </a:rPr>
+              <a:t>与适配宽度（Fit Width）模式</a:t>
+            </a:r>
+            <a:endParaRPr lang="zh-CN" sz="2200">
+              <a:solidFill>
+                <a:schemeClr val="tx1"/>
+              </a:solidFill>
+              <a:sym typeface="+mn-ea"/>
+            </a:endParaRPr>
+          </a:p>
+          <a:p>
+            <a:pPr>
+              <a:lnSpc>
+                <a:spcPct val="140000"/>
+              </a:lnSpc>
+              <a:spcBef>
+                <a:spcPts val="1000"/>
+              </a:spcBef>
+            </a:pPr>
+            <a:endParaRPr lang="zh-CN" sz="2200">
+              <a:solidFill>
+                <a:schemeClr val="tx1"/>
+              </a:solidFill>
+              <a:sym typeface="+mn-ea"/>
+            </a:endParaRPr>
+          </a:p>
+        </p:txBody>
+      </p:sp>
+      <p:sp>
+        <p:nvSpPr>
+          <p:cNvPr id="2" name="内容占位符 1"/>
+          <p:cNvSpPr>
+            <a:spLocks noGrp="1"/>
+          </p:cNvSpPr>
+          <p:nvPr>
+            <p:ph sz="quarter" idx="11"/>
+          </p:nvPr>
+        </p:nvSpPr>
+        <p:spPr>
+          <a:xfrm>
+            <a:off x="947420" y="236855"/>
+            <a:ext cx="8415655" cy="490220"/>
+          </a:xfrm>
+        </p:spPr>
+        <p:txBody>
+          <a:bodyPr/>
+          <a:p>
+            <a:r>
+              <a:rPr dirty="0">
+                <a:sym typeface="+mn-ea"/>
+              </a:rPr>
+              <a:t>多分辨率适配方案</a:t>
+            </a:r>
+            <a:endParaRPr dirty="0">
+              <a:sym typeface="+mn-ea"/>
+            </a:endParaRPr>
+          </a:p>
+        </p:txBody>
+      </p:sp>
+      <p:pic>
+        <p:nvPicPr>
+          <p:cNvPr id="3" name="图片 2"/>
+          <p:cNvPicPr>
+            <a:picLocks noChangeAspect="1"/>
+          </p:cNvPicPr>
+          <p:nvPr/>
+        </p:nvPicPr>
+        <p:blipFill>
+          <a:blip r:embed="rId1"/>
+          <a:stretch>
+            <a:fillRect/>
+          </a:stretch>
+        </p:blipFill>
+        <p:spPr>
+          <a:xfrm>
+            <a:off x="1069975" y="1467485"/>
+            <a:ext cx="7588250" cy="4403725"/>
+          </a:xfrm>
+          <a:prstGeom prst="rect">
+            <a:avLst/>
+          </a:prstGeom>
+        </p:spPr>
+      </p:pic>
+      <p:pic>
+        <p:nvPicPr>
+          <p:cNvPr id="4" name="图片 3"/>
+          <p:cNvPicPr>
+            <a:picLocks noChangeAspect="1"/>
+          </p:cNvPicPr>
+          <p:nvPr/>
+        </p:nvPicPr>
+        <p:blipFill>
+          <a:blip r:embed="rId2"/>
+          <a:stretch>
+            <a:fillRect/>
+          </a:stretch>
+        </p:blipFill>
+        <p:spPr>
+          <a:xfrm>
+            <a:off x="2931160" y="1466850"/>
+            <a:ext cx="7527290" cy="4404360"/>
+          </a:xfrm>
+          <a:prstGeom prst="rect">
+            <a:avLst/>
+          </a:prstGeom>
+        </p:spPr>
+      </p:pic>
+    </p:spTree>
+  </p:cSld>
+  <p:clrMapOvr>
+    <a:masterClrMapping/>
+  </p:clrMapOvr>
+  <p:timing>
+    <p:tnLst>
+      <p:par>
+        <p:cTn id="1" dur="indefinite" restart="never" nodeType="tmRoot">
+          <p:childTnLst>
+            <p:seq concurrent="1" nextAc="seek">
+              <p:cTn id="2" dur="indefinite" nodeType="mainSeq">
+                <p:childTnLst>
+                  <p:par>
+                    <p:cTn id="3" fill="hold">
+                      <p:stCondLst>
+                        <p:cond delay="indefinite"/>
+                      </p:stCondLst>
+                      <p:childTnLst>
+                        <p:par>
+                          <p:cTn id="4" fill="hold">
+                            <p:stCondLst>
+                              <p:cond delay="0"/>
+                            </p:stCondLst>
+                            <p:childTnLst>
+                              <p:par>
+                                <p:cTn id="5" presetID="2" presetClass="entr" presetSubtype="4" fill="hold" nodeType="clickEffect">
+                                  <p:stCondLst>
+                                    <p:cond delay="0"/>
+                                  </p:stCondLst>
+                                  <p:childTnLst>
+                                    <p:set>
+                                      <p:cBhvr>
+                                        <p:cTn id="6" dur="1" fill="hold">
+                                          <p:stCondLst>
+                                            <p:cond delay="0"/>
+                                          </p:stCondLst>
+                                        </p:cTn>
+                                        <p:tgtEl>
+                                          <p:spTgt spid="5122">
+                                            <p:txEl>
+                                              <p:pRg st="0" end="0"/>
+                                            </p:txEl>
+                                          </p:spTgt>
+                                        </p:tgtEl>
+                                        <p:attrNameLst>
+                                          <p:attrName>style.visibility</p:attrName>
+                                        </p:attrNameLst>
+                                      </p:cBhvr>
+                                      <p:to>
+                                        <p:strVal val="visible"/>
+                                      </p:to>
+                                    </p:set>
+                                    <p:anim calcmode="lin" valueType="num">
+                                      <p:cBhvr additive="base">
+                                        <p:cTn id="7" dur="500" fill="hold"/>
+                                        <p:tgtEl>
+                                          <p:spTgt spid="5122">
+                                            <p:txEl>
+                                              <p:pRg st="0" end="0"/>
+                                            </p:txEl>
+                                          </p:spTgt>
+                                        </p:tgtEl>
+                                        <p:attrNameLst>
+                                          <p:attrName>ppt_x</p:attrName>
+                                        </p:attrNameLst>
+                                      </p:cBhvr>
+                                      <p:tavLst>
+                                        <p:tav tm="0">
+                                          <p:val>
+                                            <p:strVal val="#ppt_x"/>
+                                          </p:val>
+                                        </p:tav>
+                                        <p:tav tm="100000">
+                                          <p:val>
+                                            <p:strVal val="#ppt_x"/>
+                                          </p:val>
+                                        </p:tav>
+                                      </p:tavLst>
+                                    </p:anim>
+                                    <p:anim calcmode="lin" valueType="num">
+                                      <p:cBhvr additive="base">
+                                        <p:cTn id="8" dur="500" fill="hold"/>
+                                        <p:tgtEl>
+                                          <p:spTgt spid="5122">
+                                            <p:txEl>
+                                              <p:pRg st="0" end="0"/>
+                                            </p:txEl>
+                                          </p:spTgt>
+                                        </p:tgtEl>
+                                        <p:attrNameLst>
+                                          <p:attrName>ppt_y</p:attrName>
+                                        </p:attrNameLst>
+                                      </p:cBhvr>
+                                      <p:tavLst>
+                                        <p:tav tm="0">
+                                          <p:val>
+                                            <p:strVal val="1+#ppt_h/2"/>
+                                          </p:val>
+                                        </p:tav>
+                                        <p:tav tm="100000">
+                                          <p:val>
+                                            <p:strVal val="#ppt_y"/>
+                                          </p:val>
+                                        </p:tav>
+                                      </p:tavLst>
+                                    </p:anim>
+                                  </p:childTnLst>
+                                </p:cTn>
+                              </p:par>
+                            </p:childTnLst>
+                          </p:cTn>
+                        </p:par>
+                      </p:childTnLst>
+                    </p:cTn>
+                  </p:par>
+                  <p:par>
+                    <p:cTn id="9" fill="hold">
+                      <p:stCondLst>
+                        <p:cond delay="indefinite"/>
+                      </p:stCondLst>
+                      <p:childTnLst>
+                        <p:par>
+                          <p:cTn id="10" fill="hold">
+                            <p:stCondLst>
+                              <p:cond delay="0"/>
+                            </p:stCondLst>
+                            <p:childTnLst>
+                              <p:par>
+                                <p:cTn id="11" presetID="2" presetClass="entr" presetSubtype="4" fill="hold" nodeType="clickEffect">
+                                  <p:stCondLst>
+                                    <p:cond delay="0"/>
+                                  </p:stCondLst>
+                                  <p:childTnLst>
+                                    <p:set>
+                                      <p:cBhvr>
+                                        <p:cTn id="12" dur="1" fill="hold">
+                                          <p:stCondLst>
+                                            <p:cond delay="0"/>
+                                          </p:stCondLst>
+                                        </p:cTn>
+                                        <p:tgtEl>
+                                          <p:spTgt spid="3"/>
+                                        </p:tgtEl>
+                                        <p:attrNameLst>
+                                          <p:attrName>style.visibility</p:attrName>
+                                        </p:attrNameLst>
+                                      </p:cBhvr>
+                                      <p:to>
+                                        <p:strVal val="visible"/>
+                                      </p:to>
+                                    </p:set>
+                                    <p:anim calcmode="lin" valueType="num">
+                                      <p:cBhvr additive="base">
+                                        <p:cTn id="13" dur="500" fill="hold"/>
+                                        <p:tgtEl>
+                                          <p:spTgt spid="3"/>
+                                        </p:tgtEl>
+                                        <p:attrNameLst>
+                                          <p:attrName>ppt_x</p:attrName>
+                                        </p:attrNameLst>
+                                      </p:cBhvr>
+                                      <p:tavLst>
+                                        <p:tav tm="0">
+                                          <p:val>
+                                            <p:strVal val="#ppt_x"/>
+                                          </p:val>
+                                        </p:tav>
+                                        <p:tav tm="100000">
+                                          <p:val>
+                                            <p:strVal val="#ppt_x"/>
+                                          </p:val>
+                                        </p:tav>
+                                      </p:tavLst>
+                                    </p:anim>
+                                    <p:anim calcmode="lin" valueType="num">
+                                      <p:cBhvr additive="base">
+                                        <p:cTn id="14" dur="500" fill="hold"/>
+                                        <p:tgtEl>
+                                          <p:spTgt spid="3"/>
+                                        </p:tgtEl>
+                                        <p:attrNameLst>
+                                          <p:attrName>ppt_y</p:attrName>
+                                        </p:attrNameLst>
+                                      </p:cBhvr>
+                                      <p:tavLst>
+                                        <p:tav tm="0">
+                                          <p:val>
+                                            <p:strVal val="1+#ppt_h/2"/>
+                                          </p:val>
+                                        </p:tav>
+                                        <p:tav tm="100000">
+                                          <p:val>
+                                            <p:strVal val="#ppt_y"/>
+                                          </p:val>
+                                        </p:tav>
+                                      </p:tavLst>
+                                    </p:anim>
+                                  </p:childTnLst>
+                                </p:cTn>
+                              </p:par>
+                            </p:childTnLst>
+                          </p:cTn>
+                        </p:par>
+                      </p:childTnLst>
+                    </p:cTn>
+                  </p:par>
+                  <p:par>
+                    <p:cTn id="15" fill="hold">
+                      <p:stCondLst>
+                        <p:cond delay="indefinite"/>
+                      </p:stCondLst>
+                      <p:childTnLst>
+                        <p:par>
+                          <p:cTn id="16" fill="hold">
+                            <p:stCondLst>
+                              <p:cond delay="0"/>
+                            </p:stCondLst>
+                            <p:childTnLst>
+                              <p:par>
+                                <p:cTn id="17" presetID="2" presetClass="entr" presetSubtype="4" fill="hold" nodeType="clickEffect">
+                                  <p:stCondLst>
+                                    <p:cond delay="0"/>
+                                  </p:stCondLst>
+                                  <p:childTnLst>
+                                    <p:set>
+                                      <p:cBhvr>
+                                        <p:cTn id="18" dur="1" fill="hold">
+                                          <p:stCondLst>
+                                            <p:cond delay="0"/>
+                                          </p:stCondLst>
+                                        </p:cTn>
+                                        <p:tgtEl>
+                                          <p:spTgt spid="4"/>
+                                        </p:tgtEl>
+                                        <p:attrNameLst>
+                                          <p:attrName>style.visibility</p:attrName>
+                                        </p:attrNameLst>
+                                      </p:cBhvr>
+                                      <p:to>
+                                        <p:strVal val="visible"/>
+                                      </p:to>
+                                    </p:set>
+                                    <p:anim calcmode="lin" valueType="num">
+                                      <p:cBhvr additive="base">
+                                        <p:cTn id="19" dur="500" fill="hold"/>
+                                        <p:tgtEl>
+                                          <p:spTgt spid="4"/>
+                                        </p:tgtEl>
+                                        <p:attrNameLst>
+                                          <p:attrName>ppt_x</p:attrName>
+                                        </p:attrNameLst>
+                                      </p:cBhvr>
+                                      <p:tavLst>
+                                        <p:tav tm="0">
+                                          <p:val>
+                                            <p:strVal val="#ppt_x"/>
+                                          </p:val>
+                                        </p:tav>
+                                        <p:tav tm="100000">
+                                          <p:val>
+                                            <p:strVal val="#ppt_x"/>
+                                          </p:val>
+                                        </p:tav>
+                                      </p:tavLst>
+                                    </p:anim>
+                                    <p:anim calcmode="lin" valueType="num">
+                                      <p:cBhvr additive="base">
+                                        <p:cTn id="20" dur="500" fill="hold"/>
+                                        <p:tgtEl>
+                                          <p:spTgt spid="4"/>
+                                        </p:tgtEl>
+                                        <p:attrNameLst>
+                                          <p:attrName>ppt_y</p:attrName>
+                                        </p:attrNameLst>
+                                      </p:cBhvr>
+                                      <p:tavLst>
+                                        <p:tav tm="0">
+                                          <p:val>
+                                            <p:strVal val="1+#ppt_h/2"/>
+                                          </p:val>
+                                        </p:tav>
+                                        <p:tav tm="100000">
+                                          <p:val>
+                                            <p:strVal val="#ppt_y"/>
+                                          </p:val>
+                                        </p:tav>
+                                      </p:tavLst>
+                                    </p:anim>
+                                  </p:childTnLst>
+                                </p:cTn>
+                              </p:par>
+                            </p:childTnLst>
+                          </p:cTn>
+                        </p:par>
+                      </p:childTnLst>
+                    </p:cTn>
+                  </p:par>
+                </p:childTnLst>
+              </p:cTn>
+              <p:prevCondLst>
+                <p:cond evt="onPrev" delay="0">
+                  <p:tgtEl>
+                    <p:sldTgt/>
+                  </p:tgtEl>
+                </p:cond>
+              </p:prevCondLst>
+              <p:nextCondLst>
+                <p:cond evt="onNext" delay="0">
+                  <p:tgtEl>
+                    <p:sldTgt/>
+                  </p:tgtEl>
+                </p:cond>
+              </p:nextCondLst>
+            </p:seq>
+          </p:childTnLst>
+        </p:cTn>
+      </p:par>
+    </p:tnLst>
+  </p:timing>
+</p:sld>
+</file>
+
+<file path=ppt/slides/slide9.xml><?xml version="1.0" encoding="utf-8"?>
+<p:sld xmlns:a="http://schemas.openxmlformats.org/drawingml/2006/main" xmlns:r="http://schemas.openxmlformats.org/officeDocument/2006/relationships" xmlns:p="http://schemas.openxmlformats.org/presentationml/2006/main">
+  <p:cSld>
+    <p:spTree>
+      <p:nvGrpSpPr>
+        <p:cNvPr id="1" name=""/>
+        <p:cNvGrpSpPr/>
+        <p:nvPr/>
+      </p:nvGrpSpPr>
+      <p:grpSpPr>
+        <a:xfrm>
+          <a:off x="0" y="0"/>
+          <a:ext cx="0" cy="0"/>
+          <a:chOff x="0" y="0"/>
+          <a:chExt cx="0" cy="0"/>
+        </a:xfrm>
+      </p:grpSpPr>
+      <p:sp>
+        <p:nvSpPr>
+          <p:cNvPr id="3" name="内容占位符 2"/>
+          <p:cNvSpPr>
+            <a:spLocks noGrp="1"/>
+          </p:cNvSpPr>
+          <p:nvPr/>
+        </p:nvSpPr>
+        <p:spPr>
+          <a:xfrm>
+            <a:off x="947204" y="236943"/>
+            <a:ext cx="8191557" cy="490476"/>
+          </a:xfrm>
+          <a:prstGeom prst="rect">
+            <a:avLst/>
+          </a:prstGeom>
+        </p:spPr>
+        <p:txBody>
+          <a:bodyPr/>
+          <a:lstStyle>
+            <a:lvl1pPr marL="167005" indent="-167005" algn="l" defTabSz="0" rtl="0" eaLnBrk="0" fontAlgn="base" hangingPunct="0">
+              <a:spcBef>
+                <a:spcPct val="0"/>
+              </a:spcBef>
+              <a:spcAft>
+                <a:spcPct val="15000"/>
+              </a:spcAft>
+              <a:buClr>
+                <a:schemeClr val="tx2"/>
+              </a:buClr>
+              <a:buFont typeface="Arial" panose="020B0604020202020204" pitchFamily="34" charset="0"/>
+              <a:buNone/>
+              <a:defRPr sz="3200" b="0">
+                <a:solidFill>
+                  <a:srgbClr val="C00000"/>
+                </a:solidFill>
+                <a:latin typeface="微软雅黑" panose="020B0503020204020204" pitchFamily="34" charset="-122"/>
+                <a:ea typeface="微软雅黑" panose="020B0503020204020204" pitchFamily="34" charset="-122"/>
+                <a:cs typeface="+mn-cs"/>
+              </a:defRPr>
+            </a:lvl1pPr>
+            <a:lvl2pPr marL="398780" indent="-230505" algn="l" defTabSz="0" rtl="0" eaLnBrk="0" fontAlgn="base" hangingPunct="0">
+              <a:spcBef>
+                <a:spcPct val="0"/>
+              </a:spcBef>
+              <a:spcAft>
+                <a:spcPct val="15000"/>
+              </a:spcAft>
+              <a:buClr>
+                <a:schemeClr val="tx2"/>
+              </a:buClr>
+              <a:buFont typeface="Arial" panose="020B0604020202020204" pitchFamily="34" charset="0"/>
+              <a:buChar char="–"/>
+              <a:defRPr sz="2000">
+                <a:solidFill>
+                  <a:schemeClr val="tx1"/>
+                </a:solidFill>
+                <a:latin typeface="微软雅黑" panose="020B0503020204020204" pitchFamily="34" charset="-122"/>
+                <a:ea typeface="微软雅黑" panose="020B0503020204020204" pitchFamily="34" charset="-122"/>
+              </a:defRPr>
+            </a:lvl2pPr>
+            <a:lvl3pPr marL="400050" indent="182880" algn="l" defTabSz="0" rtl="0" eaLnBrk="0" fontAlgn="base" hangingPunct="0">
+              <a:spcBef>
+                <a:spcPct val="0"/>
+              </a:spcBef>
+              <a:spcAft>
+                <a:spcPct val="15000"/>
+              </a:spcAft>
+              <a:buClr>
+                <a:schemeClr val="tx2"/>
+              </a:buClr>
+              <a:buFont typeface="Arial" panose="020B0604020202020204" pitchFamily="34" charset="0"/>
+              <a:buChar char="•"/>
+              <a:defRPr sz="1600">
+                <a:solidFill>
+                  <a:schemeClr val="tx1"/>
+                </a:solidFill>
+                <a:latin typeface="微软雅黑" panose="020B0503020204020204" pitchFamily="34" charset="-122"/>
+                <a:ea typeface="微软雅黑" panose="020B0503020204020204" pitchFamily="34" charset="-122"/>
+              </a:defRPr>
+            </a:lvl3pPr>
+            <a:lvl4pPr marL="825500" indent="-241300" algn="l" defTabSz="0" rtl="0" eaLnBrk="0" fontAlgn="base" hangingPunct="0">
+              <a:spcBef>
+                <a:spcPct val="0"/>
+              </a:spcBef>
+              <a:spcAft>
+                <a:spcPct val="15000"/>
+              </a:spcAft>
+              <a:buClr>
+                <a:schemeClr val="tx2"/>
+              </a:buClr>
+              <a:buFont typeface="Arial" panose="020B0604020202020204" pitchFamily="34" charset="0"/>
+              <a:buChar char="–"/>
+              <a:defRPr sz="1600">
+                <a:solidFill>
+                  <a:schemeClr val="tx1"/>
+                </a:solidFill>
+                <a:latin typeface="微软雅黑" panose="020B0503020204020204" pitchFamily="34" charset="-122"/>
+                <a:ea typeface="微软雅黑" panose="020B0503020204020204" pitchFamily="34" charset="-122"/>
+              </a:defRPr>
+            </a:lvl4pPr>
+            <a:lvl5pPr marL="2057400" indent="-228600" algn="l" defTabSz="0" rtl="0" eaLnBrk="0" fontAlgn="base" hangingPunct="0">
+              <a:spcBef>
+                <a:spcPct val="0"/>
+              </a:spcBef>
+              <a:spcAft>
+                <a:spcPct val="25000"/>
+              </a:spcAft>
+              <a:buClr>
+                <a:schemeClr val="tx2"/>
+              </a:buClr>
+              <a:buFont typeface="Arial" panose="020B0604020202020204" pitchFamily="34" charset="0"/>
+              <a:buChar char="–"/>
+              <a:defRPr sz="2000">
+                <a:solidFill>
+                  <a:schemeClr val="tx1"/>
+                </a:solidFill>
+                <a:latin typeface="+mn-lt"/>
+                <a:ea typeface="微软雅黑" panose="020B0503020204020204" pitchFamily="34" charset="-122"/>
+              </a:defRPr>
+            </a:lvl5pPr>
+            <a:lvl6pPr marL="2514600" indent="-228600" algn="l" defTabSz="0" rtl="0" eaLnBrk="0" fontAlgn="base" hangingPunct="0">
+              <a:spcBef>
+                <a:spcPct val="0"/>
+              </a:spcBef>
+              <a:spcAft>
+                <a:spcPct val="25000"/>
+              </a:spcAft>
+              <a:buClr>
+                <a:schemeClr val="tx2"/>
+              </a:buClr>
+              <a:buFont typeface="Arial" panose="020B0604020202020204" pitchFamily="34" charset="0"/>
+              <a:buChar char="–"/>
+              <a:defRPr>
+                <a:solidFill>
+                  <a:schemeClr val="tx1"/>
+                </a:solidFill>
+                <a:latin typeface="+mn-lt"/>
+              </a:defRPr>
+            </a:lvl6pPr>
+            <a:lvl7pPr marL="2971800" indent="-228600" algn="l" defTabSz="0" rtl="0" eaLnBrk="0" fontAlgn="base" hangingPunct="0">
+              <a:spcBef>
+                <a:spcPct val="0"/>
+              </a:spcBef>
+              <a:spcAft>
+                <a:spcPct val="25000"/>
+              </a:spcAft>
+              <a:buClr>
+                <a:schemeClr val="tx2"/>
+              </a:buClr>
+              <a:buFont typeface="Arial" panose="020B0604020202020204" pitchFamily="34" charset="0"/>
+              <a:buChar char="–"/>
+              <a:defRPr>
+                <a:solidFill>
+                  <a:schemeClr val="tx1"/>
+                </a:solidFill>
+                <a:latin typeface="+mn-lt"/>
+              </a:defRPr>
+            </a:lvl7pPr>
+            <a:lvl8pPr marL="3429000" indent="-228600" algn="l" defTabSz="0" rtl="0" eaLnBrk="0" fontAlgn="base" hangingPunct="0">
+              <a:spcBef>
+                <a:spcPct val="0"/>
+              </a:spcBef>
+              <a:spcAft>
+                <a:spcPct val="25000"/>
+              </a:spcAft>
+              <a:buClr>
+                <a:schemeClr val="tx2"/>
+              </a:buClr>
+              <a:buFont typeface="Arial" panose="020B0604020202020204" pitchFamily="34" charset="0"/>
+              <a:buChar char="–"/>
+              <a:defRPr>
+                <a:solidFill>
+                  <a:schemeClr val="tx1"/>
+                </a:solidFill>
+                <a:latin typeface="+mn-lt"/>
+              </a:defRPr>
+            </a:lvl8pPr>
+            <a:lvl9pPr marL="3886200" indent="-228600" algn="l" defTabSz="0" rtl="0" eaLnBrk="0" fontAlgn="base" hangingPunct="0">
+              <a:spcBef>
+                <a:spcPct val="0"/>
+              </a:spcBef>
+              <a:spcAft>
+                <a:spcPct val="25000"/>
+              </a:spcAft>
+              <a:buClr>
+                <a:schemeClr val="tx2"/>
+              </a:buClr>
+              <a:buFont typeface="Arial" panose="020B0604020202020204" pitchFamily="34" charset="0"/>
+              <a:buChar char="–"/>
+              <a:defRPr>
+                <a:solidFill>
+                  <a:schemeClr val="tx1"/>
+                </a:solidFill>
+                <a:latin typeface="+mn-lt"/>
+              </a:defRPr>
+            </a:lvl9pPr>
+          </a:lstStyle>
+          <a:p>
+            <a:r>
+              <a:rPr lang="zh-CN" dirty="0" smtClean="0"/>
+              <a:t>内容刚要</a:t>
+            </a:r>
+            <a:endParaRPr lang="zh-CN" dirty="0" smtClean="0"/>
+          </a:p>
+        </p:txBody>
+      </p:sp>
+      <p:sp>
+        <p:nvSpPr>
+          <p:cNvPr id="4" name="AutoShape 6"/>
+          <p:cNvSpPr>
+            <a:spLocks noChangeArrowheads="1"/>
+          </p:cNvSpPr>
+          <p:nvPr/>
+        </p:nvSpPr>
+        <p:spPr bwMode="auto">
+          <a:xfrm>
+            <a:off x="2739708" y="1261111"/>
+            <a:ext cx="6711950" cy="4214813"/>
+          </a:xfrm>
+          <a:prstGeom prst="roundRect">
+            <a:avLst>
+              <a:gd name="adj" fmla="val 16667"/>
+            </a:avLst>
+          </a:prstGeom>
+          <a:noFill/>
+          <a:ln w="28575">
+            <a:solidFill>
+              <a:srgbClr val="C0C0C0"/>
+            </a:solidFill>
+            <a:prstDash val="sysDot"/>
+            <a:round/>
+          </a:ln>
+          <a:extLst>
+            <a:ext uri="{909E8E84-426E-40DD-AFC4-6F175D3DCCD1}">
+              <a14:hiddenFill xmlns:a14="http://schemas.microsoft.com/office/drawing/2010/main">
+                <a:solidFill>
+                  <a:srgbClr val="FFFFFF"/>
+                </a:solidFill>
+              </a14:hiddenFill>
+            </a:ext>
+          </a:extLst>
+        </p:spPr>
+        <p:txBody>
+          <a:bodyPr wrap="none" anchor="ctr"/>
+          <a:lstStyle>
+            <a:lvl1pPr marL="457200" indent="-457200">
+              <a:defRPr sz="3200">
+                <a:solidFill>
+                  <a:schemeClr val="tx1"/>
+                </a:solidFill>
+                <a:latin typeface="Arial" panose="020B0604020202020204" pitchFamily="34" charset="0"/>
+                <a:ea typeface="微软雅黑" panose="020B0503020204020204" pitchFamily="34" charset="-122"/>
+              </a:defRPr>
+            </a:lvl1pPr>
+            <a:lvl2pPr marL="742950" indent="-285750">
+              <a:defRPr sz="3200">
+                <a:solidFill>
+                  <a:schemeClr val="tx1"/>
+                </a:solidFill>
+                <a:latin typeface="Arial" panose="020B0604020202020204" pitchFamily="34" charset="0"/>
+                <a:ea typeface="微软雅黑" panose="020B0503020204020204" pitchFamily="34" charset="-122"/>
+              </a:defRPr>
+            </a:lvl2pPr>
+            <a:lvl3pPr marL="1143000" indent="-228600">
+              <a:defRPr sz="3200">
+                <a:solidFill>
+                  <a:schemeClr val="tx1"/>
+                </a:solidFill>
+                <a:latin typeface="Arial" panose="020B0604020202020204" pitchFamily="34" charset="0"/>
+                <a:ea typeface="微软雅黑" panose="020B0503020204020204" pitchFamily="34" charset="-122"/>
+              </a:defRPr>
+            </a:lvl3pPr>
+            <a:lvl4pPr marL="1600200" indent="-228600">
+              <a:defRPr sz="3200">
+                <a:solidFill>
+                  <a:schemeClr val="tx1"/>
+                </a:solidFill>
+                <a:latin typeface="Arial" panose="020B0604020202020204" pitchFamily="34" charset="0"/>
+                <a:ea typeface="微软雅黑" panose="020B0503020204020204" pitchFamily="34" charset="-122"/>
+              </a:defRPr>
+            </a:lvl4pPr>
+            <a:lvl5pPr marL="2057400" indent="-228600">
+              <a:defRPr sz="3200">
+                <a:solidFill>
+                  <a:schemeClr val="tx1"/>
+                </a:solidFill>
+                <a:latin typeface="Arial" panose="020B0604020202020204" pitchFamily="34" charset="0"/>
+                <a:ea typeface="微软雅黑" panose="020B0503020204020204" pitchFamily="34" charset="-122"/>
+              </a:defRPr>
+            </a:lvl5pPr>
+            <a:lvl6pPr marL="2514600" indent="-228600" eaLnBrk="0" fontAlgn="base" hangingPunct="0">
+              <a:spcBef>
+                <a:spcPct val="0"/>
+              </a:spcBef>
+              <a:spcAft>
+                <a:spcPct val="0"/>
+              </a:spcAft>
+              <a:defRPr sz="3200">
+                <a:solidFill>
+                  <a:schemeClr val="tx1"/>
+                </a:solidFill>
+                <a:latin typeface="Arial" panose="020B0604020202020204" pitchFamily="34" charset="0"/>
+                <a:ea typeface="微软雅黑" panose="020B0503020204020204" pitchFamily="34" charset="-122"/>
+              </a:defRPr>
+            </a:lvl6pPr>
+            <a:lvl7pPr marL="2971800" indent="-228600" eaLnBrk="0" fontAlgn="base" hangingPunct="0">
+              <a:spcBef>
+                <a:spcPct val="0"/>
+              </a:spcBef>
+              <a:spcAft>
+                <a:spcPct val="0"/>
+              </a:spcAft>
+              <a:defRPr sz="3200">
+                <a:solidFill>
+                  <a:schemeClr val="tx1"/>
+                </a:solidFill>
+                <a:latin typeface="Arial" panose="020B0604020202020204" pitchFamily="34" charset="0"/>
+                <a:ea typeface="微软雅黑" panose="020B0503020204020204" pitchFamily="34" charset="-122"/>
+              </a:defRPr>
+            </a:lvl7pPr>
+            <a:lvl8pPr marL="3429000" indent="-228600" eaLnBrk="0" fontAlgn="base" hangingPunct="0">
+              <a:spcBef>
+                <a:spcPct val="0"/>
+              </a:spcBef>
+              <a:spcAft>
+                <a:spcPct val="0"/>
+              </a:spcAft>
+              <a:defRPr sz="3200">
+                <a:solidFill>
+                  <a:schemeClr val="tx1"/>
+                </a:solidFill>
+                <a:latin typeface="Arial" panose="020B0604020202020204" pitchFamily="34" charset="0"/>
+                <a:ea typeface="微软雅黑" panose="020B0503020204020204" pitchFamily="34" charset="-122"/>
+              </a:defRPr>
+            </a:lvl8pPr>
+            <a:lvl9pPr marL="3886200" indent="-228600" eaLnBrk="0" fontAlgn="base" hangingPunct="0">
+              <a:spcBef>
+                <a:spcPct val="0"/>
+              </a:spcBef>
+              <a:spcAft>
+                <a:spcPct val="0"/>
+              </a:spcAft>
+              <a:defRPr sz="3200">
+                <a:solidFill>
+                  <a:schemeClr val="tx1"/>
+                </a:solidFill>
+                <a:latin typeface="Arial" panose="020B0604020202020204" pitchFamily="34" charset="0"/>
+                <a:ea typeface="微软雅黑" panose="020B0503020204020204" pitchFamily="34" charset="-122"/>
+              </a:defRPr>
+            </a:lvl9pPr>
+          </a:lstStyle>
+          <a:p>
+            <a:pPr algn="l">
+              <a:lnSpc>
+                <a:spcPct val="150000"/>
+              </a:lnSpc>
+              <a:spcBef>
+                <a:spcPts val="1200"/>
+              </a:spcBef>
+              <a:spcAft>
+                <a:spcPts val="1200"/>
+              </a:spcAft>
+              <a:buClr>
+                <a:srgbClr val="92D050"/>
+              </a:buClr>
+              <a:buFont typeface="Wingdings" panose="05000000000000000000" pitchFamily="2" charset="2"/>
+              <a:buChar char="Ø"/>
+            </a:pPr>
+            <a:r>
+              <a:rPr lang="zh-CN" altLang="en-US" sz="2800" b="1">
+                <a:solidFill>
+                  <a:schemeClr val="tx1"/>
+                </a:solidFill>
+                <a:sym typeface="+mn-ea"/>
+              </a:rPr>
+              <a:t>常用 UI 控件</a:t>
+            </a:r>
+            <a:endParaRPr lang="zh-CN" altLang="en-US" sz="2800" b="1">
+              <a:sym typeface="+mn-ea"/>
+            </a:endParaRPr>
+          </a:p>
+          <a:p>
+            <a:pPr algn="l">
+              <a:lnSpc>
+                <a:spcPct val="150000"/>
+              </a:lnSpc>
+              <a:spcBef>
+                <a:spcPts val="1200"/>
+              </a:spcBef>
+              <a:spcAft>
+                <a:spcPts val="1200"/>
+              </a:spcAft>
+              <a:buClr>
+                <a:srgbClr val="92D050"/>
+              </a:buClr>
+              <a:buFont typeface="Wingdings" panose="05000000000000000000" pitchFamily="2" charset="2"/>
+              <a:buChar char="Ø"/>
+            </a:pPr>
+            <a:r>
+              <a:rPr lang="zh-CN" altLang="en-US" sz="2800" b="1">
+                <a:solidFill>
+                  <a:schemeClr val="tx1"/>
+                </a:solidFill>
+                <a:sym typeface="+mn-ea"/>
+              </a:rPr>
+              <a:t>多分辨率适配方案</a:t>
+            </a:r>
+            <a:endParaRPr lang="zh-CN" altLang="en-US" sz="2800" b="1">
+              <a:solidFill>
+                <a:schemeClr val="tx1"/>
+              </a:solidFill>
+              <a:sym typeface="+mn-ea"/>
+            </a:endParaRPr>
+          </a:p>
+          <a:p>
+            <a:pPr algn="l">
+              <a:lnSpc>
+                <a:spcPct val="150000"/>
+              </a:lnSpc>
+              <a:spcBef>
+                <a:spcPts val="1200"/>
+              </a:spcBef>
+              <a:spcAft>
+                <a:spcPts val="1200"/>
+              </a:spcAft>
+              <a:buClr>
+                <a:srgbClr val="92D050"/>
+              </a:buClr>
+              <a:buFont typeface="Wingdings" panose="05000000000000000000" pitchFamily="2" charset="2"/>
+              <a:buChar char="Ø"/>
+            </a:pPr>
+            <a:r>
+              <a:rPr lang="en-US" altLang="zh-CN" sz="2800" b="1">
+                <a:solidFill>
+                  <a:schemeClr val="accent3"/>
+                </a:solidFill>
+                <a:sym typeface="+mn-ea"/>
+              </a:rPr>
+              <a:t>UI </a:t>
+            </a:r>
+            <a:r>
+              <a:rPr lang="zh-CN" altLang="en-US" sz="2800" b="1">
+                <a:solidFill>
+                  <a:schemeClr val="accent3"/>
+                </a:solidFill>
+                <a:sym typeface="+mn-ea"/>
+              </a:rPr>
+              <a:t>对齐策略与拉伸</a:t>
+            </a:r>
+            <a:endParaRPr lang="zh-CN" altLang="en-US" sz="2800" b="1">
+              <a:solidFill>
+                <a:schemeClr val="accent3"/>
+              </a:solidFill>
+              <a:sym typeface="+mn-ea"/>
+            </a:endParaRPr>
+          </a:p>
+        </p:txBody>
+      </p:sp>
+    </p:spTree>
+  </p:cSld>
+  <p:clrMapOvr>
+    <a:masterClrMapping/>
+  </p:clrMapOvr>
+  <p:timing>
+    <p:tnLst>
+      <p:par>
+        <p:cTn id="1" dur="indefinite" restart="never" nodeType="tmRoot"/>
+      </p:par>
+    </p:tnLst>
+  </p:timing>
 </p:sld>
 </file>
 

--- a/materials/slides/ch18.pptx
+++ b/materials/slides/ch18.pptx
@@ -17,7 +17,11 @@
     <p:sldId id="1156" r:id="rId10"/>
     <p:sldId id="1162" r:id="rId11"/>
     <p:sldId id="1157" r:id="rId12"/>
-    <p:sldId id="1153" r:id="rId13"/>
+    <p:sldId id="1166" r:id="rId13"/>
+    <p:sldId id="1167" r:id="rId14"/>
+    <p:sldId id="1168" r:id="rId15"/>
+    <p:sldId id="1169" r:id="rId16"/>
+    <p:sldId id="1153" r:id="rId17"/>
   </p:sldIdLst>
   <p:sldSz cx="12192000" cy="6858000"/>
   <p:notesSz cx="6797675" cy="9928225"/>
@@ -2203,6 +2207,2241 @@
         <p:cNvGrpSpPr/>
         <p:nvPr/>
       </p:nvGrpSpPr>
+      <p:grpSpPr>
+        <a:xfrm>
+          <a:off x="0" y="0"/>
+          <a:ext cx="0" cy="0"/>
+          <a:chOff x="0" y="0"/>
+          <a:chExt cx="0" cy="0"/>
+        </a:xfrm>
+      </p:grpSpPr>
+      <p:sp>
+        <p:nvSpPr>
+          <p:cNvPr id="5122" name="内容占位符 2"/>
+          <p:cNvSpPr>
+            <a:spLocks noGrp="1"/>
+          </p:cNvSpPr>
+          <p:nvPr/>
+        </p:nvSpPr>
+        <p:spPr>
+          <a:xfrm>
+            <a:off x="896620" y="829945"/>
+            <a:ext cx="10385425" cy="5245100"/>
+          </a:xfrm>
+        </p:spPr>
+        <p:txBody>
+          <a:bodyPr/>
+          <a:lstStyle>
+            <a:lvl1pPr marL="167005" indent="-167005" algn="l" defTabSz="0" rtl="0" eaLnBrk="0" fontAlgn="base" hangingPunct="0">
+              <a:spcBef>
+                <a:spcPct val="0"/>
+              </a:spcBef>
+              <a:spcAft>
+                <a:spcPct val="15000"/>
+              </a:spcAft>
+              <a:buClr>
+                <a:schemeClr val="tx2"/>
+              </a:buClr>
+              <a:buFont typeface="Arial" panose="020B0604020202020204" pitchFamily="34" charset="0"/>
+              <a:buChar char="•"/>
+              <a:defRPr sz="1600">
+                <a:solidFill>
+                  <a:srgbClr val="006F53"/>
+                </a:solidFill>
+                <a:latin typeface="微软雅黑" panose="020B0503020204020204" pitchFamily="34" charset="-122"/>
+                <a:ea typeface="微软雅黑" panose="020B0503020204020204" pitchFamily="34" charset="-122"/>
+                <a:cs typeface="+mn-cs"/>
+              </a:defRPr>
+            </a:lvl1pPr>
+            <a:lvl2pPr marL="398780" indent="-230505" algn="l" defTabSz="0" rtl="0" eaLnBrk="0" fontAlgn="base" hangingPunct="0">
+              <a:spcBef>
+                <a:spcPct val="0"/>
+              </a:spcBef>
+              <a:spcAft>
+                <a:spcPct val="15000"/>
+              </a:spcAft>
+              <a:buClr>
+                <a:schemeClr val="tx2"/>
+              </a:buClr>
+              <a:buFont typeface="Arial" panose="020B0604020202020204" pitchFamily="34" charset="0"/>
+              <a:buChar char="–"/>
+              <a:defRPr sz="2800">
+                <a:solidFill>
+                  <a:schemeClr val="bg2"/>
+                </a:solidFill>
+                <a:latin typeface="微软雅黑" panose="020B0503020204020204" pitchFamily="34" charset="-122"/>
+                <a:ea typeface="微软雅黑" panose="020B0503020204020204" pitchFamily="34" charset="-122"/>
+              </a:defRPr>
+            </a:lvl2pPr>
+            <a:lvl3pPr marL="400050" indent="182880" algn="l" defTabSz="0" rtl="0" eaLnBrk="0" fontAlgn="base" hangingPunct="0">
+              <a:spcBef>
+                <a:spcPct val="0"/>
+              </a:spcBef>
+              <a:spcAft>
+                <a:spcPct val="15000"/>
+              </a:spcAft>
+              <a:buClr>
+                <a:schemeClr val="tx2"/>
+              </a:buClr>
+              <a:buFont typeface="Arial" panose="020B0604020202020204" pitchFamily="34" charset="0"/>
+              <a:buChar char="•"/>
+              <a:defRPr sz="1600">
+                <a:solidFill>
+                  <a:schemeClr val="bg2"/>
+                </a:solidFill>
+                <a:latin typeface="微软雅黑" panose="020B0503020204020204" pitchFamily="34" charset="-122"/>
+                <a:ea typeface="微软雅黑" panose="020B0503020204020204" pitchFamily="34" charset="-122"/>
+              </a:defRPr>
+            </a:lvl3pPr>
+            <a:lvl4pPr marL="825500" indent="-241300" algn="l" defTabSz="0" rtl="0" eaLnBrk="0" fontAlgn="base" hangingPunct="0">
+              <a:spcBef>
+                <a:spcPct val="0"/>
+              </a:spcBef>
+              <a:spcAft>
+                <a:spcPct val="15000"/>
+              </a:spcAft>
+              <a:buClr>
+                <a:schemeClr val="tx2"/>
+              </a:buClr>
+              <a:buFont typeface="Arial" panose="020B0604020202020204" pitchFamily="34" charset="0"/>
+              <a:buChar char="–"/>
+              <a:defRPr sz="1600">
+                <a:solidFill>
+                  <a:schemeClr val="bg2"/>
+                </a:solidFill>
+                <a:latin typeface="微软雅黑" panose="020B0503020204020204" pitchFamily="34" charset="-122"/>
+                <a:ea typeface="微软雅黑" panose="020B0503020204020204" pitchFamily="34" charset="-122"/>
+              </a:defRPr>
+            </a:lvl4pPr>
+            <a:lvl5pPr marL="2057400" indent="-228600" algn="l" defTabSz="0" rtl="0" eaLnBrk="0" fontAlgn="base" hangingPunct="0">
+              <a:spcBef>
+                <a:spcPct val="0"/>
+              </a:spcBef>
+              <a:spcAft>
+                <a:spcPct val="25000"/>
+              </a:spcAft>
+              <a:buClr>
+                <a:schemeClr val="tx2"/>
+              </a:buClr>
+              <a:buFont typeface="Arial" panose="020B0604020202020204" pitchFamily="34" charset="0"/>
+              <a:buChar char="–"/>
+              <a:defRPr sz="2000">
+                <a:solidFill>
+                  <a:schemeClr val="tx1"/>
+                </a:solidFill>
+                <a:latin typeface="+mn-lt"/>
+                <a:ea typeface="微软雅黑" panose="020B0503020204020204" pitchFamily="34" charset="-122"/>
+              </a:defRPr>
+            </a:lvl5pPr>
+            <a:lvl6pPr marL="2514600" indent="-228600" algn="l" defTabSz="0" rtl="0" eaLnBrk="0" fontAlgn="base" hangingPunct="0">
+              <a:spcBef>
+                <a:spcPct val="0"/>
+              </a:spcBef>
+              <a:spcAft>
+                <a:spcPct val="25000"/>
+              </a:spcAft>
+              <a:buClr>
+                <a:schemeClr val="tx2"/>
+              </a:buClr>
+              <a:buFont typeface="Arial" panose="020B0604020202020204" pitchFamily="34" charset="0"/>
+              <a:buChar char="–"/>
+              <a:defRPr>
+                <a:solidFill>
+                  <a:schemeClr val="tx1"/>
+                </a:solidFill>
+                <a:latin typeface="+mn-lt"/>
+              </a:defRPr>
+            </a:lvl6pPr>
+            <a:lvl7pPr marL="2971800" indent="-228600" algn="l" defTabSz="0" rtl="0" eaLnBrk="0" fontAlgn="base" hangingPunct="0">
+              <a:spcBef>
+                <a:spcPct val="0"/>
+              </a:spcBef>
+              <a:spcAft>
+                <a:spcPct val="25000"/>
+              </a:spcAft>
+              <a:buClr>
+                <a:schemeClr val="tx2"/>
+              </a:buClr>
+              <a:buFont typeface="Arial" panose="020B0604020202020204" pitchFamily="34" charset="0"/>
+              <a:buChar char="–"/>
+              <a:defRPr>
+                <a:solidFill>
+                  <a:schemeClr val="tx1"/>
+                </a:solidFill>
+                <a:latin typeface="+mn-lt"/>
+              </a:defRPr>
+            </a:lvl7pPr>
+            <a:lvl8pPr marL="3429000" indent="-228600" algn="l" defTabSz="0" rtl="0" eaLnBrk="0" fontAlgn="base" hangingPunct="0">
+              <a:spcBef>
+                <a:spcPct val="0"/>
+              </a:spcBef>
+              <a:spcAft>
+                <a:spcPct val="25000"/>
+              </a:spcAft>
+              <a:buClr>
+                <a:schemeClr val="tx2"/>
+              </a:buClr>
+              <a:buFont typeface="Arial" panose="020B0604020202020204" pitchFamily="34" charset="0"/>
+              <a:buChar char="–"/>
+              <a:defRPr>
+                <a:solidFill>
+                  <a:schemeClr val="tx1"/>
+                </a:solidFill>
+                <a:latin typeface="+mn-lt"/>
+              </a:defRPr>
+            </a:lvl8pPr>
+            <a:lvl9pPr marL="3886200" indent="-228600" algn="l" defTabSz="0" rtl="0" eaLnBrk="0" fontAlgn="base" hangingPunct="0">
+              <a:spcBef>
+                <a:spcPct val="0"/>
+              </a:spcBef>
+              <a:spcAft>
+                <a:spcPct val="25000"/>
+              </a:spcAft>
+              <a:buClr>
+                <a:schemeClr val="tx2"/>
+              </a:buClr>
+              <a:buFont typeface="Arial" panose="020B0604020202020204" pitchFamily="34" charset="0"/>
+              <a:buChar char="–"/>
+              <a:defRPr>
+                <a:solidFill>
+                  <a:schemeClr val="tx1"/>
+                </a:solidFill>
+                <a:latin typeface="+mn-lt"/>
+              </a:defRPr>
+            </a:lvl9pPr>
+          </a:lstStyle>
+          <a:p>
+            <a:pPr>
+              <a:lnSpc>
+                <a:spcPct val="140000"/>
+              </a:lnSpc>
+              <a:spcBef>
+                <a:spcPts val="1000"/>
+              </a:spcBef>
+            </a:pPr>
+            <a:r>
+              <a:rPr lang="zh-CN" sz="2800">
+                <a:solidFill>
+                  <a:schemeClr val="tx1"/>
+                </a:solidFill>
+                <a:sym typeface="+mn-ea"/>
+              </a:rPr>
+              <a:t>需要贴边对齐的按钮和小元素</a:t>
+            </a:r>
+            <a:endParaRPr lang="zh-CN" sz="2200">
+              <a:solidFill>
+                <a:schemeClr val="tx1"/>
+              </a:solidFill>
+              <a:sym typeface="+mn-ea"/>
+            </a:endParaRPr>
+          </a:p>
+          <a:p>
+            <a:pPr>
+              <a:lnSpc>
+                <a:spcPct val="140000"/>
+              </a:lnSpc>
+              <a:spcBef>
+                <a:spcPts val="1000"/>
+              </a:spcBef>
+            </a:pPr>
+            <a:endParaRPr lang="zh-CN" sz="2200">
+              <a:solidFill>
+                <a:schemeClr val="tx1"/>
+              </a:solidFill>
+              <a:sym typeface="+mn-ea"/>
+            </a:endParaRPr>
+          </a:p>
+        </p:txBody>
+      </p:sp>
+      <p:sp>
+        <p:nvSpPr>
+          <p:cNvPr id="2" name="内容占位符 1"/>
+          <p:cNvSpPr>
+            <a:spLocks noGrp="1"/>
+          </p:cNvSpPr>
+          <p:nvPr>
+            <p:ph sz="quarter" idx="11"/>
+          </p:nvPr>
+        </p:nvSpPr>
+        <p:spPr>
+          <a:xfrm>
+            <a:off x="947420" y="236855"/>
+            <a:ext cx="8415655" cy="490220"/>
+          </a:xfrm>
+        </p:spPr>
+        <p:txBody>
+          <a:bodyPr/>
+          <a:p>
+            <a:r>
+              <a:rPr dirty="0">
+                <a:sym typeface="+mn-ea"/>
+              </a:rPr>
+              <a:t>UI 对齐策略与拉伸</a:t>
+            </a:r>
+            <a:endParaRPr dirty="0">
+              <a:sym typeface="+mn-ea"/>
+            </a:endParaRPr>
+          </a:p>
+        </p:txBody>
+      </p:sp>
+      <p:pic>
+        <p:nvPicPr>
+          <p:cNvPr id="6" name="图片 5"/>
+          <p:cNvPicPr>
+            <a:picLocks noChangeAspect="1"/>
+          </p:cNvPicPr>
+          <p:nvPr/>
+        </p:nvPicPr>
+        <p:blipFill>
+          <a:blip r:embed="rId1"/>
+          <a:stretch>
+            <a:fillRect/>
+          </a:stretch>
+        </p:blipFill>
+        <p:spPr>
+          <a:xfrm>
+            <a:off x="947420" y="1668145"/>
+            <a:ext cx="9561195" cy="3670300"/>
+          </a:xfrm>
+          <a:prstGeom prst="rect">
+            <a:avLst/>
+          </a:prstGeom>
+        </p:spPr>
+      </p:pic>
+      <p:pic>
+        <p:nvPicPr>
+          <p:cNvPr id="7" name="图片 6"/>
+          <p:cNvPicPr>
+            <a:picLocks noChangeAspect="1"/>
+          </p:cNvPicPr>
+          <p:nvPr/>
+        </p:nvPicPr>
+        <p:blipFill>
+          <a:blip r:embed="rId2"/>
+          <a:stretch>
+            <a:fillRect/>
+          </a:stretch>
+        </p:blipFill>
+        <p:spPr>
+          <a:xfrm>
+            <a:off x="947420" y="2329180"/>
+            <a:ext cx="9561830" cy="3330575"/>
+          </a:xfrm>
+          <a:prstGeom prst="rect">
+            <a:avLst/>
+          </a:prstGeom>
+        </p:spPr>
+      </p:pic>
+    </p:spTree>
+  </p:cSld>
+  <p:clrMapOvr>
+    <a:masterClrMapping/>
+  </p:clrMapOvr>
+  <p:timing>
+    <p:tnLst>
+      <p:par>
+        <p:cTn id="1" dur="indefinite" restart="never" nodeType="tmRoot">
+          <p:childTnLst>
+            <p:seq concurrent="1" nextAc="seek">
+              <p:cTn id="2" dur="indefinite" nodeType="mainSeq">
+                <p:childTnLst>
+                  <p:par>
+                    <p:cTn id="3" fill="hold">
+                      <p:stCondLst>
+                        <p:cond delay="indefinite"/>
+                      </p:stCondLst>
+                      <p:childTnLst>
+                        <p:par>
+                          <p:cTn id="4" fill="hold">
+                            <p:stCondLst>
+                              <p:cond delay="0"/>
+                            </p:stCondLst>
+                            <p:childTnLst>
+                              <p:par>
+                                <p:cTn id="5" presetID="2" presetClass="entr" presetSubtype="4" fill="hold" nodeType="clickEffect">
+                                  <p:stCondLst>
+                                    <p:cond delay="0"/>
+                                  </p:stCondLst>
+                                  <p:childTnLst>
+                                    <p:set>
+                                      <p:cBhvr>
+                                        <p:cTn id="6" dur="1" fill="hold">
+                                          <p:stCondLst>
+                                            <p:cond delay="0"/>
+                                          </p:stCondLst>
+                                        </p:cTn>
+                                        <p:tgtEl>
+                                          <p:spTgt spid="5122">
+                                            <p:txEl>
+                                              <p:pRg st="0" end="0"/>
+                                            </p:txEl>
+                                          </p:spTgt>
+                                        </p:tgtEl>
+                                        <p:attrNameLst>
+                                          <p:attrName>style.visibility</p:attrName>
+                                        </p:attrNameLst>
+                                      </p:cBhvr>
+                                      <p:to>
+                                        <p:strVal val="visible"/>
+                                      </p:to>
+                                    </p:set>
+                                    <p:anim calcmode="lin" valueType="num">
+                                      <p:cBhvr additive="base">
+                                        <p:cTn id="7" dur="500" fill="hold"/>
+                                        <p:tgtEl>
+                                          <p:spTgt spid="5122">
+                                            <p:txEl>
+                                              <p:pRg st="0" end="0"/>
+                                            </p:txEl>
+                                          </p:spTgt>
+                                        </p:tgtEl>
+                                        <p:attrNameLst>
+                                          <p:attrName>ppt_x</p:attrName>
+                                        </p:attrNameLst>
+                                      </p:cBhvr>
+                                      <p:tavLst>
+                                        <p:tav tm="0">
+                                          <p:val>
+                                            <p:strVal val="#ppt_x"/>
+                                          </p:val>
+                                        </p:tav>
+                                        <p:tav tm="100000">
+                                          <p:val>
+                                            <p:strVal val="#ppt_x"/>
+                                          </p:val>
+                                        </p:tav>
+                                      </p:tavLst>
+                                    </p:anim>
+                                    <p:anim calcmode="lin" valueType="num">
+                                      <p:cBhvr additive="base">
+                                        <p:cTn id="8" dur="500" fill="hold"/>
+                                        <p:tgtEl>
+                                          <p:spTgt spid="5122">
+                                            <p:txEl>
+                                              <p:pRg st="0" end="0"/>
+                                            </p:txEl>
+                                          </p:spTgt>
+                                        </p:tgtEl>
+                                        <p:attrNameLst>
+                                          <p:attrName>ppt_y</p:attrName>
+                                        </p:attrNameLst>
+                                      </p:cBhvr>
+                                      <p:tavLst>
+                                        <p:tav tm="0">
+                                          <p:val>
+                                            <p:strVal val="1+#ppt_h/2"/>
+                                          </p:val>
+                                        </p:tav>
+                                        <p:tav tm="100000">
+                                          <p:val>
+                                            <p:strVal val="#ppt_y"/>
+                                          </p:val>
+                                        </p:tav>
+                                      </p:tavLst>
+                                    </p:anim>
+                                  </p:childTnLst>
+                                </p:cTn>
+                              </p:par>
+                            </p:childTnLst>
+                          </p:cTn>
+                        </p:par>
+                      </p:childTnLst>
+                    </p:cTn>
+                  </p:par>
+                  <p:par>
+                    <p:cTn id="9" fill="hold">
+                      <p:stCondLst>
+                        <p:cond delay="indefinite"/>
+                      </p:stCondLst>
+                      <p:childTnLst>
+                        <p:par>
+                          <p:cTn id="10" fill="hold">
+                            <p:stCondLst>
+                              <p:cond delay="0"/>
+                            </p:stCondLst>
+                            <p:childTnLst>
+                              <p:par>
+                                <p:cTn id="11" presetID="2" presetClass="entr" presetSubtype="4" fill="hold" nodeType="clickEffect">
+                                  <p:stCondLst>
+                                    <p:cond delay="0"/>
+                                  </p:stCondLst>
+                                  <p:childTnLst>
+                                    <p:set>
+                                      <p:cBhvr>
+                                        <p:cTn id="12" dur="1" fill="hold">
+                                          <p:stCondLst>
+                                            <p:cond delay="0"/>
+                                          </p:stCondLst>
+                                        </p:cTn>
+                                        <p:tgtEl>
+                                          <p:spTgt spid="6"/>
+                                        </p:tgtEl>
+                                        <p:attrNameLst>
+                                          <p:attrName>style.visibility</p:attrName>
+                                        </p:attrNameLst>
+                                      </p:cBhvr>
+                                      <p:to>
+                                        <p:strVal val="visible"/>
+                                      </p:to>
+                                    </p:set>
+                                    <p:anim calcmode="lin" valueType="num">
+                                      <p:cBhvr additive="base">
+                                        <p:cTn id="13" dur="500" fill="hold"/>
+                                        <p:tgtEl>
+                                          <p:spTgt spid="6"/>
+                                        </p:tgtEl>
+                                        <p:attrNameLst>
+                                          <p:attrName>ppt_x</p:attrName>
+                                        </p:attrNameLst>
+                                      </p:cBhvr>
+                                      <p:tavLst>
+                                        <p:tav tm="0">
+                                          <p:val>
+                                            <p:strVal val="#ppt_x"/>
+                                          </p:val>
+                                        </p:tav>
+                                        <p:tav tm="100000">
+                                          <p:val>
+                                            <p:strVal val="#ppt_x"/>
+                                          </p:val>
+                                        </p:tav>
+                                      </p:tavLst>
+                                    </p:anim>
+                                    <p:anim calcmode="lin" valueType="num">
+                                      <p:cBhvr additive="base">
+                                        <p:cTn id="14" dur="500" fill="hold"/>
+                                        <p:tgtEl>
+                                          <p:spTgt spid="6"/>
+                                        </p:tgtEl>
+                                        <p:attrNameLst>
+                                          <p:attrName>ppt_y</p:attrName>
+                                        </p:attrNameLst>
+                                      </p:cBhvr>
+                                      <p:tavLst>
+                                        <p:tav tm="0">
+                                          <p:val>
+                                            <p:strVal val="1+#ppt_h/2"/>
+                                          </p:val>
+                                        </p:tav>
+                                        <p:tav tm="100000">
+                                          <p:val>
+                                            <p:strVal val="#ppt_y"/>
+                                          </p:val>
+                                        </p:tav>
+                                      </p:tavLst>
+                                    </p:anim>
+                                  </p:childTnLst>
+                                </p:cTn>
+                              </p:par>
+                            </p:childTnLst>
+                          </p:cTn>
+                        </p:par>
+                      </p:childTnLst>
+                    </p:cTn>
+                  </p:par>
+                  <p:par>
+                    <p:cTn id="15" fill="hold">
+                      <p:stCondLst>
+                        <p:cond delay="indefinite"/>
+                      </p:stCondLst>
+                      <p:childTnLst>
+                        <p:par>
+                          <p:cTn id="16" fill="hold">
+                            <p:stCondLst>
+                              <p:cond delay="0"/>
+                            </p:stCondLst>
+                            <p:childTnLst>
+                              <p:par>
+                                <p:cTn id="17" presetID="2" presetClass="entr" presetSubtype="4" fill="hold" nodeType="clickEffect">
+                                  <p:stCondLst>
+                                    <p:cond delay="0"/>
+                                  </p:stCondLst>
+                                  <p:childTnLst>
+                                    <p:set>
+                                      <p:cBhvr>
+                                        <p:cTn id="18" dur="1" fill="hold">
+                                          <p:stCondLst>
+                                            <p:cond delay="0"/>
+                                          </p:stCondLst>
+                                        </p:cTn>
+                                        <p:tgtEl>
+                                          <p:spTgt spid="7"/>
+                                        </p:tgtEl>
+                                        <p:attrNameLst>
+                                          <p:attrName>style.visibility</p:attrName>
+                                        </p:attrNameLst>
+                                      </p:cBhvr>
+                                      <p:to>
+                                        <p:strVal val="visible"/>
+                                      </p:to>
+                                    </p:set>
+                                    <p:anim calcmode="lin" valueType="num">
+                                      <p:cBhvr additive="base">
+                                        <p:cTn id="19" dur="500" fill="hold"/>
+                                        <p:tgtEl>
+                                          <p:spTgt spid="7"/>
+                                        </p:tgtEl>
+                                        <p:attrNameLst>
+                                          <p:attrName>ppt_x</p:attrName>
+                                        </p:attrNameLst>
+                                      </p:cBhvr>
+                                      <p:tavLst>
+                                        <p:tav tm="0">
+                                          <p:val>
+                                            <p:strVal val="#ppt_x"/>
+                                          </p:val>
+                                        </p:tav>
+                                        <p:tav tm="100000">
+                                          <p:val>
+                                            <p:strVal val="#ppt_x"/>
+                                          </p:val>
+                                        </p:tav>
+                                      </p:tavLst>
+                                    </p:anim>
+                                    <p:anim calcmode="lin" valueType="num">
+                                      <p:cBhvr additive="base">
+                                        <p:cTn id="20" dur="500" fill="hold"/>
+                                        <p:tgtEl>
+                                          <p:spTgt spid="7"/>
+                                        </p:tgtEl>
+                                        <p:attrNameLst>
+                                          <p:attrName>ppt_y</p:attrName>
+                                        </p:attrNameLst>
+                                      </p:cBhvr>
+                                      <p:tavLst>
+                                        <p:tav tm="0">
+                                          <p:val>
+                                            <p:strVal val="1+#ppt_h/2"/>
+                                          </p:val>
+                                        </p:tav>
+                                        <p:tav tm="100000">
+                                          <p:val>
+                                            <p:strVal val="#ppt_y"/>
+                                          </p:val>
+                                        </p:tav>
+                                      </p:tavLst>
+                                    </p:anim>
+                                  </p:childTnLst>
+                                </p:cTn>
+                              </p:par>
+                            </p:childTnLst>
+                          </p:cTn>
+                        </p:par>
+                      </p:childTnLst>
+                    </p:cTn>
+                  </p:par>
+                </p:childTnLst>
+              </p:cTn>
+              <p:prevCondLst>
+                <p:cond evt="onPrev" delay="0">
+                  <p:tgtEl>
+                    <p:sldTgt/>
+                  </p:tgtEl>
+                </p:cond>
+              </p:prevCondLst>
+              <p:nextCondLst>
+                <p:cond evt="onNext" delay="0">
+                  <p:tgtEl>
+                    <p:sldTgt/>
+                  </p:tgtEl>
+                </p:cond>
+              </p:nextCondLst>
+            </p:seq>
+          </p:childTnLst>
+        </p:cTn>
+      </p:par>
+    </p:tnLst>
+  </p:timing>
+</p:sld>
+</file>
+
+<file path=ppt/slides/slide11.xml><?xml version="1.0" encoding="utf-8"?>
+<p:sld xmlns:a="http://schemas.openxmlformats.org/drawingml/2006/main" xmlns:r="http://schemas.openxmlformats.org/officeDocument/2006/relationships" xmlns:p="http://schemas.openxmlformats.org/presentationml/2006/main">
+  <p:cSld>
+    <p:spTree>
+      <p:nvGrpSpPr>
+        <p:cNvPr id="1" name=""/>
+        <p:cNvGrpSpPr/>
+        <p:nvPr/>
+      </p:nvGrpSpPr>
+      <p:grpSpPr>
+        <a:xfrm>
+          <a:off x="0" y="0"/>
+          <a:ext cx="0" cy="0"/>
+          <a:chOff x="0" y="0"/>
+          <a:chExt cx="0" cy="0"/>
+        </a:xfrm>
+      </p:grpSpPr>
+      <p:sp>
+        <p:nvSpPr>
+          <p:cNvPr id="5122" name="内容占位符 2"/>
+          <p:cNvSpPr>
+            <a:spLocks noGrp="1"/>
+          </p:cNvSpPr>
+          <p:nvPr/>
+        </p:nvSpPr>
+        <p:spPr>
+          <a:xfrm>
+            <a:off x="896620" y="829945"/>
+            <a:ext cx="10385425" cy="5245100"/>
+          </a:xfrm>
+        </p:spPr>
+        <p:txBody>
+          <a:bodyPr/>
+          <a:lstStyle>
+            <a:lvl1pPr marL="167005" indent="-167005" algn="l" defTabSz="0" rtl="0" eaLnBrk="0" fontAlgn="base" hangingPunct="0">
+              <a:spcBef>
+                <a:spcPct val="0"/>
+              </a:spcBef>
+              <a:spcAft>
+                <a:spcPct val="15000"/>
+              </a:spcAft>
+              <a:buClr>
+                <a:schemeClr val="tx2"/>
+              </a:buClr>
+              <a:buFont typeface="Arial" panose="020B0604020202020204" pitchFamily="34" charset="0"/>
+              <a:buChar char="•"/>
+              <a:defRPr sz="1600">
+                <a:solidFill>
+                  <a:srgbClr val="006F53"/>
+                </a:solidFill>
+                <a:latin typeface="微软雅黑" panose="020B0503020204020204" pitchFamily="34" charset="-122"/>
+                <a:ea typeface="微软雅黑" panose="020B0503020204020204" pitchFamily="34" charset="-122"/>
+                <a:cs typeface="+mn-cs"/>
+              </a:defRPr>
+            </a:lvl1pPr>
+            <a:lvl2pPr marL="398780" indent="-230505" algn="l" defTabSz="0" rtl="0" eaLnBrk="0" fontAlgn="base" hangingPunct="0">
+              <a:spcBef>
+                <a:spcPct val="0"/>
+              </a:spcBef>
+              <a:spcAft>
+                <a:spcPct val="15000"/>
+              </a:spcAft>
+              <a:buClr>
+                <a:schemeClr val="tx2"/>
+              </a:buClr>
+              <a:buFont typeface="Arial" panose="020B0604020202020204" pitchFamily="34" charset="0"/>
+              <a:buChar char="–"/>
+              <a:defRPr sz="2800">
+                <a:solidFill>
+                  <a:schemeClr val="bg2"/>
+                </a:solidFill>
+                <a:latin typeface="微软雅黑" panose="020B0503020204020204" pitchFamily="34" charset="-122"/>
+                <a:ea typeface="微软雅黑" panose="020B0503020204020204" pitchFamily="34" charset="-122"/>
+              </a:defRPr>
+            </a:lvl2pPr>
+            <a:lvl3pPr marL="400050" indent="182880" algn="l" defTabSz="0" rtl="0" eaLnBrk="0" fontAlgn="base" hangingPunct="0">
+              <a:spcBef>
+                <a:spcPct val="0"/>
+              </a:spcBef>
+              <a:spcAft>
+                <a:spcPct val="15000"/>
+              </a:spcAft>
+              <a:buClr>
+                <a:schemeClr val="tx2"/>
+              </a:buClr>
+              <a:buFont typeface="Arial" panose="020B0604020202020204" pitchFamily="34" charset="0"/>
+              <a:buChar char="•"/>
+              <a:defRPr sz="1600">
+                <a:solidFill>
+                  <a:schemeClr val="bg2"/>
+                </a:solidFill>
+                <a:latin typeface="微软雅黑" panose="020B0503020204020204" pitchFamily="34" charset="-122"/>
+                <a:ea typeface="微软雅黑" panose="020B0503020204020204" pitchFamily="34" charset="-122"/>
+              </a:defRPr>
+            </a:lvl3pPr>
+            <a:lvl4pPr marL="825500" indent="-241300" algn="l" defTabSz="0" rtl="0" eaLnBrk="0" fontAlgn="base" hangingPunct="0">
+              <a:spcBef>
+                <a:spcPct val="0"/>
+              </a:spcBef>
+              <a:spcAft>
+                <a:spcPct val="15000"/>
+              </a:spcAft>
+              <a:buClr>
+                <a:schemeClr val="tx2"/>
+              </a:buClr>
+              <a:buFont typeface="Arial" panose="020B0604020202020204" pitchFamily="34" charset="0"/>
+              <a:buChar char="–"/>
+              <a:defRPr sz="1600">
+                <a:solidFill>
+                  <a:schemeClr val="bg2"/>
+                </a:solidFill>
+                <a:latin typeface="微软雅黑" panose="020B0503020204020204" pitchFamily="34" charset="-122"/>
+                <a:ea typeface="微软雅黑" panose="020B0503020204020204" pitchFamily="34" charset="-122"/>
+              </a:defRPr>
+            </a:lvl4pPr>
+            <a:lvl5pPr marL="2057400" indent="-228600" algn="l" defTabSz="0" rtl="0" eaLnBrk="0" fontAlgn="base" hangingPunct="0">
+              <a:spcBef>
+                <a:spcPct val="0"/>
+              </a:spcBef>
+              <a:spcAft>
+                <a:spcPct val="25000"/>
+              </a:spcAft>
+              <a:buClr>
+                <a:schemeClr val="tx2"/>
+              </a:buClr>
+              <a:buFont typeface="Arial" panose="020B0604020202020204" pitchFamily="34" charset="0"/>
+              <a:buChar char="–"/>
+              <a:defRPr sz="2000">
+                <a:solidFill>
+                  <a:schemeClr val="tx1"/>
+                </a:solidFill>
+                <a:latin typeface="+mn-lt"/>
+                <a:ea typeface="微软雅黑" panose="020B0503020204020204" pitchFamily="34" charset="-122"/>
+              </a:defRPr>
+            </a:lvl5pPr>
+            <a:lvl6pPr marL="2514600" indent="-228600" algn="l" defTabSz="0" rtl="0" eaLnBrk="0" fontAlgn="base" hangingPunct="0">
+              <a:spcBef>
+                <a:spcPct val="0"/>
+              </a:spcBef>
+              <a:spcAft>
+                <a:spcPct val="25000"/>
+              </a:spcAft>
+              <a:buClr>
+                <a:schemeClr val="tx2"/>
+              </a:buClr>
+              <a:buFont typeface="Arial" panose="020B0604020202020204" pitchFamily="34" charset="0"/>
+              <a:buChar char="–"/>
+              <a:defRPr>
+                <a:solidFill>
+                  <a:schemeClr val="tx1"/>
+                </a:solidFill>
+                <a:latin typeface="+mn-lt"/>
+              </a:defRPr>
+            </a:lvl6pPr>
+            <a:lvl7pPr marL="2971800" indent="-228600" algn="l" defTabSz="0" rtl="0" eaLnBrk="0" fontAlgn="base" hangingPunct="0">
+              <a:spcBef>
+                <a:spcPct val="0"/>
+              </a:spcBef>
+              <a:spcAft>
+                <a:spcPct val="25000"/>
+              </a:spcAft>
+              <a:buClr>
+                <a:schemeClr val="tx2"/>
+              </a:buClr>
+              <a:buFont typeface="Arial" panose="020B0604020202020204" pitchFamily="34" charset="0"/>
+              <a:buChar char="–"/>
+              <a:defRPr>
+                <a:solidFill>
+                  <a:schemeClr val="tx1"/>
+                </a:solidFill>
+                <a:latin typeface="+mn-lt"/>
+              </a:defRPr>
+            </a:lvl7pPr>
+            <a:lvl8pPr marL="3429000" indent="-228600" algn="l" defTabSz="0" rtl="0" eaLnBrk="0" fontAlgn="base" hangingPunct="0">
+              <a:spcBef>
+                <a:spcPct val="0"/>
+              </a:spcBef>
+              <a:spcAft>
+                <a:spcPct val="25000"/>
+              </a:spcAft>
+              <a:buClr>
+                <a:schemeClr val="tx2"/>
+              </a:buClr>
+              <a:buFont typeface="Arial" panose="020B0604020202020204" pitchFamily="34" charset="0"/>
+              <a:buChar char="–"/>
+              <a:defRPr>
+                <a:solidFill>
+                  <a:schemeClr val="tx1"/>
+                </a:solidFill>
+                <a:latin typeface="+mn-lt"/>
+              </a:defRPr>
+            </a:lvl8pPr>
+            <a:lvl9pPr marL="3886200" indent="-228600" algn="l" defTabSz="0" rtl="0" eaLnBrk="0" fontAlgn="base" hangingPunct="0">
+              <a:spcBef>
+                <a:spcPct val="0"/>
+              </a:spcBef>
+              <a:spcAft>
+                <a:spcPct val="25000"/>
+              </a:spcAft>
+              <a:buClr>
+                <a:schemeClr val="tx2"/>
+              </a:buClr>
+              <a:buFont typeface="Arial" panose="020B0604020202020204" pitchFamily="34" charset="0"/>
+              <a:buChar char="–"/>
+              <a:defRPr>
+                <a:solidFill>
+                  <a:schemeClr val="tx1"/>
+                </a:solidFill>
+                <a:latin typeface="+mn-lt"/>
+              </a:defRPr>
+            </a:lvl9pPr>
+          </a:lstStyle>
+          <a:p>
+            <a:pPr>
+              <a:lnSpc>
+                <a:spcPct val="140000"/>
+              </a:lnSpc>
+              <a:spcBef>
+                <a:spcPts val="1000"/>
+              </a:spcBef>
+            </a:pPr>
+            <a:r>
+              <a:rPr lang="zh-CN" sz="2800">
+                <a:solidFill>
+                  <a:schemeClr val="tx1"/>
+                </a:solidFill>
+                <a:sym typeface="+mn-ea"/>
+              </a:rPr>
+              <a:t>根据对齐需要自动缩放节点尺寸</a:t>
+            </a:r>
+            <a:endParaRPr lang="zh-CN" sz="2800">
+              <a:solidFill>
+                <a:schemeClr val="tx1"/>
+              </a:solidFill>
+              <a:sym typeface="+mn-ea"/>
+            </a:endParaRPr>
+          </a:p>
+        </p:txBody>
+      </p:sp>
+      <p:sp>
+        <p:nvSpPr>
+          <p:cNvPr id="2" name="内容占位符 1"/>
+          <p:cNvSpPr>
+            <a:spLocks noGrp="1"/>
+          </p:cNvSpPr>
+          <p:nvPr>
+            <p:ph sz="quarter" idx="11"/>
+          </p:nvPr>
+        </p:nvSpPr>
+        <p:spPr>
+          <a:xfrm>
+            <a:off x="947420" y="236855"/>
+            <a:ext cx="8415655" cy="490220"/>
+          </a:xfrm>
+        </p:spPr>
+        <p:txBody>
+          <a:bodyPr/>
+          <a:p>
+            <a:r>
+              <a:rPr dirty="0">
+                <a:sym typeface="+mn-ea"/>
+              </a:rPr>
+              <a:t>UI 对齐策略与拉伸</a:t>
+            </a:r>
+            <a:endParaRPr dirty="0">
+              <a:sym typeface="+mn-ea"/>
+            </a:endParaRPr>
+          </a:p>
+        </p:txBody>
+      </p:sp>
+      <p:pic>
+        <p:nvPicPr>
+          <p:cNvPr id="3" name="图片 2"/>
+          <p:cNvPicPr>
+            <a:picLocks noChangeAspect="1"/>
+          </p:cNvPicPr>
+          <p:nvPr/>
+        </p:nvPicPr>
+        <p:blipFill>
+          <a:blip r:embed="rId1"/>
+          <a:stretch>
+            <a:fillRect/>
+          </a:stretch>
+        </p:blipFill>
+        <p:spPr>
+          <a:xfrm>
+            <a:off x="1019175" y="1734185"/>
+            <a:ext cx="9955530" cy="3627755"/>
+          </a:xfrm>
+          <a:prstGeom prst="rect">
+            <a:avLst/>
+          </a:prstGeom>
+        </p:spPr>
+      </p:pic>
+    </p:spTree>
+  </p:cSld>
+  <p:clrMapOvr>
+    <a:masterClrMapping/>
+  </p:clrMapOvr>
+  <p:timing>
+    <p:tnLst>
+      <p:par>
+        <p:cTn id="1" dur="indefinite" restart="never" nodeType="tmRoot">
+          <p:childTnLst>
+            <p:seq concurrent="1" nextAc="seek">
+              <p:cTn id="2" dur="indefinite" nodeType="mainSeq">
+                <p:childTnLst>
+                  <p:par>
+                    <p:cTn id="3" fill="hold">
+                      <p:stCondLst>
+                        <p:cond delay="indefinite"/>
+                      </p:stCondLst>
+                      <p:childTnLst>
+                        <p:par>
+                          <p:cTn id="4" fill="hold">
+                            <p:stCondLst>
+                              <p:cond delay="0"/>
+                            </p:stCondLst>
+                            <p:childTnLst>
+                              <p:par>
+                                <p:cTn id="5" presetID="2" presetClass="entr" presetSubtype="4" fill="hold" nodeType="clickEffect">
+                                  <p:stCondLst>
+                                    <p:cond delay="0"/>
+                                  </p:stCondLst>
+                                  <p:childTnLst>
+                                    <p:set>
+                                      <p:cBhvr>
+                                        <p:cTn id="6" dur="1" fill="hold">
+                                          <p:stCondLst>
+                                            <p:cond delay="0"/>
+                                          </p:stCondLst>
+                                        </p:cTn>
+                                        <p:tgtEl>
+                                          <p:spTgt spid="5122">
+                                            <p:txEl>
+                                              <p:pRg st="0" end="0"/>
+                                            </p:txEl>
+                                          </p:spTgt>
+                                        </p:tgtEl>
+                                        <p:attrNameLst>
+                                          <p:attrName>style.visibility</p:attrName>
+                                        </p:attrNameLst>
+                                      </p:cBhvr>
+                                      <p:to>
+                                        <p:strVal val="visible"/>
+                                      </p:to>
+                                    </p:set>
+                                    <p:anim calcmode="lin" valueType="num">
+                                      <p:cBhvr additive="base">
+                                        <p:cTn id="7" dur="500" fill="hold"/>
+                                        <p:tgtEl>
+                                          <p:spTgt spid="5122">
+                                            <p:txEl>
+                                              <p:pRg st="0" end="0"/>
+                                            </p:txEl>
+                                          </p:spTgt>
+                                        </p:tgtEl>
+                                        <p:attrNameLst>
+                                          <p:attrName>ppt_x</p:attrName>
+                                        </p:attrNameLst>
+                                      </p:cBhvr>
+                                      <p:tavLst>
+                                        <p:tav tm="0">
+                                          <p:val>
+                                            <p:strVal val="#ppt_x"/>
+                                          </p:val>
+                                        </p:tav>
+                                        <p:tav tm="100000">
+                                          <p:val>
+                                            <p:strVal val="#ppt_x"/>
+                                          </p:val>
+                                        </p:tav>
+                                      </p:tavLst>
+                                    </p:anim>
+                                    <p:anim calcmode="lin" valueType="num">
+                                      <p:cBhvr additive="base">
+                                        <p:cTn id="8" dur="500" fill="hold"/>
+                                        <p:tgtEl>
+                                          <p:spTgt spid="5122">
+                                            <p:txEl>
+                                              <p:pRg st="0" end="0"/>
+                                            </p:txEl>
+                                          </p:spTgt>
+                                        </p:tgtEl>
+                                        <p:attrNameLst>
+                                          <p:attrName>ppt_y</p:attrName>
+                                        </p:attrNameLst>
+                                      </p:cBhvr>
+                                      <p:tavLst>
+                                        <p:tav tm="0">
+                                          <p:val>
+                                            <p:strVal val="1+#ppt_h/2"/>
+                                          </p:val>
+                                        </p:tav>
+                                        <p:tav tm="100000">
+                                          <p:val>
+                                            <p:strVal val="#ppt_y"/>
+                                          </p:val>
+                                        </p:tav>
+                                      </p:tavLst>
+                                    </p:anim>
+                                  </p:childTnLst>
+                                </p:cTn>
+                              </p:par>
+                            </p:childTnLst>
+                          </p:cTn>
+                        </p:par>
+                      </p:childTnLst>
+                    </p:cTn>
+                  </p:par>
+                  <p:par>
+                    <p:cTn id="9" fill="hold">
+                      <p:stCondLst>
+                        <p:cond delay="indefinite"/>
+                      </p:stCondLst>
+                      <p:childTnLst>
+                        <p:par>
+                          <p:cTn id="10" fill="hold">
+                            <p:stCondLst>
+                              <p:cond delay="0"/>
+                            </p:stCondLst>
+                            <p:childTnLst>
+                              <p:par>
+                                <p:cTn id="11" presetID="2" presetClass="entr" presetSubtype="4" fill="hold" nodeType="clickEffect">
+                                  <p:stCondLst>
+                                    <p:cond delay="0"/>
+                                  </p:stCondLst>
+                                  <p:childTnLst>
+                                    <p:set>
+                                      <p:cBhvr>
+                                        <p:cTn id="12" dur="1" fill="hold">
+                                          <p:stCondLst>
+                                            <p:cond delay="0"/>
+                                          </p:stCondLst>
+                                        </p:cTn>
+                                        <p:tgtEl>
+                                          <p:spTgt spid="3"/>
+                                        </p:tgtEl>
+                                        <p:attrNameLst>
+                                          <p:attrName>style.visibility</p:attrName>
+                                        </p:attrNameLst>
+                                      </p:cBhvr>
+                                      <p:to>
+                                        <p:strVal val="visible"/>
+                                      </p:to>
+                                    </p:set>
+                                    <p:anim calcmode="lin" valueType="num">
+                                      <p:cBhvr additive="base">
+                                        <p:cTn id="13" dur="500" fill="hold"/>
+                                        <p:tgtEl>
+                                          <p:spTgt spid="3"/>
+                                        </p:tgtEl>
+                                        <p:attrNameLst>
+                                          <p:attrName>ppt_x</p:attrName>
+                                        </p:attrNameLst>
+                                      </p:cBhvr>
+                                      <p:tavLst>
+                                        <p:tav tm="0">
+                                          <p:val>
+                                            <p:strVal val="#ppt_x"/>
+                                          </p:val>
+                                        </p:tav>
+                                        <p:tav tm="100000">
+                                          <p:val>
+                                            <p:strVal val="#ppt_x"/>
+                                          </p:val>
+                                        </p:tav>
+                                      </p:tavLst>
+                                    </p:anim>
+                                    <p:anim calcmode="lin" valueType="num">
+                                      <p:cBhvr additive="base">
+                                        <p:cTn id="14" dur="500" fill="hold"/>
+                                        <p:tgtEl>
+                                          <p:spTgt spid="3"/>
+                                        </p:tgtEl>
+                                        <p:attrNameLst>
+                                          <p:attrName>ppt_y</p:attrName>
+                                        </p:attrNameLst>
+                                      </p:cBhvr>
+                                      <p:tavLst>
+                                        <p:tav tm="0">
+                                          <p:val>
+                                            <p:strVal val="1+#ppt_h/2"/>
+                                          </p:val>
+                                        </p:tav>
+                                        <p:tav tm="100000">
+                                          <p:val>
+                                            <p:strVal val="#ppt_y"/>
+                                          </p:val>
+                                        </p:tav>
+                                      </p:tavLst>
+                                    </p:anim>
+                                  </p:childTnLst>
+                                </p:cTn>
+                              </p:par>
+                            </p:childTnLst>
+                          </p:cTn>
+                        </p:par>
+                      </p:childTnLst>
+                    </p:cTn>
+                  </p:par>
+                </p:childTnLst>
+              </p:cTn>
+              <p:prevCondLst>
+                <p:cond evt="onPrev" delay="0">
+                  <p:tgtEl>
+                    <p:sldTgt/>
+                  </p:tgtEl>
+                </p:cond>
+              </p:prevCondLst>
+              <p:nextCondLst>
+                <p:cond evt="onNext" delay="0">
+                  <p:tgtEl>
+                    <p:sldTgt/>
+                  </p:tgtEl>
+                </p:cond>
+              </p:nextCondLst>
+            </p:seq>
+          </p:childTnLst>
+        </p:cTn>
+      </p:par>
+    </p:tnLst>
+  </p:timing>
+</p:sld>
+</file>
+
+<file path=ppt/slides/slide12.xml><?xml version="1.0" encoding="utf-8"?>
+<p:sld xmlns:a="http://schemas.openxmlformats.org/drawingml/2006/main" xmlns:r="http://schemas.openxmlformats.org/officeDocument/2006/relationships" xmlns:p="http://schemas.openxmlformats.org/presentationml/2006/main">
+  <p:cSld>
+    <p:spTree>
+      <p:nvGrpSpPr>
+        <p:cNvPr id="1" name=""/>
+        <p:cNvGrpSpPr/>
+        <p:nvPr/>
+      </p:nvGrpSpPr>
+      <p:grpSpPr>
+        <a:xfrm>
+          <a:off x="0" y="0"/>
+          <a:ext cx="0" cy="0"/>
+          <a:chOff x="0" y="0"/>
+          <a:chExt cx="0" cy="0"/>
+        </a:xfrm>
+      </p:grpSpPr>
+      <p:sp>
+        <p:nvSpPr>
+          <p:cNvPr id="5122" name="内容占位符 2"/>
+          <p:cNvSpPr>
+            <a:spLocks noGrp="1"/>
+          </p:cNvSpPr>
+          <p:nvPr/>
+        </p:nvSpPr>
+        <p:spPr>
+          <a:xfrm>
+            <a:off x="896620" y="829945"/>
+            <a:ext cx="10385425" cy="5245100"/>
+          </a:xfrm>
+        </p:spPr>
+        <p:txBody>
+          <a:bodyPr/>
+          <a:lstStyle>
+            <a:lvl1pPr marL="167005" indent="-167005" algn="l" defTabSz="0" rtl="0" eaLnBrk="0" fontAlgn="base" hangingPunct="0">
+              <a:spcBef>
+                <a:spcPct val="0"/>
+              </a:spcBef>
+              <a:spcAft>
+                <a:spcPct val="15000"/>
+              </a:spcAft>
+              <a:buClr>
+                <a:schemeClr val="tx2"/>
+              </a:buClr>
+              <a:buFont typeface="Arial" panose="020B0604020202020204" pitchFamily="34" charset="0"/>
+              <a:buChar char="•"/>
+              <a:defRPr sz="1600">
+                <a:solidFill>
+                  <a:srgbClr val="006F53"/>
+                </a:solidFill>
+                <a:latin typeface="微软雅黑" panose="020B0503020204020204" pitchFamily="34" charset="-122"/>
+                <a:ea typeface="微软雅黑" panose="020B0503020204020204" pitchFamily="34" charset="-122"/>
+                <a:cs typeface="+mn-cs"/>
+              </a:defRPr>
+            </a:lvl1pPr>
+            <a:lvl2pPr marL="398780" indent="-230505" algn="l" defTabSz="0" rtl="0" eaLnBrk="0" fontAlgn="base" hangingPunct="0">
+              <a:spcBef>
+                <a:spcPct val="0"/>
+              </a:spcBef>
+              <a:spcAft>
+                <a:spcPct val="15000"/>
+              </a:spcAft>
+              <a:buClr>
+                <a:schemeClr val="tx2"/>
+              </a:buClr>
+              <a:buFont typeface="Arial" panose="020B0604020202020204" pitchFamily="34" charset="0"/>
+              <a:buChar char="–"/>
+              <a:defRPr sz="2800">
+                <a:solidFill>
+                  <a:schemeClr val="bg2"/>
+                </a:solidFill>
+                <a:latin typeface="微软雅黑" panose="020B0503020204020204" pitchFamily="34" charset="-122"/>
+                <a:ea typeface="微软雅黑" panose="020B0503020204020204" pitchFamily="34" charset="-122"/>
+              </a:defRPr>
+            </a:lvl2pPr>
+            <a:lvl3pPr marL="400050" indent="182880" algn="l" defTabSz="0" rtl="0" eaLnBrk="0" fontAlgn="base" hangingPunct="0">
+              <a:spcBef>
+                <a:spcPct val="0"/>
+              </a:spcBef>
+              <a:spcAft>
+                <a:spcPct val="15000"/>
+              </a:spcAft>
+              <a:buClr>
+                <a:schemeClr val="tx2"/>
+              </a:buClr>
+              <a:buFont typeface="Arial" panose="020B0604020202020204" pitchFamily="34" charset="0"/>
+              <a:buChar char="•"/>
+              <a:defRPr sz="1600">
+                <a:solidFill>
+                  <a:schemeClr val="bg2"/>
+                </a:solidFill>
+                <a:latin typeface="微软雅黑" panose="020B0503020204020204" pitchFamily="34" charset="-122"/>
+                <a:ea typeface="微软雅黑" panose="020B0503020204020204" pitchFamily="34" charset="-122"/>
+              </a:defRPr>
+            </a:lvl3pPr>
+            <a:lvl4pPr marL="825500" indent="-241300" algn="l" defTabSz="0" rtl="0" eaLnBrk="0" fontAlgn="base" hangingPunct="0">
+              <a:spcBef>
+                <a:spcPct val="0"/>
+              </a:spcBef>
+              <a:spcAft>
+                <a:spcPct val="15000"/>
+              </a:spcAft>
+              <a:buClr>
+                <a:schemeClr val="tx2"/>
+              </a:buClr>
+              <a:buFont typeface="Arial" panose="020B0604020202020204" pitchFamily="34" charset="0"/>
+              <a:buChar char="–"/>
+              <a:defRPr sz="1600">
+                <a:solidFill>
+                  <a:schemeClr val="bg2"/>
+                </a:solidFill>
+                <a:latin typeface="微软雅黑" panose="020B0503020204020204" pitchFamily="34" charset="-122"/>
+                <a:ea typeface="微软雅黑" panose="020B0503020204020204" pitchFamily="34" charset="-122"/>
+              </a:defRPr>
+            </a:lvl4pPr>
+            <a:lvl5pPr marL="2057400" indent="-228600" algn="l" defTabSz="0" rtl="0" eaLnBrk="0" fontAlgn="base" hangingPunct="0">
+              <a:spcBef>
+                <a:spcPct val="0"/>
+              </a:spcBef>
+              <a:spcAft>
+                <a:spcPct val="25000"/>
+              </a:spcAft>
+              <a:buClr>
+                <a:schemeClr val="tx2"/>
+              </a:buClr>
+              <a:buFont typeface="Arial" panose="020B0604020202020204" pitchFamily="34" charset="0"/>
+              <a:buChar char="–"/>
+              <a:defRPr sz="2000">
+                <a:solidFill>
+                  <a:schemeClr val="tx1"/>
+                </a:solidFill>
+                <a:latin typeface="+mn-lt"/>
+                <a:ea typeface="微软雅黑" panose="020B0503020204020204" pitchFamily="34" charset="-122"/>
+              </a:defRPr>
+            </a:lvl5pPr>
+            <a:lvl6pPr marL="2514600" indent="-228600" algn="l" defTabSz="0" rtl="0" eaLnBrk="0" fontAlgn="base" hangingPunct="0">
+              <a:spcBef>
+                <a:spcPct val="0"/>
+              </a:spcBef>
+              <a:spcAft>
+                <a:spcPct val="25000"/>
+              </a:spcAft>
+              <a:buClr>
+                <a:schemeClr val="tx2"/>
+              </a:buClr>
+              <a:buFont typeface="Arial" panose="020B0604020202020204" pitchFamily="34" charset="0"/>
+              <a:buChar char="–"/>
+              <a:defRPr>
+                <a:solidFill>
+                  <a:schemeClr val="tx1"/>
+                </a:solidFill>
+                <a:latin typeface="+mn-lt"/>
+              </a:defRPr>
+            </a:lvl6pPr>
+            <a:lvl7pPr marL="2971800" indent="-228600" algn="l" defTabSz="0" rtl="0" eaLnBrk="0" fontAlgn="base" hangingPunct="0">
+              <a:spcBef>
+                <a:spcPct val="0"/>
+              </a:spcBef>
+              <a:spcAft>
+                <a:spcPct val="25000"/>
+              </a:spcAft>
+              <a:buClr>
+                <a:schemeClr val="tx2"/>
+              </a:buClr>
+              <a:buFont typeface="Arial" panose="020B0604020202020204" pitchFamily="34" charset="0"/>
+              <a:buChar char="–"/>
+              <a:defRPr>
+                <a:solidFill>
+                  <a:schemeClr val="tx1"/>
+                </a:solidFill>
+                <a:latin typeface="+mn-lt"/>
+              </a:defRPr>
+            </a:lvl7pPr>
+            <a:lvl8pPr marL="3429000" indent="-228600" algn="l" defTabSz="0" rtl="0" eaLnBrk="0" fontAlgn="base" hangingPunct="0">
+              <a:spcBef>
+                <a:spcPct val="0"/>
+              </a:spcBef>
+              <a:spcAft>
+                <a:spcPct val="25000"/>
+              </a:spcAft>
+              <a:buClr>
+                <a:schemeClr val="tx2"/>
+              </a:buClr>
+              <a:buFont typeface="Arial" panose="020B0604020202020204" pitchFamily="34" charset="0"/>
+              <a:buChar char="–"/>
+              <a:defRPr>
+                <a:solidFill>
+                  <a:schemeClr val="tx1"/>
+                </a:solidFill>
+                <a:latin typeface="+mn-lt"/>
+              </a:defRPr>
+            </a:lvl8pPr>
+            <a:lvl9pPr marL="3886200" indent="-228600" algn="l" defTabSz="0" rtl="0" eaLnBrk="0" fontAlgn="base" hangingPunct="0">
+              <a:spcBef>
+                <a:spcPct val="0"/>
+              </a:spcBef>
+              <a:spcAft>
+                <a:spcPct val="25000"/>
+              </a:spcAft>
+              <a:buClr>
+                <a:schemeClr val="tx2"/>
+              </a:buClr>
+              <a:buFont typeface="Arial" panose="020B0604020202020204" pitchFamily="34" charset="0"/>
+              <a:buChar char="–"/>
+              <a:defRPr>
+                <a:solidFill>
+                  <a:schemeClr val="tx1"/>
+                </a:solidFill>
+                <a:latin typeface="+mn-lt"/>
+              </a:defRPr>
+            </a:lvl9pPr>
+          </a:lstStyle>
+          <a:p>
+            <a:pPr>
+              <a:lnSpc>
+                <a:spcPct val="140000"/>
+              </a:lnSpc>
+              <a:spcBef>
+                <a:spcPts val="1000"/>
+              </a:spcBef>
+            </a:pPr>
+            <a:r>
+              <a:rPr lang="zh-CN" sz="2800">
+                <a:solidFill>
+                  <a:schemeClr val="tx1"/>
+                </a:solidFill>
+                <a:sym typeface="+mn-ea"/>
+              </a:rPr>
+              <a:t>设置百分比对齐距离</a:t>
+            </a:r>
+            <a:endParaRPr lang="zh-CN" sz="2800">
+              <a:solidFill>
+                <a:schemeClr val="tx1"/>
+              </a:solidFill>
+              <a:sym typeface="+mn-ea"/>
+            </a:endParaRPr>
+          </a:p>
+        </p:txBody>
+      </p:sp>
+      <p:sp>
+        <p:nvSpPr>
+          <p:cNvPr id="2" name="内容占位符 1"/>
+          <p:cNvSpPr>
+            <a:spLocks noGrp="1"/>
+          </p:cNvSpPr>
+          <p:nvPr>
+            <p:ph sz="quarter" idx="11"/>
+          </p:nvPr>
+        </p:nvSpPr>
+        <p:spPr>
+          <a:xfrm>
+            <a:off x="947420" y="236855"/>
+            <a:ext cx="8415655" cy="490220"/>
+          </a:xfrm>
+        </p:spPr>
+        <p:txBody>
+          <a:bodyPr/>
+          <a:p>
+            <a:r>
+              <a:rPr dirty="0">
+                <a:sym typeface="+mn-ea"/>
+              </a:rPr>
+              <a:t>UI 对齐策略与拉伸</a:t>
+            </a:r>
+            <a:endParaRPr dirty="0">
+              <a:sym typeface="+mn-ea"/>
+            </a:endParaRPr>
+          </a:p>
+        </p:txBody>
+      </p:sp>
+      <p:pic>
+        <p:nvPicPr>
+          <p:cNvPr id="4" name="图片 3"/>
+          <p:cNvPicPr>
+            <a:picLocks noChangeAspect="1"/>
+          </p:cNvPicPr>
+          <p:nvPr/>
+        </p:nvPicPr>
+        <p:blipFill>
+          <a:blip r:embed="rId1"/>
+          <a:stretch>
+            <a:fillRect/>
+          </a:stretch>
+        </p:blipFill>
+        <p:spPr>
+          <a:xfrm>
+            <a:off x="1171575" y="1727835"/>
+            <a:ext cx="9602470" cy="3449320"/>
+          </a:xfrm>
+          <a:prstGeom prst="rect">
+            <a:avLst/>
+          </a:prstGeom>
+        </p:spPr>
+      </p:pic>
+    </p:spTree>
+  </p:cSld>
+  <p:clrMapOvr>
+    <a:masterClrMapping/>
+  </p:clrMapOvr>
+  <p:timing>
+    <p:tnLst>
+      <p:par>
+        <p:cTn id="1" dur="indefinite" restart="never" nodeType="tmRoot">
+          <p:childTnLst>
+            <p:seq concurrent="1" nextAc="seek">
+              <p:cTn id="2" dur="indefinite" nodeType="mainSeq">
+                <p:childTnLst>
+                  <p:par>
+                    <p:cTn id="3" fill="hold">
+                      <p:stCondLst>
+                        <p:cond delay="indefinite"/>
+                      </p:stCondLst>
+                      <p:childTnLst>
+                        <p:par>
+                          <p:cTn id="4" fill="hold">
+                            <p:stCondLst>
+                              <p:cond delay="0"/>
+                            </p:stCondLst>
+                            <p:childTnLst>
+                              <p:par>
+                                <p:cTn id="5" presetID="2" presetClass="entr" presetSubtype="4" fill="hold" nodeType="clickEffect">
+                                  <p:stCondLst>
+                                    <p:cond delay="0"/>
+                                  </p:stCondLst>
+                                  <p:childTnLst>
+                                    <p:set>
+                                      <p:cBhvr>
+                                        <p:cTn id="6" dur="1" fill="hold">
+                                          <p:stCondLst>
+                                            <p:cond delay="0"/>
+                                          </p:stCondLst>
+                                        </p:cTn>
+                                        <p:tgtEl>
+                                          <p:spTgt spid="5122">
+                                            <p:txEl>
+                                              <p:pRg st="0" end="0"/>
+                                            </p:txEl>
+                                          </p:spTgt>
+                                        </p:tgtEl>
+                                        <p:attrNameLst>
+                                          <p:attrName>style.visibility</p:attrName>
+                                        </p:attrNameLst>
+                                      </p:cBhvr>
+                                      <p:to>
+                                        <p:strVal val="visible"/>
+                                      </p:to>
+                                    </p:set>
+                                    <p:anim calcmode="lin" valueType="num">
+                                      <p:cBhvr additive="base">
+                                        <p:cTn id="7" dur="500" fill="hold"/>
+                                        <p:tgtEl>
+                                          <p:spTgt spid="5122">
+                                            <p:txEl>
+                                              <p:pRg st="0" end="0"/>
+                                            </p:txEl>
+                                          </p:spTgt>
+                                        </p:tgtEl>
+                                        <p:attrNameLst>
+                                          <p:attrName>ppt_x</p:attrName>
+                                        </p:attrNameLst>
+                                      </p:cBhvr>
+                                      <p:tavLst>
+                                        <p:tav tm="0">
+                                          <p:val>
+                                            <p:strVal val="#ppt_x"/>
+                                          </p:val>
+                                        </p:tav>
+                                        <p:tav tm="100000">
+                                          <p:val>
+                                            <p:strVal val="#ppt_x"/>
+                                          </p:val>
+                                        </p:tav>
+                                      </p:tavLst>
+                                    </p:anim>
+                                    <p:anim calcmode="lin" valueType="num">
+                                      <p:cBhvr additive="base">
+                                        <p:cTn id="8" dur="500" fill="hold"/>
+                                        <p:tgtEl>
+                                          <p:spTgt spid="5122">
+                                            <p:txEl>
+                                              <p:pRg st="0" end="0"/>
+                                            </p:txEl>
+                                          </p:spTgt>
+                                        </p:tgtEl>
+                                        <p:attrNameLst>
+                                          <p:attrName>ppt_y</p:attrName>
+                                        </p:attrNameLst>
+                                      </p:cBhvr>
+                                      <p:tavLst>
+                                        <p:tav tm="0">
+                                          <p:val>
+                                            <p:strVal val="1+#ppt_h/2"/>
+                                          </p:val>
+                                        </p:tav>
+                                        <p:tav tm="100000">
+                                          <p:val>
+                                            <p:strVal val="#ppt_y"/>
+                                          </p:val>
+                                        </p:tav>
+                                      </p:tavLst>
+                                    </p:anim>
+                                  </p:childTnLst>
+                                </p:cTn>
+                              </p:par>
+                            </p:childTnLst>
+                          </p:cTn>
+                        </p:par>
+                      </p:childTnLst>
+                    </p:cTn>
+                  </p:par>
+                  <p:par>
+                    <p:cTn id="9" fill="hold">
+                      <p:stCondLst>
+                        <p:cond delay="indefinite"/>
+                      </p:stCondLst>
+                      <p:childTnLst>
+                        <p:par>
+                          <p:cTn id="10" fill="hold">
+                            <p:stCondLst>
+                              <p:cond delay="0"/>
+                            </p:stCondLst>
+                            <p:childTnLst>
+                              <p:par>
+                                <p:cTn id="11" presetID="2" presetClass="entr" presetSubtype="4" fill="hold" nodeType="clickEffect">
+                                  <p:stCondLst>
+                                    <p:cond delay="0"/>
+                                  </p:stCondLst>
+                                  <p:childTnLst>
+                                    <p:set>
+                                      <p:cBhvr>
+                                        <p:cTn id="12" dur="1" fill="hold">
+                                          <p:stCondLst>
+                                            <p:cond delay="0"/>
+                                          </p:stCondLst>
+                                        </p:cTn>
+                                        <p:tgtEl>
+                                          <p:spTgt spid="4"/>
+                                        </p:tgtEl>
+                                        <p:attrNameLst>
+                                          <p:attrName>style.visibility</p:attrName>
+                                        </p:attrNameLst>
+                                      </p:cBhvr>
+                                      <p:to>
+                                        <p:strVal val="visible"/>
+                                      </p:to>
+                                    </p:set>
+                                    <p:anim calcmode="lin" valueType="num">
+                                      <p:cBhvr additive="base">
+                                        <p:cTn id="13" dur="500" fill="hold"/>
+                                        <p:tgtEl>
+                                          <p:spTgt spid="4"/>
+                                        </p:tgtEl>
+                                        <p:attrNameLst>
+                                          <p:attrName>ppt_x</p:attrName>
+                                        </p:attrNameLst>
+                                      </p:cBhvr>
+                                      <p:tavLst>
+                                        <p:tav tm="0">
+                                          <p:val>
+                                            <p:strVal val="#ppt_x"/>
+                                          </p:val>
+                                        </p:tav>
+                                        <p:tav tm="100000">
+                                          <p:val>
+                                            <p:strVal val="#ppt_x"/>
+                                          </p:val>
+                                        </p:tav>
+                                      </p:tavLst>
+                                    </p:anim>
+                                    <p:anim calcmode="lin" valueType="num">
+                                      <p:cBhvr additive="base">
+                                        <p:cTn id="14" dur="500" fill="hold"/>
+                                        <p:tgtEl>
+                                          <p:spTgt spid="4"/>
+                                        </p:tgtEl>
+                                        <p:attrNameLst>
+                                          <p:attrName>ppt_y</p:attrName>
+                                        </p:attrNameLst>
+                                      </p:cBhvr>
+                                      <p:tavLst>
+                                        <p:tav tm="0">
+                                          <p:val>
+                                            <p:strVal val="1+#ppt_h/2"/>
+                                          </p:val>
+                                        </p:tav>
+                                        <p:tav tm="100000">
+                                          <p:val>
+                                            <p:strVal val="#ppt_y"/>
+                                          </p:val>
+                                        </p:tav>
+                                      </p:tavLst>
+                                    </p:anim>
+                                  </p:childTnLst>
+                                </p:cTn>
+                              </p:par>
+                            </p:childTnLst>
+                          </p:cTn>
+                        </p:par>
+                      </p:childTnLst>
+                    </p:cTn>
+                  </p:par>
+                </p:childTnLst>
+              </p:cTn>
+              <p:prevCondLst>
+                <p:cond evt="onPrev" delay="0">
+                  <p:tgtEl>
+                    <p:sldTgt/>
+                  </p:tgtEl>
+                </p:cond>
+              </p:prevCondLst>
+              <p:nextCondLst>
+                <p:cond evt="onNext" delay="0">
+                  <p:tgtEl>
+                    <p:sldTgt/>
+                  </p:tgtEl>
+                </p:cond>
+              </p:nextCondLst>
+            </p:seq>
+          </p:childTnLst>
+        </p:cTn>
+      </p:par>
+    </p:tnLst>
+  </p:timing>
+</p:sld>
+</file>
+
+<file path=ppt/slides/slide13.xml><?xml version="1.0" encoding="utf-8"?>
+<p:sld xmlns:a="http://schemas.openxmlformats.org/drawingml/2006/main" xmlns:r="http://schemas.openxmlformats.org/officeDocument/2006/relationships" xmlns:p="http://schemas.openxmlformats.org/presentationml/2006/main">
+  <p:cSld>
+    <p:spTree>
+      <p:nvGrpSpPr>
+        <p:cNvPr id="1" name=""/>
+        <p:cNvGrpSpPr/>
+        <p:nvPr/>
+      </p:nvGrpSpPr>
+      <p:grpSpPr>
+        <a:xfrm>
+          <a:off x="0" y="0"/>
+          <a:ext cx="0" cy="0"/>
+          <a:chOff x="0" y="0"/>
+          <a:chExt cx="0" cy="0"/>
+        </a:xfrm>
+      </p:grpSpPr>
+      <p:sp>
+        <p:nvSpPr>
+          <p:cNvPr id="5122" name="内容占位符 2"/>
+          <p:cNvSpPr>
+            <a:spLocks noGrp="1"/>
+          </p:cNvSpPr>
+          <p:nvPr/>
+        </p:nvSpPr>
+        <p:spPr>
+          <a:xfrm>
+            <a:off x="896620" y="829945"/>
+            <a:ext cx="10385425" cy="5245100"/>
+          </a:xfrm>
+        </p:spPr>
+        <p:txBody>
+          <a:bodyPr/>
+          <a:lstStyle>
+            <a:lvl1pPr marL="167005" indent="-167005" algn="l" defTabSz="0" rtl="0" eaLnBrk="0" fontAlgn="base" hangingPunct="0">
+              <a:spcBef>
+                <a:spcPct val="0"/>
+              </a:spcBef>
+              <a:spcAft>
+                <a:spcPct val="15000"/>
+              </a:spcAft>
+              <a:buClr>
+                <a:schemeClr val="tx2"/>
+              </a:buClr>
+              <a:buFont typeface="Arial" panose="020B0604020202020204" pitchFamily="34" charset="0"/>
+              <a:buChar char="•"/>
+              <a:defRPr sz="1600">
+                <a:solidFill>
+                  <a:srgbClr val="006F53"/>
+                </a:solidFill>
+                <a:latin typeface="微软雅黑" panose="020B0503020204020204" pitchFamily="34" charset="-122"/>
+                <a:ea typeface="微软雅黑" panose="020B0503020204020204" pitchFamily="34" charset="-122"/>
+                <a:cs typeface="+mn-cs"/>
+              </a:defRPr>
+            </a:lvl1pPr>
+            <a:lvl2pPr marL="398780" indent="-230505" algn="l" defTabSz="0" rtl="0" eaLnBrk="0" fontAlgn="base" hangingPunct="0">
+              <a:spcBef>
+                <a:spcPct val="0"/>
+              </a:spcBef>
+              <a:spcAft>
+                <a:spcPct val="15000"/>
+              </a:spcAft>
+              <a:buClr>
+                <a:schemeClr val="tx2"/>
+              </a:buClr>
+              <a:buFont typeface="Arial" panose="020B0604020202020204" pitchFamily="34" charset="0"/>
+              <a:buChar char="–"/>
+              <a:defRPr sz="2800">
+                <a:solidFill>
+                  <a:schemeClr val="bg2"/>
+                </a:solidFill>
+                <a:latin typeface="微软雅黑" panose="020B0503020204020204" pitchFamily="34" charset="-122"/>
+                <a:ea typeface="微软雅黑" panose="020B0503020204020204" pitchFamily="34" charset="-122"/>
+              </a:defRPr>
+            </a:lvl2pPr>
+            <a:lvl3pPr marL="400050" indent="182880" algn="l" defTabSz="0" rtl="0" eaLnBrk="0" fontAlgn="base" hangingPunct="0">
+              <a:spcBef>
+                <a:spcPct val="0"/>
+              </a:spcBef>
+              <a:spcAft>
+                <a:spcPct val="15000"/>
+              </a:spcAft>
+              <a:buClr>
+                <a:schemeClr val="tx2"/>
+              </a:buClr>
+              <a:buFont typeface="Arial" panose="020B0604020202020204" pitchFamily="34" charset="0"/>
+              <a:buChar char="•"/>
+              <a:defRPr sz="1600">
+                <a:solidFill>
+                  <a:schemeClr val="bg2"/>
+                </a:solidFill>
+                <a:latin typeface="微软雅黑" panose="020B0503020204020204" pitchFamily="34" charset="-122"/>
+                <a:ea typeface="微软雅黑" panose="020B0503020204020204" pitchFamily="34" charset="-122"/>
+              </a:defRPr>
+            </a:lvl3pPr>
+            <a:lvl4pPr marL="825500" indent="-241300" algn="l" defTabSz="0" rtl="0" eaLnBrk="0" fontAlgn="base" hangingPunct="0">
+              <a:spcBef>
+                <a:spcPct val="0"/>
+              </a:spcBef>
+              <a:spcAft>
+                <a:spcPct val="15000"/>
+              </a:spcAft>
+              <a:buClr>
+                <a:schemeClr val="tx2"/>
+              </a:buClr>
+              <a:buFont typeface="Arial" panose="020B0604020202020204" pitchFamily="34" charset="0"/>
+              <a:buChar char="–"/>
+              <a:defRPr sz="1600">
+                <a:solidFill>
+                  <a:schemeClr val="bg2"/>
+                </a:solidFill>
+                <a:latin typeface="微软雅黑" panose="020B0503020204020204" pitchFamily="34" charset="-122"/>
+                <a:ea typeface="微软雅黑" panose="020B0503020204020204" pitchFamily="34" charset="-122"/>
+              </a:defRPr>
+            </a:lvl4pPr>
+            <a:lvl5pPr marL="2057400" indent="-228600" algn="l" defTabSz="0" rtl="0" eaLnBrk="0" fontAlgn="base" hangingPunct="0">
+              <a:spcBef>
+                <a:spcPct val="0"/>
+              </a:spcBef>
+              <a:spcAft>
+                <a:spcPct val="25000"/>
+              </a:spcAft>
+              <a:buClr>
+                <a:schemeClr val="tx2"/>
+              </a:buClr>
+              <a:buFont typeface="Arial" panose="020B0604020202020204" pitchFamily="34" charset="0"/>
+              <a:buChar char="–"/>
+              <a:defRPr sz="2000">
+                <a:solidFill>
+                  <a:schemeClr val="tx1"/>
+                </a:solidFill>
+                <a:latin typeface="+mn-lt"/>
+                <a:ea typeface="微软雅黑" panose="020B0503020204020204" pitchFamily="34" charset="-122"/>
+              </a:defRPr>
+            </a:lvl5pPr>
+            <a:lvl6pPr marL="2514600" indent="-228600" algn="l" defTabSz="0" rtl="0" eaLnBrk="0" fontAlgn="base" hangingPunct="0">
+              <a:spcBef>
+                <a:spcPct val="0"/>
+              </a:spcBef>
+              <a:spcAft>
+                <a:spcPct val="25000"/>
+              </a:spcAft>
+              <a:buClr>
+                <a:schemeClr val="tx2"/>
+              </a:buClr>
+              <a:buFont typeface="Arial" panose="020B0604020202020204" pitchFamily="34" charset="0"/>
+              <a:buChar char="–"/>
+              <a:defRPr>
+                <a:solidFill>
+                  <a:schemeClr val="tx1"/>
+                </a:solidFill>
+                <a:latin typeface="+mn-lt"/>
+              </a:defRPr>
+            </a:lvl6pPr>
+            <a:lvl7pPr marL="2971800" indent="-228600" algn="l" defTabSz="0" rtl="0" eaLnBrk="0" fontAlgn="base" hangingPunct="0">
+              <a:spcBef>
+                <a:spcPct val="0"/>
+              </a:spcBef>
+              <a:spcAft>
+                <a:spcPct val="25000"/>
+              </a:spcAft>
+              <a:buClr>
+                <a:schemeClr val="tx2"/>
+              </a:buClr>
+              <a:buFont typeface="Arial" panose="020B0604020202020204" pitchFamily="34" charset="0"/>
+              <a:buChar char="–"/>
+              <a:defRPr>
+                <a:solidFill>
+                  <a:schemeClr val="tx1"/>
+                </a:solidFill>
+                <a:latin typeface="+mn-lt"/>
+              </a:defRPr>
+            </a:lvl7pPr>
+            <a:lvl8pPr marL="3429000" indent="-228600" algn="l" defTabSz="0" rtl="0" eaLnBrk="0" fontAlgn="base" hangingPunct="0">
+              <a:spcBef>
+                <a:spcPct val="0"/>
+              </a:spcBef>
+              <a:spcAft>
+                <a:spcPct val="25000"/>
+              </a:spcAft>
+              <a:buClr>
+                <a:schemeClr val="tx2"/>
+              </a:buClr>
+              <a:buFont typeface="Arial" panose="020B0604020202020204" pitchFamily="34" charset="0"/>
+              <a:buChar char="–"/>
+              <a:defRPr>
+                <a:solidFill>
+                  <a:schemeClr val="tx1"/>
+                </a:solidFill>
+                <a:latin typeface="+mn-lt"/>
+              </a:defRPr>
+            </a:lvl8pPr>
+            <a:lvl9pPr marL="3886200" indent="-228600" algn="l" defTabSz="0" rtl="0" eaLnBrk="0" fontAlgn="base" hangingPunct="0">
+              <a:spcBef>
+                <a:spcPct val="0"/>
+              </a:spcBef>
+              <a:spcAft>
+                <a:spcPct val="25000"/>
+              </a:spcAft>
+              <a:buClr>
+                <a:schemeClr val="tx2"/>
+              </a:buClr>
+              <a:buFont typeface="Arial" panose="020B0604020202020204" pitchFamily="34" charset="0"/>
+              <a:buChar char="–"/>
+              <a:defRPr>
+                <a:solidFill>
+                  <a:schemeClr val="tx1"/>
+                </a:solidFill>
+                <a:latin typeface="+mn-lt"/>
+              </a:defRPr>
+            </a:lvl9pPr>
+          </a:lstStyle>
+          <a:p>
+            <a:pPr>
+              <a:lnSpc>
+                <a:spcPct val="140000"/>
+              </a:lnSpc>
+              <a:spcBef>
+                <a:spcPts val="1000"/>
+              </a:spcBef>
+            </a:pPr>
+            <a:r>
+              <a:rPr lang="zh-CN" sz="2800">
+                <a:solidFill>
+                  <a:schemeClr val="tx1"/>
+                </a:solidFill>
+                <a:sym typeface="+mn-ea"/>
+              </a:rPr>
+              <a:t>制作可任意拉伸的 UI 图像（九宫格）</a:t>
+            </a:r>
+            <a:endParaRPr lang="zh-CN" sz="2800">
+              <a:solidFill>
+                <a:schemeClr val="tx1"/>
+              </a:solidFill>
+              <a:sym typeface="+mn-ea"/>
+            </a:endParaRPr>
+          </a:p>
+        </p:txBody>
+      </p:sp>
+      <p:sp>
+        <p:nvSpPr>
+          <p:cNvPr id="2" name="内容占位符 1"/>
+          <p:cNvSpPr>
+            <a:spLocks noGrp="1"/>
+          </p:cNvSpPr>
+          <p:nvPr>
+            <p:ph sz="quarter" idx="11"/>
+          </p:nvPr>
+        </p:nvSpPr>
+        <p:spPr>
+          <a:xfrm>
+            <a:off x="947420" y="236855"/>
+            <a:ext cx="8415655" cy="490220"/>
+          </a:xfrm>
+        </p:spPr>
+        <p:txBody>
+          <a:bodyPr/>
+          <a:p>
+            <a:r>
+              <a:rPr dirty="0">
+                <a:sym typeface="+mn-ea"/>
+              </a:rPr>
+              <a:t>UI 对齐策略与拉伸</a:t>
+            </a:r>
+            <a:endParaRPr dirty="0">
+              <a:sym typeface="+mn-ea"/>
+            </a:endParaRPr>
+          </a:p>
+        </p:txBody>
+      </p:sp>
+      <p:pic>
+        <p:nvPicPr>
+          <p:cNvPr id="3" name="图片 2"/>
+          <p:cNvPicPr>
+            <a:picLocks noChangeAspect="1"/>
+          </p:cNvPicPr>
+          <p:nvPr/>
+        </p:nvPicPr>
+        <p:blipFill>
+          <a:blip r:embed="rId1"/>
+          <a:stretch>
+            <a:fillRect/>
+          </a:stretch>
+        </p:blipFill>
+        <p:spPr>
+          <a:xfrm>
+            <a:off x="947420" y="1762125"/>
+            <a:ext cx="10055860" cy="3352165"/>
+          </a:xfrm>
+          <a:prstGeom prst="rect">
+            <a:avLst/>
+          </a:prstGeom>
+        </p:spPr>
+      </p:pic>
+    </p:spTree>
+  </p:cSld>
+  <p:clrMapOvr>
+    <a:masterClrMapping/>
+  </p:clrMapOvr>
+  <p:timing>
+    <p:tnLst>
+      <p:par>
+        <p:cTn id="1" dur="indefinite" restart="never" nodeType="tmRoot">
+          <p:childTnLst>
+            <p:seq concurrent="1" nextAc="seek">
+              <p:cTn id="2" dur="indefinite" nodeType="mainSeq">
+                <p:childTnLst>
+                  <p:par>
+                    <p:cTn id="3" fill="hold">
+                      <p:stCondLst>
+                        <p:cond delay="indefinite"/>
+                      </p:stCondLst>
+                      <p:childTnLst>
+                        <p:par>
+                          <p:cTn id="4" fill="hold">
+                            <p:stCondLst>
+                              <p:cond delay="0"/>
+                            </p:stCondLst>
+                            <p:childTnLst>
+                              <p:par>
+                                <p:cTn id="5" presetID="2" presetClass="entr" presetSubtype="4" fill="hold" nodeType="clickEffect">
+                                  <p:stCondLst>
+                                    <p:cond delay="0"/>
+                                  </p:stCondLst>
+                                  <p:childTnLst>
+                                    <p:set>
+                                      <p:cBhvr>
+                                        <p:cTn id="6" dur="1" fill="hold">
+                                          <p:stCondLst>
+                                            <p:cond delay="0"/>
+                                          </p:stCondLst>
+                                        </p:cTn>
+                                        <p:tgtEl>
+                                          <p:spTgt spid="5122">
+                                            <p:txEl>
+                                              <p:pRg st="0" end="0"/>
+                                            </p:txEl>
+                                          </p:spTgt>
+                                        </p:tgtEl>
+                                        <p:attrNameLst>
+                                          <p:attrName>style.visibility</p:attrName>
+                                        </p:attrNameLst>
+                                      </p:cBhvr>
+                                      <p:to>
+                                        <p:strVal val="visible"/>
+                                      </p:to>
+                                    </p:set>
+                                    <p:anim calcmode="lin" valueType="num">
+                                      <p:cBhvr additive="base">
+                                        <p:cTn id="7" dur="500" fill="hold"/>
+                                        <p:tgtEl>
+                                          <p:spTgt spid="5122">
+                                            <p:txEl>
+                                              <p:pRg st="0" end="0"/>
+                                            </p:txEl>
+                                          </p:spTgt>
+                                        </p:tgtEl>
+                                        <p:attrNameLst>
+                                          <p:attrName>ppt_x</p:attrName>
+                                        </p:attrNameLst>
+                                      </p:cBhvr>
+                                      <p:tavLst>
+                                        <p:tav tm="0">
+                                          <p:val>
+                                            <p:strVal val="#ppt_x"/>
+                                          </p:val>
+                                        </p:tav>
+                                        <p:tav tm="100000">
+                                          <p:val>
+                                            <p:strVal val="#ppt_x"/>
+                                          </p:val>
+                                        </p:tav>
+                                      </p:tavLst>
+                                    </p:anim>
+                                    <p:anim calcmode="lin" valueType="num">
+                                      <p:cBhvr additive="base">
+                                        <p:cTn id="8" dur="500" fill="hold"/>
+                                        <p:tgtEl>
+                                          <p:spTgt spid="5122">
+                                            <p:txEl>
+                                              <p:pRg st="0" end="0"/>
+                                            </p:txEl>
+                                          </p:spTgt>
+                                        </p:tgtEl>
+                                        <p:attrNameLst>
+                                          <p:attrName>ppt_y</p:attrName>
+                                        </p:attrNameLst>
+                                      </p:cBhvr>
+                                      <p:tavLst>
+                                        <p:tav tm="0">
+                                          <p:val>
+                                            <p:strVal val="1+#ppt_h/2"/>
+                                          </p:val>
+                                        </p:tav>
+                                        <p:tav tm="100000">
+                                          <p:val>
+                                            <p:strVal val="#ppt_y"/>
+                                          </p:val>
+                                        </p:tav>
+                                      </p:tavLst>
+                                    </p:anim>
+                                  </p:childTnLst>
+                                </p:cTn>
+                              </p:par>
+                            </p:childTnLst>
+                          </p:cTn>
+                        </p:par>
+                      </p:childTnLst>
+                    </p:cTn>
+                  </p:par>
+                  <p:par>
+                    <p:cTn id="9" fill="hold">
+                      <p:stCondLst>
+                        <p:cond delay="indefinite"/>
+                      </p:stCondLst>
+                      <p:childTnLst>
+                        <p:par>
+                          <p:cTn id="10" fill="hold">
+                            <p:stCondLst>
+                              <p:cond delay="0"/>
+                            </p:stCondLst>
+                            <p:childTnLst>
+                              <p:par>
+                                <p:cTn id="11" presetID="2" presetClass="entr" presetSubtype="4" fill="hold" nodeType="clickEffect">
+                                  <p:stCondLst>
+                                    <p:cond delay="0"/>
+                                  </p:stCondLst>
+                                  <p:childTnLst>
+                                    <p:set>
+                                      <p:cBhvr>
+                                        <p:cTn id="12" dur="1" fill="hold">
+                                          <p:stCondLst>
+                                            <p:cond delay="0"/>
+                                          </p:stCondLst>
+                                        </p:cTn>
+                                        <p:tgtEl>
+                                          <p:spTgt spid="3"/>
+                                        </p:tgtEl>
+                                        <p:attrNameLst>
+                                          <p:attrName>style.visibility</p:attrName>
+                                        </p:attrNameLst>
+                                      </p:cBhvr>
+                                      <p:to>
+                                        <p:strVal val="visible"/>
+                                      </p:to>
+                                    </p:set>
+                                    <p:anim calcmode="lin" valueType="num">
+                                      <p:cBhvr additive="base">
+                                        <p:cTn id="13" dur="500" fill="hold"/>
+                                        <p:tgtEl>
+                                          <p:spTgt spid="3"/>
+                                        </p:tgtEl>
+                                        <p:attrNameLst>
+                                          <p:attrName>ppt_x</p:attrName>
+                                        </p:attrNameLst>
+                                      </p:cBhvr>
+                                      <p:tavLst>
+                                        <p:tav tm="0">
+                                          <p:val>
+                                            <p:strVal val="#ppt_x"/>
+                                          </p:val>
+                                        </p:tav>
+                                        <p:tav tm="100000">
+                                          <p:val>
+                                            <p:strVal val="#ppt_x"/>
+                                          </p:val>
+                                        </p:tav>
+                                      </p:tavLst>
+                                    </p:anim>
+                                    <p:anim calcmode="lin" valueType="num">
+                                      <p:cBhvr additive="base">
+                                        <p:cTn id="14" dur="500" fill="hold"/>
+                                        <p:tgtEl>
+                                          <p:spTgt spid="3"/>
+                                        </p:tgtEl>
+                                        <p:attrNameLst>
+                                          <p:attrName>ppt_y</p:attrName>
+                                        </p:attrNameLst>
+                                      </p:cBhvr>
+                                      <p:tavLst>
+                                        <p:tav tm="0">
+                                          <p:val>
+                                            <p:strVal val="1+#ppt_h/2"/>
+                                          </p:val>
+                                        </p:tav>
+                                        <p:tav tm="100000">
+                                          <p:val>
+                                            <p:strVal val="#ppt_y"/>
+                                          </p:val>
+                                        </p:tav>
+                                      </p:tavLst>
+                                    </p:anim>
+                                  </p:childTnLst>
+                                </p:cTn>
+                              </p:par>
+                            </p:childTnLst>
+                          </p:cTn>
+                        </p:par>
+                      </p:childTnLst>
+                    </p:cTn>
+                  </p:par>
+                </p:childTnLst>
+              </p:cTn>
+              <p:prevCondLst>
+                <p:cond evt="onPrev" delay="0">
+                  <p:tgtEl>
+                    <p:sldTgt/>
+                  </p:tgtEl>
+                </p:cond>
+              </p:prevCondLst>
+              <p:nextCondLst>
+                <p:cond evt="onNext" delay="0">
+                  <p:tgtEl>
+                    <p:sldTgt/>
+                  </p:tgtEl>
+                </p:cond>
+              </p:nextCondLst>
+            </p:seq>
+          </p:childTnLst>
+        </p:cTn>
+      </p:par>
+    </p:tnLst>
+  </p:timing>
+</p:sld>
+</file>
+
+<file path=ppt/slides/slide14.xml><?xml version="1.0" encoding="utf-8"?>
+<p:sld xmlns:a="http://schemas.openxmlformats.org/drawingml/2006/main" xmlns:r="http://schemas.openxmlformats.org/officeDocument/2006/relationships" xmlns:p="http://schemas.openxmlformats.org/presentationml/2006/main">
+  <p:cSld>
+    <p:spTree>
+      <p:nvGrpSpPr>
+        <p:cNvPr id="1" name=""/>
+        <p:cNvGrpSpPr/>
+        <p:nvPr/>
+      </p:nvGrpSpPr>
       <p:grpSpPr/>
       <p:pic>
         <p:nvPicPr>
@@ -3193,13 +5432,7 @@
               <a:rPr dirty="0">
                 <a:sym typeface="+mn-ea"/>
               </a:rPr>
-              <a:t>Widget 组件</a:t>
-            </a:r>
-            <a:r>
-              <a:rPr dirty="0">
-                <a:sym typeface="+mn-ea"/>
-              </a:rPr>
-              <a:t>(对齐组件)</a:t>
+              <a:t>Widget 组件(对齐组件)</a:t>
             </a:r>
             <a:endParaRPr dirty="0">
               <a:sym typeface="+mn-ea"/>
